--- a/chapter_1_소개, 코드 포매팅과 도구/1장_소개자료.pptx
+++ b/chapter_1_소개, 코드 포매팅과 도구/1장_소개자료.pptx
@@ -10,6 +10,11 @@
     <p:sldId id="258" r:id="rId4"/>
     <p:sldId id="259" r:id="rId5"/>
     <p:sldId id="260" r:id="rId6"/>
+    <p:sldId id="261" r:id="rId7"/>
+    <p:sldId id="262" r:id="rId8"/>
+    <p:sldId id="263" r:id="rId9"/>
+    <p:sldId id="264" r:id="rId10"/>
+    <p:sldId id="265" r:id="rId11"/>
   </p:sldIdLst>
   <p:sldSz cx="12192000" cy="6858000"/>
   <p:notesSz cx="6858000" cy="9144000"/>
@@ -121,9 +126,17 @@
             <p14:sldId id="258"/>
             <p14:sldId id="259"/>
             <p14:sldId id="260"/>
+            <p14:sldId id="261"/>
+            <p14:sldId id="262"/>
+            <p14:sldId id="263"/>
+            <p14:sldId id="264"/>
+            <p14:sldId id="265"/>
           </p14:sldIdLst>
         </p14:section>
       </p14:sectionLst>
+    </p:ext>
+    <p:ext uri="{EFAFB233-063F-42B5-8137-9DF3F51BA10A}">
+      <p15:sldGuideLst xmlns:p15="http://schemas.microsoft.com/office/powerpoint/2012/main"/>
     </p:ext>
   </p:extLst>
 </p:presentation>
@@ -171,10 +184,9 @@
           </a:lstStyle>
           <a:p>
             <a:r>
-              <a:rPr lang="ko-KR" altLang="en-US" smtClean="0"/>
+              <a:rPr lang="ko-KR" altLang="en-US"/>
               <a:t>마스터 제목 스타일 편집</a:t>
             </a:r>
-            <a:endParaRPr lang="ko-KR" altLang="en-US"/>
           </a:p>
         </p:txBody>
       </p:sp>
@@ -236,10 +248,9 @@
           </a:lstStyle>
           <a:p>
             <a:r>
-              <a:rPr lang="ko-KR" altLang="en-US" smtClean="0"/>
+              <a:rPr lang="ko-KR" altLang="en-US"/>
               <a:t>클릭하여 마스터 부제목 스타일 편집</a:t>
             </a:r>
-            <a:endParaRPr lang="ko-KR" altLang="en-US"/>
           </a:p>
         </p:txBody>
       </p:sp>
@@ -260,7 +271,7 @@
           <a:p>
             <a:fld id="{135BA1F9-2E68-4163-81E3-BD27D4A2D212}" type="datetimeFigureOut">
               <a:rPr lang="ko-KR" altLang="en-US" smtClean="0"/>
-              <a:t>2019-05-04</a:t>
+              <a:t>2019-05-05</a:t>
             </a:fld>
             <a:endParaRPr lang="ko-KR" altLang="en-US"/>
           </a:p>
@@ -354,10 +365,9 @@
           <a:lstStyle/>
           <a:p>
             <a:r>
-              <a:rPr lang="ko-KR" altLang="en-US" smtClean="0"/>
+              <a:rPr lang="ko-KR" altLang="en-US"/>
               <a:t>마스터 제목 스타일 편집</a:t>
             </a:r>
-            <a:endParaRPr lang="ko-KR" altLang="en-US"/>
           </a:p>
         </p:txBody>
       </p:sp>
@@ -378,38 +388,37 @@
           <a:p>
             <a:pPr lvl="0"/>
             <a:r>
-              <a:rPr lang="ko-KR" altLang="en-US" smtClean="0"/>
+              <a:rPr lang="ko-KR" altLang="en-US"/>
               <a:t>마스터 텍스트 스타일 편집</a:t>
             </a:r>
           </a:p>
           <a:p>
             <a:pPr lvl="1"/>
             <a:r>
-              <a:rPr lang="ko-KR" altLang="en-US" smtClean="0"/>
+              <a:rPr lang="ko-KR" altLang="en-US"/>
               <a:t>둘째 수준</a:t>
             </a:r>
           </a:p>
           <a:p>
             <a:pPr lvl="2"/>
             <a:r>
-              <a:rPr lang="ko-KR" altLang="en-US" smtClean="0"/>
+              <a:rPr lang="ko-KR" altLang="en-US"/>
               <a:t>셋째 수준</a:t>
             </a:r>
           </a:p>
           <a:p>
             <a:pPr lvl="3"/>
             <a:r>
-              <a:rPr lang="ko-KR" altLang="en-US" smtClean="0"/>
+              <a:rPr lang="ko-KR" altLang="en-US"/>
               <a:t>넷째 수준</a:t>
             </a:r>
           </a:p>
           <a:p>
             <a:pPr lvl="4"/>
             <a:r>
-              <a:rPr lang="ko-KR" altLang="en-US" smtClean="0"/>
+              <a:rPr lang="ko-KR" altLang="en-US"/>
               <a:t>다섯째 수준</a:t>
             </a:r>
-            <a:endParaRPr lang="ko-KR" altLang="en-US"/>
           </a:p>
         </p:txBody>
       </p:sp>
@@ -430,7 +439,7 @@
           <a:p>
             <a:fld id="{135BA1F9-2E68-4163-81E3-BD27D4A2D212}" type="datetimeFigureOut">
               <a:rPr lang="ko-KR" altLang="en-US" smtClean="0"/>
-              <a:t>2019-05-04</a:t>
+              <a:t>2019-05-05</a:t>
             </a:fld>
             <a:endParaRPr lang="ko-KR" altLang="en-US"/>
           </a:p>
@@ -529,10 +538,9 @@
           <a:lstStyle/>
           <a:p>
             <a:r>
-              <a:rPr lang="ko-KR" altLang="en-US" smtClean="0"/>
+              <a:rPr lang="ko-KR" altLang="en-US"/>
               <a:t>마스터 제목 스타일 편집</a:t>
             </a:r>
-            <a:endParaRPr lang="ko-KR" altLang="en-US"/>
           </a:p>
         </p:txBody>
       </p:sp>
@@ -558,38 +566,37 @@
           <a:p>
             <a:pPr lvl="0"/>
             <a:r>
-              <a:rPr lang="ko-KR" altLang="en-US" smtClean="0"/>
+              <a:rPr lang="ko-KR" altLang="en-US"/>
               <a:t>마스터 텍스트 스타일 편집</a:t>
             </a:r>
           </a:p>
           <a:p>
             <a:pPr lvl="1"/>
             <a:r>
-              <a:rPr lang="ko-KR" altLang="en-US" smtClean="0"/>
+              <a:rPr lang="ko-KR" altLang="en-US"/>
               <a:t>둘째 수준</a:t>
             </a:r>
           </a:p>
           <a:p>
             <a:pPr lvl="2"/>
             <a:r>
-              <a:rPr lang="ko-KR" altLang="en-US" smtClean="0"/>
+              <a:rPr lang="ko-KR" altLang="en-US"/>
               <a:t>셋째 수준</a:t>
             </a:r>
           </a:p>
           <a:p>
             <a:pPr lvl="3"/>
             <a:r>
-              <a:rPr lang="ko-KR" altLang="en-US" smtClean="0"/>
+              <a:rPr lang="ko-KR" altLang="en-US"/>
               <a:t>넷째 수준</a:t>
             </a:r>
           </a:p>
           <a:p>
             <a:pPr lvl="4"/>
             <a:r>
-              <a:rPr lang="ko-KR" altLang="en-US" smtClean="0"/>
+              <a:rPr lang="ko-KR" altLang="en-US"/>
               <a:t>다섯째 수준</a:t>
             </a:r>
-            <a:endParaRPr lang="ko-KR" altLang="en-US"/>
           </a:p>
         </p:txBody>
       </p:sp>
@@ -610,7 +617,7 @@
           <a:p>
             <a:fld id="{135BA1F9-2E68-4163-81E3-BD27D4A2D212}" type="datetimeFigureOut">
               <a:rPr lang="ko-KR" altLang="en-US" smtClean="0"/>
-              <a:t>2019-05-04</a:t>
+              <a:t>2019-05-05</a:t>
             </a:fld>
             <a:endParaRPr lang="ko-KR" altLang="en-US"/>
           </a:p>
@@ -704,10 +711,9 @@
           <a:lstStyle/>
           <a:p>
             <a:r>
-              <a:rPr lang="ko-KR" altLang="en-US" smtClean="0"/>
+              <a:rPr lang="ko-KR" altLang="en-US"/>
               <a:t>마스터 제목 스타일 편집</a:t>
             </a:r>
-            <a:endParaRPr lang="ko-KR" altLang="en-US"/>
           </a:p>
         </p:txBody>
       </p:sp>
@@ -728,38 +734,37 @@
           <a:p>
             <a:pPr lvl="0"/>
             <a:r>
-              <a:rPr lang="ko-KR" altLang="en-US" smtClean="0"/>
+              <a:rPr lang="ko-KR" altLang="en-US"/>
               <a:t>마스터 텍스트 스타일 편집</a:t>
             </a:r>
           </a:p>
           <a:p>
             <a:pPr lvl="1"/>
             <a:r>
-              <a:rPr lang="ko-KR" altLang="en-US" smtClean="0"/>
+              <a:rPr lang="ko-KR" altLang="en-US"/>
               <a:t>둘째 수준</a:t>
             </a:r>
           </a:p>
           <a:p>
             <a:pPr lvl="2"/>
             <a:r>
-              <a:rPr lang="ko-KR" altLang="en-US" smtClean="0"/>
+              <a:rPr lang="ko-KR" altLang="en-US"/>
               <a:t>셋째 수준</a:t>
             </a:r>
           </a:p>
           <a:p>
             <a:pPr lvl="3"/>
             <a:r>
-              <a:rPr lang="ko-KR" altLang="en-US" smtClean="0"/>
+              <a:rPr lang="ko-KR" altLang="en-US"/>
               <a:t>넷째 수준</a:t>
             </a:r>
           </a:p>
           <a:p>
             <a:pPr lvl="4"/>
             <a:r>
-              <a:rPr lang="ko-KR" altLang="en-US" smtClean="0"/>
+              <a:rPr lang="ko-KR" altLang="en-US"/>
               <a:t>다섯째 수준</a:t>
             </a:r>
-            <a:endParaRPr lang="ko-KR" altLang="en-US"/>
           </a:p>
         </p:txBody>
       </p:sp>
@@ -780,7 +785,7 @@
           <a:p>
             <a:fld id="{135BA1F9-2E68-4163-81E3-BD27D4A2D212}" type="datetimeFigureOut">
               <a:rPr lang="ko-KR" altLang="en-US" smtClean="0"/>
-              <a:t>2019-05-04</a:t>
+              <a:t>2019-05-05</a:t>
             </a:fld>
             <a:endParaRPr lang="ko-KR" altLang="en-US"/>
           </a:p>
@@ -883,10 +888,9 @@
           </a:lstStyle>
           <a:p>
             <a:r>
-              <a:rPr lang="ko-KR" altLang="en-US" smtClean="0"/>
+              <a:rPr lang="ko-KR" altLang="en-US"/>
               <a:t>마스터 제목 스타일 편집</a:t>
             </a:r>
-            <a:endParaRPr lang="ko-KR" altLang="en-US"/>
           </a:p>
         </p:txBody>
       </p:sp>
@@ -1003,7 +1007,7 @@
           <a:p>
             <a:pPr lvl="0"/>
             <a:r>
-              <a:rPr lang="ko-KR" altLang="en-US" smtClean="0"/>
+              <a:rPr lang="ko-KR" altLang="en-US"/>
               <a:t>마스터 텍스트 스타일 편집</a:t>
             </a:r>
           </a:p>
@@ -1026,7 +1030,7 @@
           <a:p>
             <a:fld id="{135BA1F9-2E68-4163-81E3-BD27D4A2D212}" type="datetimeFigureOut">
               <a:rPr lang="ko-KR" altLang="en-US" smtClean="0"/>
-              <a:t>2019-05-04</a:t>
+              <a:t>2019-05-05</a:t>
             </a:fld>
             <a:endParaRPr lang="ko-KR" altLang="en-US"/>
           </a:p>
@@ -1120,10 +1124,9 @@
           <a:lstStyle/>
           <a:p>
             <a:r>
-              <a:rPr lang="ko-KR" altLang="en-US" smtClean="0"/>
+              <a:rPr lang="ko-KR" altLang="en-US"/>
               <a:t>마스터 제목 스타일 편집</a:t>
             </a:r>
-            <a:endParaRPr lang="ko-KR" altLang="en-US"/>
           </a:p>
         </p:txBody>
       </p:sp>
@@ -1149,38 +1152,37 @@
           <a:p>
             <a:pPr lvl="0"/>
             <a:r>
-              <a:rPr lang="ko-KR" altLang="en-US" smtClean="0"/>
+              <a:rPr lang="ko-KR" altLang="en-US"/>
               <a:t>마스터 텍스트 스타일 편집</a:t>
             </a:r>
           </a:p>
           <a:p>
             <a:pPr lvl="1"/>
             <a:r>
-              <a:rPr lang="ko-KR" altLang="en-US" smtClean="0"/>
+              <a:rPr lang="ko-KR" altLang="en-US"/>
               <a:t>둘째 수준</a:t>
             </a:r>
           </a:p>
           <a:p>
             <a:pPr lvl="2"/>
             <a:r>
-              <a:rPr lang="ko-KR" altLang="en-US" smtClean="0"/>
+              <a:rPr lang="ko-KR" altLang="en-US"/>
               <a:t>셋째 수준</a:t>
             </a:r>
           </a:p>
           <a:p>
             <a:pPr lvl="3"/>
             <a:r>
-              <a:rPr lang="ko-KR" altLang="en-US" smtClean="0"/>
+              <a:rPr lang="ko-KR" altLang="en-US"/>
               <a:t>넷째 수준</a:t>
             </a:r>
           </a:p>
           <a:p>
             <a:pPr lvl="4"/>
             <a:r>
-              <a:rPr lang="ko-KR" altLang="en-US" smtClean="0"/>
+              <a:rPr lang="ko-KR" altLang="en-US"/>
               <a:t>다섯째 수준</a:t>
             </a:r>
-            <a:endParaRPr lang="ko-KR" altLang="en-US"/>
           </a:p>
         </p:txBody>
       </p:sp>
@@ -1206,38 +1208,37 @@
           <a:p>
             <a:pPr lvl="0"/>
             <a:r>
-              <a:rPr lang="ko-KR" altLang="en-US" smtClean="0"/>
+              <a:rPr lang="ko-KR" altLang="en-US"/>
               <a:t>마스터 텍스트 스타일 편집</a:t>
             </a:r>
           </a:p>
           <a:p>
             <a:pPr lvl="1"/>
             <a:r>
-              <a:rPr lang="ko-KR" altLang="en-US" smtClean="0"/>
+              <a:rPr lang="ko-KR" altLang="en-US"/>
               <a:t>둘째 수준</a:t>
             </a:r>
           </a:p>
           <a:p>
             <a:pPr lvl="2"/>
             <a:r>
-              <a:rPr lang="ko-KR" altLang="en-US" smtClean="0"/>
+              <a:rPr lang="ko-KR" altLang="en-US"/>
               <a:t>셋째 수준</a:t>
             </a:r>
           </a:p>
           <a:p>
             <a:pPr lvl="3"/>
             <a:r>
-              <a:rPr lang="ko-KR" altLang="en-US" smtClean="0"/>
+              <a:rPr lang="ko-KR" altLang="en-US"/>
               <a:t>넷째 수준</a:t>
             </a:r>
           </a:p>
           <a:p>
             <a:pPr lvl="4"/>
             <a:r>
-              <a:rPr lang="ko-KR" altLang="en-US" smtClean="0"/>
+              <a:rPr lang="ko-KR" altLang="en-US"/>
               <a:t>다섯째 수준</a:t>
             </a:r>
-            <a:endParaRPr lang="ko-KR" altLang="en-US"/>
           </a:p>
         </p:txBody>
       </p:sp>
@@ -1258,7 +1259,7 @@
           <a:p>
             <a:fld id="{135BA1F9-2E68-4163-81E3-BD27D4A2D212}" type="datetimeFigureOut">
               <a:rPr lang="ko-KR" altLang="en-US" smtClean="0"/>
-              <a:t>2019-05-04</a:t>
+              <a:t>2019-05-05</a:t>
             </a:fld>
             <a:endParaRPr lang="ko-KR" altLang="en-US"/>
           </a:p>
@@ -1357,10 +1358,9 @@
           <a:lstStyle/>
           <a:p>
             <a:r>
-              <a:rPr lang="ko-KR" altLang="en-US" smtClean="0"/>
+              <a:rPr lang="ko-KR" altLang="en-US"/>
               <a:t>마스터 제목 스타일 편집</a:t>
             </a:r>
-            <a:endParaRPr lang="ko-KR" altLang="en-US"/>
           </a:p>
         </p:txBody>
       </p:sp>
@@ -1423,7 +1423,7 @@
           <a:p>
             <a:pPr lvl="0"/>
             <a:r>
-              <a:rPr lang="ko-KR" altLang="en-US" smtClean="0"/>
+              <a:rPr lang="ko-KR" altLang="en-US"/>
               <a:t>마스터 텍스트 스타일 편집</a:t>
             </a:r>
           </a:p>
@@ -1451,38 +1451,37 @@
           <a:p>
             <a:pPr lvl="0"/>
             <a:r>
-              <a:rPr lang="ko-KR" altLang="en-US" smtClean="0"/>
+              <a:rPr lang="ko-KR" altLang="en-US"/>
               <a:t>마스터 텍스트 스타일 편집</a:t>
             </a:r>
           </a:p>
           <a:p>
             <a:pPr lvl="1"/>
             <a:r>
-              <a:rPr lang="ko-KR" altLang="en-US" smtClean="0"/>
+              <a:rPr lang="ko-KR" altLang="en-US"/>
               <a:t>둘째 수준</a:t>
             </a:r>
           </a:p>
           <a:p>
             <a:pPr lvl="2"/>
             <a:r>
-              <a:rPr lang="ko-KR" altLang="en-US" smtClean="0"/>
+              <a:rPr lang="ko-KR" altLang="en-US"/>
               <a:t>셋째 수준</a:t>
             </a:r>
           </a:p>
           <a:p>
             <a:pPr lvl="3"/>
             <a:r>
-              <a:rPr lang="ko-KR" altLang="en-US" smtClean="0"/>
+              <a:rPr lang="ko-KR" altLang="en-US"/>
               <a:t>넷째 수준</a:t>
             </a:r>
           </a:p>
           <a:p>
             <a:pPr lvl="4"/>
             <a:r>
-              <a:rPr lang="ko-KR" altLang="en-US" smtClean="0"/>
+              <a:rPr lang="ko-KR" altLang="en-US"/>
               <a:t>다섯째 수준</a:t>
             </a:r>
-            <a:endParaRPr lang="ko-KR" altLang="en-US"/>
           </a:p>
         </p:txBody>
       </p:sp>
@@ -1545,7 +1544,7 @@
           <a:p>
             <a:pPr lvl="0"/>
             <a:r>
-              <a:rPr lang="ko-KR" altLang="en-US" smtClean="0"/>
+              <a:rPr lang="ko-KR" altLang="en-US"/>
               <a:t>마스터 텍스트 스타일 편집</a:t>
             </a:r>
           </a:p>
@@ -1573,38 +1572,37 @@
           <a:p>
             <a:pPr lvl="0"/>
             <a:r>
-              <a:rPr lang="ko-KR" altLang="en-US" smtClean="0"/>
+              <a:rPr lang="ko-KR" altLang="en-US"/>
               <a:t>마스터 텍스트 스타일 편집</a:t>
             </a:r>
           </a:p>
           <a:p>
             <a:pPr lvl="1"/>
             <a:r>
-              <a:rPr lang="ko-KR" altLang="en-US" smtClean="0"/>
+              <a:rPr lang="ko-KR" altLang="en-US"/>
               <a:t>둘째 수준</a:t>
             </a:r>
           </a:p>
           <a:p>
             <a:pPr lvl="2"/>
             <a:r>
-              <a:rPr lang="ko-KR" altLang="en-US" smtClean="0"/>
+              <a:rPr lang="ko-KR" altLang="en-US"/>
               <a:t>셋째 수준</a:t>
             </a:r>
           </a:p>
           <a:p>
             <a:pPr lvl="3"/>
             <a:r>
-              <a:rPr lang="ko-KR" altLang="en-US" smtClean="0"/>
+              <a:rPr lang="ko-KR" altLang="en-US"/>
               <a:t>넷째 수준</a:t>
             </a:r>
           </a:p>
           <a:p>
             <a:pPr lvl="4"/>
             <a:r>
-              <a:rPr lang="ko-KR" altLang="en-US" smtClean="0"/>
+              <a:rPr lang="ko-KR" altLang="en-US"/>
               <a:t>다섯째 수준</a:t>
             </a:r>
-            <a:endParaRPr lang="ko-KR" altLang="en-US"/>
           </a:p>
         </p:txBody>
       </p:sp>
@@ -1625,7 +1623,7 @@
           <a:p>
             <a:fld id="{135BA1F9-2E68-4163-81E3-BD27D4A2D212}" type="datetimeFigureOut">
               <a:rPr lang="ko-KR" altLang="en-US" smtClean="0"/>
-              <a:t>2019-05-04</a:t>
+              <a:t>2019-05-05</a:t>
             </a:fld>
             <a:endParaRPr lang="ko-KR" altLang="en-US"/>
           </a:p>
@@ -1719,10 +1717,9 @@
           <a:lstStyle/>
           <a:p>
             <a:r>
-              <a:rPr lang="ko-KR" altLang="en-US" smtClean="0"/>
+              <a:rPr lang="ko-KR" altLang="en-US"/>
               <a:t>마스터 제목 스타일 편집</a:t>
             </a:r>
-            <a:endParaRPr lang="ko-KR" altLang="en-US"/>
           </a:p>
         </p:txBody>
       </p:sp>
@@ -1743,7 +1740,7 @@
           <a:p>
             <a:fld id="{135BA1F9-2E68-4163-81E3-BD27D4A2D212}" type="datetimeFigureOut">
               <a:rPr lang="ko-KR" altLang="en-US" smtClean="0"/>
-              <a:t>2019-05-04</a:t>
+              <a:t>2019-05-05</a:t>
             </a:fld>
             <a:endParaRPr lang="ko-KR" altLang="en-US"/>
           </a:p>
@@ -1838,7 +1835,7 @@
           <a:p>
             <a:fld id="{135BA1F9-2E68-4163-81E3-BD27D4A2D212}" type="datetimeFigureOut">
               <a:rPr lang="ko-KR" altLang="en-US" smtClean="0"/>
-              <a:t>2019-05-04</a:t>
+              <a:t>2019-05-05</a:t>
             </a:fld>
             <a:endParaRPr lang="ko-KR" altLang="en-US"/>
           </a:p>
@@ -1941,10 +1938,9 @@
           </a:lstStyle>
           <a:p>
             <a:r>
-              <a:rPr lang="ko-KR" altLang="en-US" smtClean="0"/>
+              <a:rPr lang="ko-KR" altLang="en-US"/>
               <a:t>마스터 제목 스타일 편집</a:t>
             </a:r>
-            <a:endParaRPr lang="ko-KR" altLang="en-US"/>
           </a:p>
         </p:txBody>
       </p:sp>
@@ -1998,38 +1994,37 @@
           <a:p>
             <a:pPr lvl="0"/>
             <a:r>
-              <a:rPr lang="ko-KR" altLang="en-US" smtClean="0"/>
+              <a:rPr lang="ko-KR" altLang="en-US"/>
               <a:t>마스터 텍스트 스타일 편집</a:t>
             </a:r>
           </a:p>
           <a:p>
             <a:pPr lvl="1"/>
             <a:r>
-              <a:rPr lang="ko-KR" altLang="en-US" smtClean="0"/>
+              <a:rPr lang="ko-KR" altLang="en-US"/>
               <a:t>둘째 수준</a:t>
             </a:r>
           </a:p>
           <a:p>
             <a:pPr lvl="2"/>
             <a:r>
-              <a:rPr lang="ko-KR" altLang="en-US" smtClean="0"/>
+              <a:rPr lang="ko-KR" altLang="en-US"/>
               <a:t>셋째 수준</a:t>
             </a:r>
           </a:p>
           <a:p>
             <a:pPr lvl="3"/>
             <a:r>
-              <a:rPr lang="ko-KR" altLang="en-US" smtClean="0"/>
+              <a:rPr lang="ko-KR" altLang="en-US"/>
               <a:t>넷째 수준</a:t>
             </a:r>
           </a:p>
           <a:p>
             <a:pPr lvl="4"/>
             <a:r>
-              <a:rPr lang="ko-KR" altLang="en-US" smtClean="0"/>
+              <a:rPr lang="ko-KR" altLang="en-US"/>
               <a:t>다섯째 수준</a:t>
             </a:r>
-            <a:endParaRPr lang="ko-KR" altLang="en-US"/>
           </a:p>
         </p:txBody>
       </p:sp>
@@ -2092,7 +2087,7 @@
           <a:p>
             <a:pPr lvl="0"/>
             <a:r>
-              <a:rPr lang="ko-KR" altLang="en-US" smtClean="0"/>
+              <a:rPr lang="ko-KR" altLang="en-US"/>
               <a:t>마스터 텍스트 스타일 편집</a:t>
             </a:r>
           </a:p>
@@ -2115,7 +2110,7 @@
           <a:p>
             <a:fld id="{135BA1F9-2E68-4163-81E3-BD27D4A2D212}" type="datetimeFigureOut">
               <a:rPr lang="ko-KR" altLang="en-US" smtClean="0"/>
-              <a:t>2019-05-04</a:t>
+              <a:t>2019-05-05</a:t>
             </a:fld>
             <a:endParaRPr lang="ko-KR" altLang="en-US"/>
           </a:p>
@@ -2218,10 +2213,9 @@
           </a:lstStyle>
           <a:p>
             <a:r>
-              <a:rPr lang="ko-KR" altLang="en-US" smtClean="0"/>
+              <a:rPr lang="ko-KR" altLang="en-US"/>
               <a:t>마스터 제목 스타일 편집</a:t>
             </a:r>
-            <a:endParaRPr lang="ko-KR" altLang="en-US"/>
           </a:p>
         </p:txBody>
       </p:sp>
@@ -2345,7 +2339,7 @@
           <a:p>
             <a:pPr lvl="0"/>
             <a:r>
-              <a:rPr lang="ko-KR" altLang="en-US" smtClean="0"/>
+              <a:rPr lang="ko-KR" altLang="en-US"/>
               <a:t>마스터 텍스트 스타일 편집</a:t>
             </a:r>
           </a:p>
@@ -2368,7 +2362,7 @@
           <a:p>
             <a:fld id="{135BA1F9-2E68-4163-81E3-BD27D4A2D212}" type="datetimeFigureOut">
               <a:rPr lang="ko-KR" altLang="en-US" smtClean="0"/>
-              <a:t>2019-05-04</a:t>
+              <a:t>2019-05-05</a:t>
             </a:fld>
             <a:endParaRPr lang="ko-KR" altLang="en-US"/>
           </a:p>
@@ -2477,10 +2471,9 @@
           <a:lstStyle/>
           <a:p>
             <a:r>
-              <a:rPr lang="ko-KR" altLang="en-US" smtClean="0"/>
+              <a:rPr lang="ko-KR" altLang="en-US"/>
               <a:t>마스터 제목 스타일 편집</a:t>
             </a:r>
-            <a:endParaRPr lang="ko-KR" altLang="en-US"/>
           </a:p>
         </p:txBody>
       </p:sp>
@@ -2511,38 +2504,37 @@
           <a:p>
             <a:pPr lvl="0"/>
             <a:r>
-              <a:rPr lang="ko-KR" altLang="en-US" smtClean="0"/>
+              <a:rPr lang="ko-KR" altLang="en-US"/>
               <a:t>마스터 텍스트 스타일 편집</a:t>
             </a:r>
           </a:p>
           <a:p>
             <a:pPr lvl="1"/>
             <a:r>
-              <a:rPr lang="ko-KR" altLang="en-US" smtClean="0"/>
+              <a:rPr lang="ko-KR" altLang="en-US"/>
               <a:t>둘째 수준</a:t>
             </a:r>
           </a:p>
           <a:p>
             <a:pPr lvl="2"/>
             <a:r>
-              <a:rPr lang="ko-KR" altLang="en-US" smtClean="0"/>
+              <a:rPr lang="ko-KR" altLang="en-US"/>
               <a:t>셋째 수준</a:t>
             </a:r>
           </a:p>
           <a:p>
             <a:pPr lvl="3"/>
             <a:r>
-              <a:rPr lang="ko-KR" altLang="en-US" smtClean="0"/>
+              <a:rPr lang="ko-KR" altLang="en-US"/>
               <a:t>넷째 수준</a:t>
             </a:r>
           </a:p>
           <a:p>
             <a:pPr lvl="4"/>
             <a:r>
-              <a:rPr lang="ko-KR" altLang="en-US" smtClean="0"/>
+              <a:rPr lang="ko-KR" altLang="en-US"/>
               <a:t>다섯째 수준</a:t>
             </a:r>
-            <a:endParaRPr lang="ko-KR" altLang="en-US"/>
           </a:p>
         </p:txBody>
       </p:sp>
@@ -2581,7 +2573,7 @@
           <a:p>
             <a:fld id="{135BA1F9-2E68-4163-81E3-BD27D4A2D212}" type="datetimeFigureOut">
               <a:rPr lang="ko-KR" altLang="en-US" smtClean="0"/>
-              <a:t>2019-05-04</a:t>
+              <a:t>2019-05-05</a:t>
             </a:fld>
             <a:endParaRPr lang="ko-KR" altLang="en-US"/>
           </a:p>
@@ -3009,18 +3001,14 @@
           <a:lstStyle/>
           <a:p>
             <a:r>
-              <a:rPr lang="ko-KR" altLang="en-US" smtClean="0"/>
+              <a:rPr lang="ko-KR" altLang="en-US"/>
               <a:t>파이썬 클린 코드</a:t>
             </a:r>
-            <a:r>
-              <a:rPr lang="en-US" altLang="ko-KR" smtClean="0"/>
-              <a:t/>
-            </a:r>
             <a:br>
-              <a:rPr lang="en-US" altLang="ko-KR" smtClean="0"/>
+              <a:rPr lang="en-US" altLang="ko-KR"/>
             </a:br>
             <a:r>
-              <a:rPr lang="en-US" altLang="ko-KR" sz="1800" smtClean="0"/>
+              <a:rPr lang="en-US" altLang="ko-KR" sz="1800"/>
               <a:t>(CLEAN CODE IN PYTHON)</a:t>
             </a:r>
             <a:endParaRPr lang="ko-KR" altLang="en-US"/>
@@ -3048,22 +3036,21 @@
           <a:lstStyle/>
           <a:p>
             <a:r>
-              <a:rPr lang="en-US" altLang="ko-KR" smtClean="0"/>
+              <a:rPr lang="en-US" altLang="ko-KR"/>
               <a:t>Chapter1_</a:t>
             </a:r>
             <a:r>
-              <a:rPr lang="ko-KR" altLang="en-US" smtClean="0"/>
+              <a:rPr lang="ko-KR" altLang="en-US"/>
               <a:t>소개</a:t>
             </a:r>
             <a:r>
-              <a:rPr lang="en-US" altLang="ko-KR" smtClean="0"/>
+              <a:rPr lang="en-US" altLang="ko-KR"/>
               <a:t>, </a:t>
             </a:r>
             <a:r>
-              <a:rPr lang="ko-KR" altLang="en-US" smtClean="0"/>
+              <a:rPr lang="ko-KR" altLang="en-US"/>
               <a:t>코드 포매팅과 코드</a:t>
             </a:r>
-            <a:endParaRPr lang="ko-KR" altLang="en-US"/>
           </a:p>
         </p:txBody>
       </p:sp>
@@ -3071,6 +3058,86 @@
     <p:extLst>
       <p:ext uri="{BB962C8B-B14F-4D97-AF65-F5344CB8AC3E}">
         <p14:creationId xmlns:p14="http://schemas.microsoft.com/office/powerpoint/2010/main" val="3592024505"/>
+      </p:ext>
+    </p:extLst>
+  </p:cSld>
+  <p:clrMapOvr>
+    <a:masterClrMapping/>
+  </p:clrMapOvr>
+</p:sld>
+</file>
+
+<file path=ppt/slides/slide10.xml><?xml version="1.0" encoding="utf-8"?>
+<p:sld xmlns:a="http://schemas.openxmlformats.org/drawingml/2006/main" xmlns:r="http://schemas.openxmlformats.org/officeDocument/2006/relationships" xmlns:p="http://schemas.openxmlformats.org/presentationml/2006/main">
+  <p:cSld>
+    <p:spTree>
+      <p:nvGrpSpPr>
+        <p:cNvPr id="1" name=""/>
+        <p:cNvGrpSpPr/>
+        <p:nvPr/>
+      </p:nvGrpSpPr>
+      <p:grpSpPr>
+        <a:xfrm>
+          <a:off x="0" y="0"/>
+          <a:ext cx="0" cy="0"/>
+          <a:chOff x="0" y="0"/>
+          <a:chExt cx="0" cy="0"/>
+        </a:xfrm>
+      </p:grpSpPr>
+      <p:sp>
+        <p:nvSpPr>
+          <p:cNvPr id="2" name="제목 1">
+            <a:extLst>
+              <a:ext uri="{FF2B5EF4-FFF2-40B4-BE49-F238E27FC236}">
+                <a16:creationId xmlns:a16="http://schemas.microsoft.com/office/drawing/2014/main" id="{9552628C-6B0F-4E73-B3B9-9C39C072CD20}"/>
+              </a:ext>
+            </a:extLst>
+          </p:cNvPr>
+          <p:cNvSpPr>
+            <a:spLocks noGrp="1"/>
+          </p:cNvSpPr>
+          <p:nvPr>
+            <p:ph type="title"/>
+          </p:nvPr>
+        </p:nvSpPr>
+        <p:spPr/>
+        <p:txBody>
+          <a:bodyPr/>
+          <a:lstStyle/>
+          <a:p>
+            <a:endParaRPr lang="ko-KR" altLang="en-US"/>
+          </a:p>
+        </p:txBody>
+      </p:sp>
+      <p:sp>
+        <p:nvSpPr>
+          <p:cNvPr id="3" name="내용 개체 틀 2">
+            <a:extLst>
+              <a:ext uri="{FF2B5EF4-FFF2-40B4-BE49-F238E27FC236}">
+                <a16:creationId xmlns:a16="http://schemas.microsoft.com/office/drawing/2014/main" id="{7E02D510-C02C-4295-93B6-E1527D3075C1}"/>
+              </a:ext>
+            </a:extLst>
+          </p:cNvPr>
+          <p:cNvSpPr>
+            <a:spLocks noGrp="1"/>
+          </p:cNvSpPr>
+          <p:nvPr>
+            <p:ph idx="1"/>
+          </p:nvPr>
+        </p:nvSpPr>
+        <p:spPr/>
+        <p:txBody>
+          <a:bodyPr/>
+          <a:lstStyle/>
+          <a:p>
+            <a:endParaRPr lang="ko-KR" altLang="en-US"/>
+          </a:p>
+        </p:txBody>
+      </p:sp>
+    </p:spTree>
+    <p:extLst>
+      <p:ext uri="{BB962C8B-B14F-4D97-AF65-F5344CB8AC3E}">
+        <p14:creationId xmlns:p14="http://schemas.microsoft.com/office/powerpoint/2010/main" val="2772575649"/>
       </p:ext>
     </p:extLst>
   </p:cSld>
@@ -3118,10 +3185,9 @@
           <a:lstStyle/>
           <a:p>
             <a:r>
-              <a:rPr lang="ko-KR" altLang="en-US" smtClean="0"/>
+              <a:rPr lang="ko-KR" altLang="en-US"/>
               <a:t>클린코드</a:t>
             </a:r>
-            <a:endParaRPr lang="ko-KR" altLang="en-US"/>
           </a:p>
         </p:txBody>
       </p:sp>
@@ -3153,10 +3219,30 @@
               </a:lnSpc>
             </a:pPr>
             <a:r>
-              <a:rPr lang="ko-KR" altLang="en-US" sz="2400" smtClean="0"/>
-              <a:t>클린 코드는 포매팅 이상의 훨씬 중요한것을 의미</a:t>
-            </a:r>
-            <a:endParaRPr lang="en-US" altLang="ko-KR" sz="2400" smtClean="0"/>
+              <a:rPr lang="ko-KR" altLang="en-US" sz="2400" dirty="0" err="1"/>
+              <a:t>클린</a:t>
+            </a:r>
+            <a:r>
+              <a:rPr lang="ko-KR" altLang="en-US" sz="2400" dirty="0"/>
+              <a:t> 코드는 </a:t>
+            </a:r>
+            <a:r>
+              <a:rPr lang="ko-KR" altLang="en-US" sz="2400" dirty="0" err="1"/>
+              <a:t>포매팅</a:t>
+            </a:r>
+            <a:r>
+              <a:rPr lang="ko-KR" altLang="en-US" sz="2400" dirty="0"/>
+              <a:t> 이상의 훨씬 </a:t>
+            </a:r>
+            <a:r>
+              <a:rPr lang="ko-KR" altLang="en-US" sz="2400" dirty="0" err="1"/>
+              <a:t>중요한것을</a:t>
+            </a:r>
+            <a:r>
+              <a:rPr lang="ko-KR" altLang="en-US" sz="2400" dirty="0"/>
+              <a:t> 의미</a:t>
+            </a:r>
+            <a:endParaRPr lang="en-US" altLang="ko-KR" sz="2400" dirty="0"/>
           </a:p>
           <a:p>
             <a:pPr>
@@ -3165,10 +3251,18 @@
               </a:lnSpc>
             </a:pPr>
             <a:r>
-              <a:rPr lang="ko-KR" altLang="en-US" sz="2400" smtClean="0"/>
-              <a:t>표준 포매팅을 유지하는 것이 유지보수성의 핵심 유의사항이다</a:t>
-            </a:r>
-            <a:endParaRPr lang="en-US" altLang="ko-KR" sz="2400" smtClean="0"/>
+              <a:rPr lang="ko-KR" altLang="en-US" sz="2400" dirty="0"/>
+              <a:t>표준 </a:t>
+            </a:r>
+            <a:r>
+              <a:rPr lang="ko-KR" altLang="en-US" sz="2400" dirty="0" err="1"/>
+              <a:t>포매팅을</a:t>
+            </a:r>
+            <a:r>
+              <a:rPr lang="ko-KR" altLang="en-US" sz="2400" dirty="0"/>
+              <a:t> 유지하는 것이 유지보수성의 핵심 유의사항이다</a:t>
+            </a:r>
+            <a:endParaRPr lang="en-US" altLang="ko-KR" sz="2400" dirty="0"/>
           </a:p>
           <a:p>
             <a:pPr>
@@ -3177,10 +3271,14 @@
               </a:lnSpc>
             </a:pPr>
             <a:r>
-              <a:rPr lang="ko-KR" altLang="en-US" sz="2400" smtClean="0"/>
-              <a:t>파이썬이 제공하는 기능을 사용하여 자체 문서화된 코드를 작성하는 방법</a:t>
-            </a:r>
-            <a:endParaRPr lang="en-US" altLang="ko-KR" sz="2400" smtClean="0"/>
+              <a:rPr lang="ko-KR" altLang="en-US" sz="2400" dirty="0" err="1"/>
+              <a:t>파이썬이</a:t>
+            </a:r>
+            <a:r>
+              <a:rPr lang="ko-KR" altLang="en-US" sz="2400" dirty="0"/>
+              <a:t> 제공하는 기능을 사용하여 자체 문서화된 코드를 작성하는 방법</a:t>
+            </a:r>
+            <a:endParaRPr lang="en-US" altLang="ko-KR" sz="2400" dirty="0"/>
           </a:p>
           <a:p>
             <a:pPr>
@@ -3189,13 +3287,13 @@
               </a:lnSpc>
             </a:pPr>
             <a:r>
-              <a:rPr lang="ko-KR" altLang="en-US" sz="2400" smtClean="0"/>
+              <a:rPr lang="ko-KR" altLang="en-US" sz="2400" dirty="0"/>
               <a:t>코드의 레이아웃을 일정하게 유지하여 팀 멤버들이 문제의 본질을 해결하는데 초점을 맞출 수 있도록 도구를 설정하는 방법</a:t>
             </a:r>
-            <a:endParaRPr lang="en-US" altLang="ko-KR" sz="2400" smtClean="0"/>
-          </a:p>
-          <a:p>
-            <a:endParaRPr lang="ko-KR" altLang="en-US"/>
+            <a:endParaRPr lang="en-US" altLang="ko-KR" sz="2400" dirty="0"/>
+          </a:p>
+          <a:p>
+            <a:endParaRPr lang="ko-KR" altLang="en-US" dirty="0"/>
           </a:p>
         </p:txBody>
       </p:sp>
@@ -3208,7 +3306,7 @@
         <p:spPr>
           <a:xfrm>
             <a:off x="522317" y="1321725"/>
-            <a:ext cx="9958175" cy="369332"/>
+            <a:ext cx="10517623" cy="369332"/>
           </a:xfrm>
           <a:prstGeom prst="rect">
             <a:avLst/>
@@ -3222,26 +3320,17 @@
           <a:lstStyle/>
           <a:p>
             <a:r>
-              <a:rPr lang="ko-KR" altLang="en-US" smtClean="0"/>
-              <a:t>품질좋은 소프트웨어를 개발</a:t>
-            </a:r>
-            <a:r>
-              <a:rPr lang="en-US" altLang="ko-KR" smtClean="0"/>
+              <a:rPr lang="ko-KR" altLang="en-US" dirty="0"/>
+              <a:t>기술부채를 최소화</a:t>
+            </a:r>
+            <a:r>
+              <a:rPr lang="en-US" altLang="ko-KR" dirty="0"/>
               <a:t>, </a:t>
             </a:r>
             <a:r>
-              <a:rPr lang="ko-KR" altLang="en-US" smtClean="0"/>
-              <a:t>견고하고 유지보수가 쉬운 시스템 제작</a:t>
-            </a:r>
-            <a:r>
-              <a:rPr lang="en-US" altLang="ko-KR" smtClean="0"/>
-              <a:t>, </a:t>
-            </a:r>
-            <a:r>
-              <a:rPr lang="ko-KR" altLang="en-US" smtClean="0"/>
-              <a:t>기술 부채 회피하는 코드</a:t>
-            </a:r>
-            <a:endParaRPr lang="ko-KR" altLang="en-US"/>
+              <a:rPr lang="ko-KR" altLang="en-US" dirty="0"/>
+              <a:t>가독성과 유지보수성 그리고 타인의 이해도를 높이는 효과적인 코드의 작성방법</a:t>
+            </a:r>
           </a:p>
         </p:txBody>
       </p:sp>
@@ -3298,7 +3387,7 @@
           <a:lstStyle/>
           <a:p>
             <a:r>
-              <a:rPr lang="en-US" altLang="ko-KR" smtClean="0"/>
+              <a:rPr lang="en-US" altLang="ko-KR"/>
               <a:t>Docstring</a:t>
             </a:r>
             <a:endParaRPr lang="ko-KR" altLang="en-US"/>
@@ -3328,22 +3417,21 @@
           <a:lstStyle/>
           <a:p>
             <a:r>
-              <a:rPr lang="en-US" altLang="ko-KR" smtClean="0"/>
+              <a:rPr lang="en-US" altLang="ko-KR"/>
               <a:t>: </a:t>
             </a:r>
             <a:r>
-              <a:rPr lang="ko-KR" altLang="en-US" smtClean="0"/>
+              <a:rPr lang="ko-KR" altLang="en-US"/>
               <a:t>소스</a:t>
             </a:r>
             <a:r>
-              <a:rPr lang="en-US" altLang="ko-KR" smtClean="0"/>
+              <a:rPr lang="en-US" altLang="ko-KR"/>
               <a:t> </a:t>
             </a:r>
             <a:r>
-              <a:rPr lang="ko-KR" altLang="en-US" smtClean="0"/>
+              <a:rPr lang="ko-KR" altLang="en-US"/>
               <a:t>코드에 포함된 문서</a:t>
             </a:r>
-            <a:endParaRPr lang="ko-KR" altLang="en-US"/>
           </a:p>
         </p:txBody>
       </p:sp>
@@ -3448,7 +3536,7 @@
           <a:lstStyle/>
           <a:p>
             <a:r>
-              <a:rPr lang="en-US" altLang="ko-KR" smtClean="0"/>
+              <a:rPr lang="en-US" altLang="ko-KR"/>
               <a:t>Docstring</a:t>
             </a:r>
             <a:endParaRPr lang="ko-KR" altLang="en-US"/>
@@ -3478,22 +3566,21 @@
           <a:lstStyle/>
           <a:p>
             <a:r>
-              <a:rPr lang="en-US" altLang="ko-KR" smtClean="0"/>
+              <a:rPr lang="en-US" altLang="ko-KR"/>
               <a:t>: </a:t>
             </a:r>
             <a:r>
-              <a:rPr lang="ko-KR" altLang="en-US" smtClean="0"/>
+              <a:rPr lang="ko-KR" altLang="en-US"/>
               <a:t>소스</a:t>
             </a:r>
             <a:r>
-              <a:rPr lang="en-US" altLang="ko-KR" smtClean="0"/>
+              <a:rPr lang="en-US" altLang="ko-KR"/>
               <a:t> </a:t>
             </a:r>
             <a:r>
-              <a:rPr lang="ko-KR" altLang="en-US" smtClean="0"/>
+              <a:rPr lang="ko-KR" altLang="en-US"/>
               <a:t>코드에 포함된 문서</a:t>
             </a:r>
-            <a:endParaRPr lang="ko-KR" altLang="en-US"/>
           </a:p>
         </p:txBody>
       </p:sp>
@@ -3549,15 +3636,15 @@
               </a:lnSpc>
             </a:pPr>
             <a:r>
-              <a:rPr lang="en-US" altLang="ko-KR" smtClean="0"/>
+              <a:rPr lang="en-US" altLang="ko-KR"/>
               <a:t>Docstring</a:t>
             </a:r>
             <a:r>
-              <a:rPr lang="ko-KR" altLang="en-US" smtClean="0"/>
+              <a:rPr lang="ko-KR" altLang="en-US"/>
               <a:t>을 포함하는것이 좋은이유</a:t>
             </a:r>
             <a:r>
-              <a:rPr lang="en-US" altLang="ko-KR" smtClean="0"/>
+              <a:rPr lang="en-US" altLang="ko-KR"/>
               <a:t>?</a:t>
             </a:r>
           </a:p>
@@ -3568,19 +3655,19 @@
               </a:lnSpc>
             </a:pPr>
             <a:r>
-              <a:rPr lang="en-US" altLang="ko-KR" smtClean="0">
+              <a:rPr lang="en-US" altLang="ko-KR">
                 <a:sym typeface="Wingdings" panose="05000000000000000000" pitchFamily="2" charset="2"/>
               </a:rPr>
               <a:t> </a:t>
             </a:r>
             <a:r>
-              <a:rPr lang="en-US" altLang="ko-KR" b="1" smtClean="0">
+              <a:rPr lang="en-US" altLang="ko-KR" b="1">
                 <a:sym typeface="Wingdings" panose="05000000000000000000" pitchFamily="2" charset="2"/>
               </a:rPr>
               <a:t>PYTHON</a:t>
             </a:r>
             <a:r>
-              <a:rPr lang="ko-KR" altLang="en-US" b="1" smtClean="0">
+              <a:rPr lang="ko-KR" altLang="en-US" b="1">
                 <a:sym typeface="Wingdings" panose="05000000000000000000" pitchFamily="2" charset="2"/>
               </a:rPr>
               <a:t>은 동적 타이핑이기 때문</a:t>
@@ -3617,11 +3704,11 @@
               </a:lnSpc>
             </a:pPr>
             <a:r>
-              <a:rPr lang="ko-KR" altLang="en-US" smtClean="0"/>
+              <a:rPr lang="ko-KR" altLang="en-US"/>
               <a:t>파이썬은 파라미터의 타라미터의 타입을 체크하거나 강요하지 않는다</a:t>
             </a:r>
             <a:r>
-              <a:rPr lang="en-US" altLang="ko-KR" smtClean="0"/>
+              <a:rPr lang="en-US" altLang="ko-KR"/>
               <a:t>.</a:t>
             </a:r>
           </a:p>
@@ -3631,7 +3718,7 @@
                 <a:spcPct val="150000"/>
               </a:lnSpc>
             </a:pPr>
-            <a:endParaRPr lang="en-US" altLang="ko-KR" smtClean="0"/>
+            <a:endParaRPr lang="en-US" altLang="ko-KR"/>
           </a:p>
           <a:p>
             <a:pPr>
@@ -3640,11 +3727,11 @@
               </a:lnSpc>
             </a:pPr>
             <a:r>
-              <a:rPr lang="ko-KR" altLang="en-US" b="1" smtClean="0"/>
+              <a:rPr lang="ko-KR" altLang="en-US" b="1"/>
               <a:t>함수의 이름과 파라미터의 이름이 충분히 설명적이라면 좋다</a:t>
             </a:r>
             <a:r>
-              <a:rPr lang="en-US" altLang="ko-KR" b="1" smtClean="0"/>
+              <a:rPr lang="en-US" altLang="ko-KR" b="1"/>
               <a:t>.</a:t>
             </a:r>
           </a:p>
@@ -3655,19 +3742,19 @@
               </a:lnSpc>
             </a:pPr>
             <a:r>
-              <a:rPr lang="ko-KR" altLang="en-US" b="1" smtClean="0"/>
+              <a:rPr lang="ko-KR" altLang="en-US" b="1"/>
               <a:t> 그러나 그렇지 않은 경우에는 </a:t>
             </a:r>
             <a:r>
-              <a:rPr lang="en-US" altLang="ko-KR" b="1" smtClean="0"/>
+              <a:rPr lang="en-US" altLang="ko-KR" b="1"/>
               <a:t>docstring</a:t>
             </a:r>
             <a:r>
-              <a:rPr lang="ko-KR" altLang="en-US" b="1" smtClean="0"/>
+              <a:rPr lang="ko-KR" altLang="en-US" b="1"/>
               <a:t>이 도움이 될 것이다</a:t>
             </a:r>
             <a:r>
-              <a:rPr lang="en-US" altLang="ko-KR" b="1" smtClean="0"/>
+              <a:rPr lang="en-US" altLang="ko-KR" b="1"/>
               <a:t>.</a:t>
             </a:r>
             <a:endParaRPr lang="ko-KR" altLang="en-US" b="1"/>
@@ -3706,25 +3793,6 @@
       </p:grpSpPr>
       <p:sp>
         <p:nvSpPr>
-          <p:cNvPr id="3" name="내용 개체 틀 2"/>
-          <p:cNvSpPr>
-            <a:spLocks noGrp="1"/>
-          </p:cNvSpPr>
-          <p:nvPr>
-            <p:ph idx="1"/>
-          </p:nvPr>
-        </p:nvSpPr>
-        <p:spPr/>
-        <p:txBody>
-          <a:bodyPr/>
-          <a:lstStyle/>
-          <a:p>
-            <a:endParaRPr lang="ko-KR" altLang="en-US"/>
-          </a:p>
-        </p:txBody>
-      </p:sp>
-      <p:sp>
-        <p:nvSpPr>
           <p:cNvPr id="5" name="제목 1"/>
           <p:cNvSpPr txBox="1">
             <a:spLocks/>
@@ -3765,18 +3833,87 @@
           </a:lstStyle>
           <a:p>
             <a:r>
-              <a:rPr lang="en-US" altLang="ko-KR" smtClean="0"/>
+              <a:rPr lang="en-US" altLang="ko-KR"/>
               <a:t>Sphinx(</a:t>
             </a:r>
             <a:r>
-              <a:rPr lang="ko-KR" altLang="en-US" smtClean="0"/>
+              <a:rPr lang="ko-KR" altLang="en-US"/>
               <a:t>스핑크스</a:t>
             </a:r>
             <a:r>
-              <a:rPr lang="en-US" altLang="ko-KR" smtClean="0"/>
+              <a:rPr lang="en-US" altLang="ko-KR"/>
               <a:t>)</a:t>
             </a:r>
             <a:endParaRPr lang="ko-KR" altLang="en-US"/>
+          </a:p>
+        </p:txBody>
+      </p:sp>
+      <p:pic>
+        <p:nvPicPr>
+          <p:cNvPr id="2" name="그림 1">
+            <a:extLst>
+              <a:ext uri="{FF2B5EF4-FFF2-40B4-BE49-F238E27FC236}">
+                <a16:creationId xmlns:a16="http://schemas.microsoft.com/office/drawing/2014/main" id="{2F37D06D-551F-4300-BFE0-EE75A307C7DE}"/>
+              </a:ext>
+            </a:extLst>
+          </p:cNvPr>
+          <p:cNvPicPr>
+            <a:picLocks noChangeAspect="1"/>
+          </p:cNvPicPr>
+          <p:nvPr/>
+        </p:nvPicPr>
+        <p:blipFill>
+          <a:blip r:embed="rId2"/>
+          <a:stretch>
+            <a:fillRect/>
+          </a:stretch>
+        </p:blipFill>
+        <p:spPr>
+          <a:xfrm>
+            <a:off x="2016497" y="1740273"/>
+            <a:ext cx="7890064" cy="4999701"/>
+          </a:xfrm>
+          <a:prstGeom prst="rect">
+            <a:avLst/>
+          </a:prstGeom>
+        </p:spPr>
+      </p:pic>
+      <p:sp>
+        <p:nvSpPr>
+          <p:cNvPr id="4" name="TextBox 3">
+            <a:extLst>
+              <a:ext uri="{FF2B5EF4-FFF2-40B4-BE49-F238E27FC236}">
+                <a16:creationId xmlns:a16="http://schemas.microsoft.com/office/drawing/2014/main" id="{25F61FE6-0D51-4FC3-8884-CEA0163B5B88}"/>
+              </a:ext>
+            </a:extLst>
+          </p:cNvPr>
+          <p:cNvSpPr txBox="1"/>
+          <p:nvPr/>
+        </p:nvSpPr>
+        <p:spPr>
+          <a:xfrm>
+            <a:off x="613879" y="1272988"/>
+            <a:ext cx="5886548" cy="369332"/>
+          </a:xfrm>
+          <a:prstGeom prst="rect">
+            <a:avLst/>
+          </a:prstGeom>
+          <a:noFill/>
+        </p:spPr>
+        <p:txBody>
+          <a:bodyPr wrap="none" rtlCol="0">
+            <a:spAutoFit/>
+          </a:bodyPr>
+          <a:lstStyle/>
+          <a:p>
+            <a:r>
+              <a:rPr lang="en-US" altLang="ko-KR" dirty="0"/>
+              <a:t>: </a:t>
+            </a:r>
+            <a:r>
+              <a:rPr lang="ko-KR" altLang="en-US" dirty="0"/>
+              <a:t>프로젝트 문서화를 위한 기본 골격을 만들어주는 모듈</a:t>
+            </a:r>
           </a:p>
         </p:txBody>
       </p:sp>
@@ -3784,6 +3921,1233 @@
     <p:extLst>
       <p:ext uri="{BB962C8B-B14F-4D97-AF65-F5344CB8AC3E}">
         <p14:creationId xmlns:p14="http://schemas.microsoft.com/office/powerpoint/2010/main" val="2884753375"/>
+      </p:ext>
+    </p:extLst>
+  </p:cSld>
+  <p:clrMapOvr>
+    <a:masterClrMapping/>
+  </p:clrMapOvr>
+</p:sld>
+</file>
+
+<file path=ppt/slides/slide6.xml><?xml version="1.0" encoding="utf-8"?>
+<p:sld xmlns:a="http://schemas.openxmlformats.org/drawingml/2006/main" xmlns:r="http://schemas.openxmlformats.org/officeDocument/2006/relationships" xmlns:p="http://schemas.openxmlformats.org/presentationml/2006/main">
+  <p:cSld>
+    <p:spTree>
+      <p:nvGrpSpPr>
+        <p:cNvPr id="1" name=""/>
+        <p:cNvGrpSpPr/>
+        <p:nvPr/>
+      </p:nvGrpSpPr>
+      <p:grpSpPr>
+        <a:xfrm>
+          <a:off x="0" y="0"/>
+          <a:ext cx="0" cy="0"/>
+          <a:chOff x="0" y="0"/>
+          <a:chExt cx="0" cy="0"/>
+        </a:xfrm>
+      </p:grpSpPr>
+      <p:sp>
+        <p:nvSpPr>
+          <p:cNvPr id="5" name="제목 1"/>
+          <p:cNvSpPr txBox="1">
+            <a:spLocks/>
+          </p:cNvSpPr>
+          <p:nvPr/>
+        </p:nvSpPr>
+        <p:spPr>
+          <a:xfrm>
+            <a:off x="547253" y="315249"/>
+            <a:ext cx="6019801" cy="1056351"/>
+          </a:xfrm>
+          <a:prstGeom prst="rect">
+            <a:avLst/>
+          </a:prstGeom>
+        </p:spPr>
+        <p:txBody>
+          <a:bodyPr vert="horz" lIns="91440" tIns="45720" rIns="91440" bIns="45720" rtlCol="0" anchor="ctr">
+            <a:normAutofit/>
+          </a:bodyPr>
+          <a:lstStyle>
+            <a:lvl1pPr algn="l" defTabSz="914400" rtl="0" eaLnBrk="1" latinLnBrk="1" hangingPunct="1">
+              <a:lnSpc>
+                <a:spcPct val="90000"/>
+              </a:lnSpc>
+              <a:spcBef>
+                <a:spcPct val="0"/>
+              </a:spcBef>
+              <a:buNone/>
+              <a:defRPr sz="4400" kern="1200">
+                <a:solidFill>
+                  <a:schemeClr val="tx1"/>
+                </a:solidFill>
+                <a:latin typeface="+mj-lt"/>
+                <a:ea typeface="+mj-ea"/>
+                <a:cs typeface="+mj-cs"/>
+              </a:defRPr>
+            </a:lvl1pPr>
+          </a:lstStyle>
+          <a:p>
+            <a:r>
+              <a:rPr lang="en-US" altLang="ko-KR"/>
+              <a:t>Sphinx(</a:t>
+            </a:r>
+            <a:r>
+              <a:rPr lang="ko-KR" altLang="en-US"/>
+              <a:t>스핑크스</a:t>
+            </a:r>
+            <a:r>
+              <a:rPr lang="en-US" altLang="ko-KR"/>
+              <a:t>)</a:t>
+            </a:r>
+            <a:endParaRPr lang="ko-KR" altLang="en-US"/>
+          </a:p>
+        </p:txBody>
+      </p:sp>
+      <p:sp>
+        <p:nvSpPr>
+          <p:cNvPr id="4" name="TextBox 3">
+            <a:extLst>
+              <a:ext uri="{FF2B5EF4-FFF2-40B4-BE49-F238E27FC236}">
+                <a16:creationId xmlns:a16="http://schemas.microsoft.com/office/drawing/2014/main" id="{25F61FE6-0D51-4FC3-8884-CEA0163B5B88}"/>
+              </a:ext>
+            </a:extLst>
+          </p:cNvPr>
+          <p:cNvSpPr txBox="1"/>
+          <p:nvPr/>
+        </p:nvSpPr>
+        <p:spPr>
+          <a:xfrm>
+            <a:off x="613879" y="1272988"/>
+            <a:ext cx="5886548" cy="369332"/>
+          </a:xfrm>
+          <a:prstGeom prst="rect">
+            <a:avLst/>
+          </a:prstGeom>
+          <a:noFill/>
+        </p:spPr>
+        <p:txBody>
+          <a:bodyPr wrap="none" rtlCol="0">
+            <a:spAutoFit/>
+          </a:bodyPr>
+          <a:lstStyle/>
+          <a:p>
+            <a:r>
+              <a:rPr lang="en-US" altLang="ko-KR" dirty="0"/>
+              <a:t>: </a:t>
+            </a:r>
+            <a:r>
+              <a:rPr lang="ko-KR" altLang="en-US" dirty="0"/>
+              <a:t>프로젝트 문서화를 위한 기본 골격을 만들어주는 모듈</a:t>
+            </a:r>
+          </a:p>
+        </p:txBody>
+      </p:sp>
+      <p:pic>
+        <p:nvPicPr>
+          <p:cNvPr id="3" name="그림 2">
+            <a:extLst>
+              <a:ext uri="{FF2B5EF4-FFF2-40B4-BE49-F238E27FC236}">
+                <a16:creationId xmlns:a16="http://schemas.microsoft.com/office/drawing/2014/main" id="{A07B79D9-4571-4D04-A97D-8711227D0CD7}"/>
+              </a:ext>
+            </a:extLst>
+          </p:cNvPr>
+          <p:cNvPicPr>
+            <a:picLocks noChangeAspect="1"/>
+          </p:cNvPicPr>
+          <p:nvPr/>
+        </p:nvPicPr>
+        <p:blipFill>
+          <a:blip r:embed="rId2"/>
+          <a:stretch>
+            <a:fillRect/>
+          </a:stretch>
+        </p:blipFill>
+        <p:spPr>
+          <a:xfrm>
+            <a:off x="380816" y="1811646"/>
+            <a:ext cx="4863537" cy="4876024"/>
+          </a:xfrm>
+          <a:prstGeom prst="rect">
+            <a:avLst/>
+          </a:prstGeom>
+        </p:spPr>
+      </p:pic>
+      <p:sp>
+        <p:nvSpPr>
+          <p:cNvPr id="6" name="화살표: 오른쪽 5">
+            <a:extLst>
+              <a:ext uri="{FF2B5EF4-FFF2-40B4-BE49-F238E27FC236}">
+                <a16:creationId xmlns:a16="http://schemas.microsoft.com/office/drawing/2014/main" id="{A72C5951-0261-4A40-91D9-EB25EE8E53D5}"/>
+              </a:ext>
+            </a:extLst>
+          </p:cNvPr>
+          <p:cNvSpPr/>
+          <p:nvPr/>
+        </p:nvSpPr>
+        <p:spPr>
+          <a:xfrm>
+            <a:off x="5513295" y="3517723"/>
+            <a:ext cx="727156" cy="1021976"/>
+          </a:xfrm>
+          <a:prstGeom prst="rightArrow">
+            <a:avLst/>
+          </a:prstGeom>
+        </p:spPr>
+        <p:style>
+          <a:lnRef idx="2">
+            <a:schemeClr val="accent1">
+              <a:shade val="50000"/>
+            </a:schemeClr>
+          </a:lnRef>
+          <a:fillRef idx="1">
+            <a:schemeClr val="accent1"/>
+          </a:fillRef>
+          <a:effectRef idx="0">
+            <a:schemeClr val="accent1"/>
+          </a:effectRef>
+          <a:fontRef idx="minor">
+            <a:schemeClr val="lt1"/>
+          </a:fontRef>
+        </p:style>
+        <p:txBody>
+          <a:bodyPr rtlCol="0" anchor="ctr"/>
+          <a:lstStyle/>
+          <a:p>
+            <a:pPr algn="ctr"/>
+            <a:endParaRPr lang="ko-KR" altLang="en-US"/>
+          </a:p>
+        </p:txBody>
+      </p:sp>
+      <p:pic>
+        <p:nvPicPr>
+          <p:cNvPr id="7" name="그림 6">
+            <a:extLst>
+              <a:ext uri="{FF2B5EF4-FFF2-40B4-BE49-F238E27FC236}">
+                <a16:creationId xmlns:a16="http://schemas.microsoft.com/office/drawing/2014/main" id="{4FB08194-C6F4-4423-899E-FB4600E28009}"/>
+              </a:ext>
+            </a:extLst>
+          </p:cNvPr>
+          <p:cNvPicPr>
+            <a:picLocks noChangeAspect="1"/>
+          </p:cNvPicPr>
+          <p:nvPr/>
+        </p:nvPicPr>
+        <p:blipFill>
+          <a:blip r:embed="rId3"/>
+          <a:stretch>
+            <a:fillRect/>
+          </a:stretch>
+        </p:blipFill>
+        <p:spPr>
+          <a:xfrm>
+            <a:off x="6500427" y="1764380"/>
+            <a:ext cx="5476420" cy="4876024"/>
+          </a:xfrm>
+          <a:prstGeom prst="rect">
+            <a:avLst/>
+          </a:prstGeom>
+        </p:spPr>
+      </p:pic>
+    </p:spTree>
+    <p:extLst>
+      <p:ext uri="{BB962C8B-B14F-4D97-AF65-F5344CB8AC3E}">
+        <p14:creationId xmlns:p14="http://schemas.microsoft.com/office/powerpoint/2010/main" val="4290466213"/>
+      </p:ext>
+    </p:extLst>
+  </p:cSld>
+  <p:clrMapOvr>
+    <a:masterClrMapping/>
+  </p:clrMapOvr>
+</p:sld>
+</file>
+
+<file path=ppt/slides/slide7.xml><?xml version="1.0" encoding="utf-8"?>
+<p:sld xmlns:a="http://schemas.openxmlformats.org/drawingml/2006/main" xmlns:r="http://schemas.openxmlformats.org/officeDocument/2006/relationships" xmlns:p="http://schemas.openxmlformats.org/presentationml/2006/main">
+  <p:cSld>
+    <p:spTree>
+      <p:nvGrpSpPr>
+        <p:cNvPr id="1" name=""/>
+        <p:cNvGrpSpPr/>
+        <p:nvPr/>
+      </p:nvGrpSpPr>
+      <p:grpSpPr>
+        <a:xfrm>
+          <a:off x="0" y="0"/>
+          <a:ext cx="0" cy="0"/>
+          <a:chOff x="0" y="0"/>
+          <a:chExt cx="0" cy="0"/>
+        </a:xfrm>
+      </p:grpSpPr>
+      <p:sp>
+        <p:nvSpPr>
+          <p:cNvPr id="5" name="제목 1"/>
+          <p:cNvSpPr txBox="1">
+            <a:spLocks/>
+          </p:cNvSpPr>
+          <p:nvPr/>
+        </p:nvSpPr>
+        <p:spPr>
+          <a:xfrm>
+            <a:off x="547253" y="315249"/>
+            <a:ext cx="6019801" cy="1056351"/>
+          </a:xfrm>
+          <a:prstGeom prst="rect">
+            <a:avLst/>
+          </a:prstGeom>
+        </p:spPr>
+        <p:txBody>
+          <a:bodyPr vert="horz" lIns="91440" tIns="45720" rIns="91440" bIns="45720" rtlCol="0" anchor="ctr">
+            <a:normAutofit/>
+          </a:bodyPr>
+          <a:lstStyle>
+            <a:lvl1pPr algn="l" defTabSz="914400" rtl="0" eaLnBrk="1" latinLnBrk="1" hangingPunct="1">
+              <a:lnSpc>
+                <a:spcPct val="90000"/>
+              </a:lnSpc>
+              <a:spcBef>
+                <a:spcPct val="0"/>
+              </a:spcBef>
+              <a:buNone/>
+              <a:defRPr sz="4400" kern="1200">
+                <a:solidFill>
+                  <a:schemeClr val="tx1"/>
+                </a:solidFill>
+                <a:latin typeface="+mj-lt"/>
+                <a:ea typeface="+mj-ea"/>
+                <a:cs typeface="+mj-cs"/>
+              </a:defRPr>
+            </a:lvl1pPr>
+          </a:lstStyle>
+          <a:p>
+            <a:r>
+              <a:rPr lang="en-US" altLang="ko-KR" dirty="0"/>
+              <a:t>Sphinx(</a:t>
+            </a:r>
+            <a:r>
+              <a:rPr lang="ko-KR" altLang="en-US" dirty="0"/>
+              <a:t>스핑크스</a:t>
+            </a:r>
+            <a:r>
+              <a:rPr lang="en-US" altLang="ko-KR" dirty="0"/>
+              <a:t>)</a:t>
+            </a:r>
+            <a:endParaRPr lang="ko-KR" altLang="en-US" dirty="0"/>
+          </a:p>
+        </p:txBody>
+      </p:sp>
+      <p:sp>
+        <p:nvSpPr>
+          <p:cNvPr id="4" name="TextBox 3">
+            <a:extLst>
+              <a:ext uri="{FF2B5EF4-FFF2-40B4-BE49-F238E27FC236}">
+                <a16:creationId xmlns:a16="http://schemas.microsoft.com/office/drawing/2014/main" id="{25F61FE6-0D51-4FC3-8884-CEA0163B5B88}"/>
+              </a:ext>
+            </a:extLst>
+          </p:cNvPr>
+          <p:cNvSpPr txBox="1"/>
+          <p:nvPr/>
+        </p:nvSpPr>
+        <p:spPr>
+          <a:xfrm>
+            <a:off x="613879" y="1272988"/>
+            <a:ext cx="7899598" cy="369332"/>
+          </a:xfrm>
+          <a:prstGeom prst="rect">
+            <a:avLst/>
+          </a:prstGeom>
+          <a:noFill/>
+        </p:spPr>
+        <p:txBody>
+          <a:bodyPr wrap="none" rtlCol="0">
+            <a:spAutoFit/>
+          </a:bodyPr>
+          <a:lstStyle/>
+          <a:p>
+            <a:r>
+              <a:rPr lang="en-US" altLang="ko-KR" dirty="0"/>
+              <a:t>: </a:t>
+            </a:r>
+            <a:r>
+              <a:rPr lang="ko-KR" altLang="en-US" dirty="0"/>
+              <a:t>프로젝트 문서화를 위한 기본 골격을 만들어주는 모듈 </a:t>
+            </a:r>
+            <a:r>
+              <a:rPr lang="en-US" altLang="ko-KR" dirty="0"/>
+              <a:t>(</a:t>
+            </a:r>
+            <a:r>
+              <a:rPr lang="en-US" altLang="ko-KR" dirty="0" err="1"/>
+              <a:t>autodoc</a:t>
+            </a:r>
+            <a:r>
+              <a:rPr lang="en-US" altLang="ko-KR" dirty="0"/>
+              <a:t> </a:t>
+            </a:r>
+            <a:r>
+              <a:rPr lang="ko-KR" altLang="en-US" dirty="0" err="1"/>
+              <a:t>익스텐션</a:t>
+            </a:r>
+            <a:r>
+              <a:rPr lang="en-US" altLang="ko-KR" dirty="0"/>
+              <a:t>)</a:t>
+            </a:r>
+            <a:endParaRPr lang="ko-KR" altLang="en-US" dirty="0"/>
+          </a:p>
+        </p:txBody>
+      </p:sp>
+      <p:sp>
+        <p:nvSpPr>
+          <p:cNvPr id="6" name="화살표: 오른쪽 5">
+            <a:extLst>
+              <a:ext uri="{FF2B5EF4-FFF2-40B4-BE49-F238E27FC236}">
+                <a16:creationId xmlns:a16="http://schemas.microsoft.com/office/drawing/2014/main" id="{A72C5951-0261-4A40-91D9-EB25EE8E53D5}"/>
+              </a:ext>
+            </a:extLst>
+          </p:cNvPr>
+          <p:cNvSpPr/>
+          <p:nvPr/>
+        </p:nvSpPr>
+        <p:spPr>
+          <a:xfrm>
+            <a:off x="4814048" y="3517722"/>
+            <a:ext cx="727156" cy="1021976"/>
+          </a:xfrm>
+          <a:prstGeom prst="rightArrow">
+            <a:avLst/>
+          </a:prstGeom>
+        </p:spPr>
+        <p:style>
+          <a:lnRef idx="2">
+            <a:schemeClr val="accent1">
+              <a:shade val="50000"/>
+            </a:schemeClr>
+          </a:lnRef>
+          <a:fillRef idx="1">
+            <a:schemeClr val="accent1"/>
+          </a:fillRef>
+          <a:effectRef idx="0">
+            <a:schemeClr val="accent1"/>
+          </a:effectRef>
+          <a:fontRef idx="minor">
+            <a:schemeClr val="lt1"/>
+          </a:fontRef>
+        </p:style>
+        <p:txBody>
+          <a:bodyPr rtlCol="0" anchor="ctr"/>
+          <a:lstStyle/>
+          <a:p>
+            <a:pPr algn="ctr"/>
+            <a:endParaRPr lang="ko-KR" altLang="en-US"/>
+          </a:p>
+        </p:txBody>
+      </p:sp>
+      <p:pic>
+        <p:nvPicPr>
+          <p:cNvPr id="2" name="그림 1">
+            <a:extLst>
+              <a:ext uri="{FF2B5EF4-FFF2-40B4-BE49-F238E27FC236}">
+                <a16:creationId xmlns:a16="http://schemas.microsoft.com/office/drawing/2014/main" id="{7D9AA61C-D66F-4D47-83EF-65D4A57FED8D}"/>
+              </a:ext>
+            </a:extLst>
+          </p:cNvPr>
+          <p:cNvPicPr>
+            <a:picLocks noChangeAspect="1"/>
+          </p:cNvPicPr>
+          <p:nvPr/>
+        </p:nvPicPr>
+        <p:blipFill>
+          <a:blip r:embed="rId2"/>
+          <a:stretch>
+            <a:fillRect/>
+          </a:stretch>
+        </p:blipFill>
+        <p:spPr>
+          <a:xfrm>
+            <a:off x="212527" y="3204798"/>
+            <a:ext cx="4105275" cy="1647825"/>
+          </a:xfrm>
+          <a:prstGeom prst="rect">
+            <a:avLst/>
+          </a:prstGeom>
+        </p:spPr>
+      </p:pic>
+      <p:pic>
+        <p:nvPicPr>
+          <p:cNvPr id="8" name="그림 7">
+            <a:extLst>
+              <a:ext uri="{FF2B5EF4-FFF2-40B4-BE49-F238E27FC236}">
+                <a16:creationId xmlns:a16="http://schemas.microsoft.com/office/drawing/2014/main" id="{98BCAABC-5262-46EA-8107-9F95ACEAA171}"/>
+              </a:ext>
+            </a:extLst>
+          </p:cNvPr>
+          <p:cNvPicPr>
+            <a:picLocks noChangeAspect="1"/>
+          </p:cNvPicPr>
+          <p:nvPr/>
+        </p:nvPicPr>
+        <p:blipFill>
+          <a:blip r:embed="rId3"/>
+          <a:stretch>
+            <a:fillRect/>
+          </a:stretch>
+        </p:blipFill>
+        <p:spPr>
+          <a:xfrm>
+            <a:off x="5871882" y="1828798"/>
+            <a:ext cx="6017944" cy="4787153"/>
+          </a:xfrm>
+          <a:prstGeom prst="rect">
+            <a:avLst/>
+          </a:prstGeom>
+        </p:spPr>
+      </p:pic>
+    </p:spTree>
+    <p:extLst>
+      <p:ext uri="{BB962C8B-B14F-4D97-AF65-F5344CB8AC3E}">
+        <p14:creationId xmlns:p14="http://schemas.microsoft.com/office/powerpoint/2010/main" val="4249301149"/>
+      </p:ext>
+    </p:extLst>
+  </p:cSld>
+  <p:clrMapOvr>
+    <a:masterClrMapping/>
+  </p:clrMapOvr>
+</p:sld>
+</file>
+
+<file path=ppt/slides/slide8.xml><?xml version="1.0" encoding="utf-8"?>
+<p:sld xmlns:a="http://schemas.openxmlformats.org/drawingml/2006/main" xmlns:r="http://schemas.openxmlformats.org/officeDocument/2006/relationships" xmlns:p="http://schemas.openxmlformats.org/presentationml/2006/main">
+  <p:cSld>
+    <p:spTree>
+      <p:nvGrpSpPr>
+        <p:cNvPr id="1" name=""/>
+        <p:cNvGrpSpPr/>
+        <p:nvPr/>
+      </p:nvGrpSpPr>
+      <p:grpSpPr>
+        <a:xfrm>
+          <a:off x="0" y="0"/>
+          <a:ext cx="0" cy="0"/>
+          <a:chOff x="0" y="0"/>
+          <a:chExt cx="0" cy="0"/>
+        </a:xfrm>
+      </p:grpSpPr>
+      <p:sp>
+        <p:nvSpPr>
+          <p:cNvPr id="4" name="제목 1">
+            <a:extLst>
+              <a:ext uri="{FF2B5EF4-FFF2-40B4-BE49-F238E27FC236}">
+                <a16:creationId xmlns:a16="http://schemas.microsoft.com/office/drawing/2014/main" id="{C9B91F32-BDAF-4239-BB96-2C3FD0880D57}"/>
+              </a:ext>
+            </a:extLst>
+          </p:cNvPr>
+          <p:cNvSpPr txBox="1">
+            <a:spLocks/>
+          </p:cNvSpPr>
+          <p:nvPr/>
+        </p:nvSpPr>
+        <p:spPr>
+          <a:xfrm>
+            <a:off x="547253" y="315249"/>
+            <a:ext cx="6525900" cy="1056351"/>
+          </a:xfrm>
+          <a:prstGeom prst="rect">
+            <a:avLst/>
+          </a:prstGeom>
+        </p:spPr>
+        <p:txBody>
+          <a:bodyPr vert="horz" lIns="91440" tIns="45720" rIns="91440" bIns="45720" rtlCol="0" anchor="ctr">
+            <a:normAutofit/>
+          </a:bodyPr>
+          <a:lstStyle>
+            <a:lvl1pPr algn="l" defTabSz="914400" rtl="0" eaLnBrk="1" latinLnBrk="1" hangingPunct="1">
+              <a:lnSpc>
+                <a:spcPct val="90000"/>
+              </a:lnSpc>
+              <a:spcBef>
+                <a:spcPct val="0"/>
+              </a:spcBef>
+              <a:buNone/>
+              <a:defRPr sz="4400" kern="1200">
+                <a:solidFill>
+                  <a:schemeClr val="tx1"/>
+                </a:solidFill>
+                <a:latin typeface="+mj-lt"/>
+                <a:ea typeface="+mj-ea"/>
+                <a:cs typeface="+mj-cs"/>
+              </a:defRPr>
+            </a:lvl1pPr>
+          </a:lstStyle>
+          <a:p>
+            <a:r>
+              <a:rPr lang="ko-KR" altLang="en-US" dirty="0" err="1"/>
+              <a:t>어노테이션</a:t>
+            </a:r>
+            <a:r>
+              <a:rPr lang="en-US" altLang="ko-KR" dirty="0"/>
+              <a:t>(annotations)</a:t>
+            </a:r>
+            <a:endParaRPr lang="ko-KR" altLang="en-US" dirty="0"/>
+          </a:p>
+        </p:txBody>
+      </p:sp>
+      <p:pic>
+        <p:nvPicPr>
+          <p:cNvPr id="6" name="그림 5">
+            <a:extLst>
+              <a:ext uri="{FF2B5EF4-FFF2-40B4-BE49-F238E27FC236}">
+                <a16:creationId xmlns:a16="http://schemas.microsoft.com/office/drawing/2014/main" id="{5D2C6B5C-8E58-4F6E-8FA3-F51E43708356}"/>
+              </a:ext>
+            </a:extLst>
+          </p:cNvPr>
+          <p:cNvPicPr>
+            <a:picLocks noChangeAspect="1"/>
+          </p:cNvPicPr>
+          <p:nvPr/>
+        </p:nvPicPr>
+        <p:blipFill>
+          <a:blip r:embed="rId2"/>
+          <a:stretch>
+            <a:fillRect/>
+          </a:stretch>
+        </p:blipFill>
+        <p:spPr>
+          <a:xfrm>
+            <a:off x="685800" y="2243285"/>
+            <a:ext cx="3926666" cy="3657601"/>
+          </a:xfrm>
+          <a:prstGeom prst="rect">
+            <a:avLst/>
+          </a:prstGeom>
+        </p:spPr>
+      </p:pic>
+      <p:sp>
+        <p:nvSpPr>
+          <p:cNvPr id="7" name="TextBox 6">
+            <a:extLst>
+              <a:ext uri="{FF2B5EF4-FFF2-40B4-BE49-F238E27FC236}">
+                <a16:creationId xmlns:a16="http://schemas.microsoft.com/office/drawing/2014/main" id="{2C1DD2FF-63E3-4CA8-8231-6F57B140E1B9}"/>
+              </a:ext>
+            </a:extLst>
+          </p:cNvPr>
+          <p:cNvSpPr txBox="1"/>
+          <p:nvPr/>
+        </p:nvSpPr>
+        <p:spPr>
+          <a:xfrm>
+            <a:off x="685800" y="1186934"/>
+            <a:ext cx="7478329" cy="369332"/>
+          </a:xfrm>
+          <a:prstGeom prst="rect">
+            <a:avLst/>
+          </a:prstGeom>
+          <a:noFill/>
+        </p:spPr>
+        <p:txBody>
+          <a:bodyPr wrap="none" rtlCol="0">
+            <a:spAutoFit/>
+          </a:bodyPr>
+          <a:lstStyle/>
+          <a:p>
+            <a:r>
+              <a:rPr lang="en-US" altLang="ko-KR" dirty="0"/>
+              <a:t>:</a:t>
+            </a:r>
+            <a:r>
+              <a:rPr lang="ko-KR" altLang="en-US" dirty="0"/>
+              <a:t> 주석</a:t>
+            </a:r>
+            <a:r>
+              <a:rPr lang="en-US" altLang="ko-KR" dirty="0"/>
+              <a:t>(</a:t>
+            </a:r>
+            <a:r>
+              <a:rPr lang="ko-KR" altLang="en-US" dirty="0"/>
+              <a:t>사전적의미</a:t>
+            </a:r>
+            <a:r>
+              <a:rPr lang="en-US" altLang="ko-KR" dirty="0"/>
+              <a:t>), </a:t>
+            </a:r>
+            <a:r>
+              <a:rPr lang="ko-KR" altLang="en-US" dirty="0"/>
+              <a:t>함수</a:t>
+            </a:r>
+            <a:r>
+              <a:rPr lang="en-US" altLang="ko-KR" dirty="0"/>
+              <a:t> </a:t>
+            </a:r>
+            <a:r>
+              <a:rPr lang="ko-KR" altLang="en-US" dirty="0"/>
+              <a:t>인자로 어떤 값이 와야 하는지 힌트를 주는 것</a:t>
+            </a:r>
+          </a:p>
+        </p:txBody>
+      </p:sp>
+      <p:pic>
+        <p:nvPicPr>
+          <p:cNvPr id="9" name="그림 8">
+            <a:extLst>
+              <a:ext uri="{FF2B5EF4-FFF2-40B4-BE49-F238E27FC236}">
+                <a16:creationId xmlns:a16="http://schemas.microsoft.com/office/drawing/2014/main" id="{91047027-A0A2-41DE-96A1-BFA36B0B1879}"/>
+              </a:ext>
+            </a:extLst>
+          </p:cNvPr>
+          <p:cNvPicPr>
+            <a:picLocks noChangeAspect="1"/>
+          </p:cNvPicPr>
+          <p:nvPr/>
+        </p:nvPicPr>
+        <p:blipFill>
+          <a:blip r:embed="rId3"/>
+          <a:stretch>
+            <a:fillRect/>
+          </a:stretch>
+        </p:blipFill>
+        <p:spPr>
+          <a:xfrm>
+            <a:off x="6240079" y="2314575"/>
+            <a:ext cx="3848100" cy="895350"/>
+          </a:xfrm>
+          <a:prstGeom prst="rect">
+            <a:avLst/>
+          </a:prstGeom>
+        </p:spPr>
+      </p:pic>
+      <p:sp>
+        <p:nvSpPr>
+          <p:cNvPr id="10" name="TextBox 9">
+            <a:extLst>
+              <a:ext uri="{FF2B5EF4-FFF2-40B4-BE49-F238E27FC236}">
+                <a16:creationId xmlns:a16="http://schemas.microsoft.com/office/drawing/2014/main" id="{DE65F596-7B2A-4D86-B26E-779115AFFD9C}"/>
+              </a:ext>
+            </a:extLst>
+          </p:cNvPr>
+          <p:cNvSpPr txBox="1"/>
+          <p:nvPr/>
+        </p:nvSpPr>
+        <p:spPr>
+          <a:xfrm>
+            <a:off x="7066713" y="1760577"/>
+            <a:ext cx="2194832" cy="369332"/>
+          </a:xfrm>
+          <a:prstGeom prst="rect">
+            <a:avLst/>
+          </a:prstGeom>
+          <a:noFill/>
+        </p:spPr>
+        <p:txBody>
+          <a:bodyPr wrap="none" rtlCol="0">
+            <a:spAutoFit/>
+          </a:bodyPr>
+          <a:lstStyle/>
+          <a:p>
+            <a:r>
+              <a:rPr lang="ko-KR" altLang="en-US" dirty="0"/>
+              <a:t>데이터 유효성 검사</a:t>
+            </a:r>
+          </a:p>
+        </p:txBody>
+      </p:sp>
+      <p:sp>
+        <p:nvSpPr>
+          <p:cNvPr id="12" name="TextBox 11">
+            <a:extLst>
+              <a:ext uri="{FF2B5EF4-FFF2-40B4-BE49-F238E27FC236}">
+                <a16:creationId xmlns:a16="http://schemas.microsoft.com/office/drawing/2014/main" id="{56F35933-C8AC-4397-90C2-C4916F269E2F}"/>
+              </a:ext>
+            </a:extLst>
+          </p:cNvPr>
+          <p:cNvSpPr txBox="1"/>
+          <p:nvPr/>
+        </p:nvSpPr>
+        <p:spPr>
+          <a:xfrm>
+            <a:off x="5748192" y="3893105"/>
+            <a:ext cx="5820761" cy="2116285"/>
+          </a:xfrm>
+          <a:prstGeom prst="rect">
+            <a:avLst/>
+          </a:prstGeom>
+          <a:noFill/>
+        </p:spPr>
+        <p:txBody>
+          <a:bodyPr wrap="none" rtlCol="0">
+            <a:spAutoFit/>
+          </a:bodyPr>
+          <a:lstStyle/>
+          <a:p>
+            <a:pPr marL="342900" indent="-342900">
+              <a:lnSpc>
+                <a:spcPct val="150000"/>
+              </a:lnSpc>
+              <a:buAutoNum type="arabicPeriod"/>
+            </a:pPr>
+            <a:r>
+              <a:rPr lang="en-US" altLang="ko-KR" dirty="0"/>
+              <a:t>response</a:t>
+            </a:r>
+            <a:r>
+              <a:rPr lang="ko-KR" altLang="en-US" dirty="0"/>
+              <a:t>객체의 올바른 인스턴스는 어떤 형태일까</a:t>
+            </a:r>
+            <a:r>
+              <a:rPr lang="en-US" altLang="ko-KR" dirty="0"/>
+              <a:t>?</a:t>
+            </a:r>
+          </a:p>
+          <a:p>
+            <a:pPr marL="342900" indent="-342900">
+              <a:lnSpc>
+                <a:spcPct val="150000"/>
+              </a:lnSpc>
+              <a:buAutoNum type="arabicPeriod"/>
+            </a:pPr>
+            <a:r>
+              <a:rPr lang="ko-KR" altLang="en-US" dirty="0"/>
+              <a:t>결과의 인스턴스는 어떤 형태일까</a:t>
+            </a:r>
+            <a:r>
+              <a:rPr lang="en-US" altLang="ko-KR" dirty="0"/>
+              <a:t>?</a:t>
+            </a:r>
+          </a:p>
+          <a:p>
+            <a:pPr marL="342900" indent="-342900">
+              <a:lnSpc>
+                <a:spcPct val="150000"/>
+              </a:lnSpc>
+              <a:buAutoNum type="arabicPeriod"/>
+            </a:pPr>
+            <a:endParaRPr lang="en-US" altLang="ko-KR" dirty="0"/>
+          </a:p>
+          <a:p>
+            <a:pPr marL="285750" indent="-285750">
+              <a:lnSpc>
+                <a:spcPct val="150000"/>
+              </a:lnSpc>
+              <a:buFont typeface="Wingdings" panose="05000000000000000000" pitchFamily="2" charset="2"/>
+              <a:buChar char="à"/>
+            </a:pPr>
+            <a:r>
+              <a:rPr lang="ko-KR" altLang="en-US" dirty="0">
+                <a:sym typeface="Wingdings" panose="05000000000000000000" pitchFamily="2" charset="2"/>
+              </a:rPr>
+              <a:t>파라미터와 함수 반환 값의 예상 형태를</a:t>
+            </a:r>
+            <a:endParaRPr lang="en-US" altLang="ko-KR" dirty="0">
+              <a:sym typeface="Wingdings" panose="05000000000000000000" pitchFamily="2" charset="2"/>
+            </a:endParaRPr>
+          </a:p>
+          <a:p>
+            <a:pPr>
+              <a:lnSpc>
+                <a:spcPct val="150000"/>
+              </a:lnSpc>
+            </a:pPr>
+            <a:r>
+              <a:rPr lang="en-US" altLang="ko-KR" dirty="0">
+                <a:sym typeface="Wingdings" panose="05000000000000000000" pitchFamily="2" charset="2"/>
+              </a:rPr>
+              <a:t>   </a:t>
+            </a:r>
+            <a:r>
+              <a:rPr lang="ko-KR" altLang="en-US" dirty="0">
+                <a:sym typeface="Wingdings" panose="05000000000000000000" pitchFamily="2" charset="2"/>
+              </a:rPr>
+              <a:t> </a:t>
+            </a:r>
+            <a:r>
+              <a:rPr lang="en-US" altLang="ko-KR" dirty="0">
+                <a:sym typeface="Wingdings" panose="05000000000000000000" pitchFamily="2" charset="2"/>
+              </a:rPr>
+              <a:t>docstring</a:t>
+            </a:r>
+            <a:r>
+              <a:rPr lang="ko-KR" altLang="en-US" dirty="0">
+                <a:sym typeface="Wingdings" panose="05000000000000000000" pitchFamily="2" charset="2"/>
+              </a:rPr>
+              <a:t>으로 문서화</a:t>
+            </a:r>
+            <a:endParaRPr lang="en-US" altLang="ko-KR" dirty="0"/>
+          </a:p>
+        </p:txBody>
+      </p:sp>
+    </p:spTree>
+    <p:extLst>
+      <p:ext uri="{BB962C8B-B14F-4D97-AF65-F5344CB8AC3E}">
+        <p14:creationId xmlns:p14="http://schemas.microsoft.com/office/powerpoint/2010/main" val="742559291"/>
+      </p:ext>
+    </p:extLst>
+  </p:cSld>
+  <p:clrMapOvr>
+    <a:masterClrMapping/>
+  </p:clrMapOvr>
+</p:sld>
+</file>
+
+<file path=ppt/slides/slide9.xml><?xml version="1.0" encoding="utf-8"?>
+<p:sld xmlns:a="http://schemas.openxmlformats.org/drawingml/2006/main" xmlns:r="http://schemas.openxmlformats.org/officeDocument/2006/relationships" xmlns:p="http://schemas.openxmlformats.org/presentationml/2006/main">
+  <p:cSld>
+    <p:spTree>
+      <p:nvGrpSpPr>
+        <p:cNvPr id="1" name=""/>
+        <p:cNvGrpSpPr/>
+        <p:nvPr/>
+      </p:nvGrpSpPr>
+      <p:grpSpPr>
+        <a:xfrm>
+          <a:off x="0" y="0"/>
+          <a:ext cx="0" cy="0"/>
+          <a:chOff x="0" y="0"/>
+          <a:chExt cx="0" cy="0"/>
+        </a:xfrm>
+      </p:grpSpPr>
+      <p:sp>
+        <p:nvSpPr>
+          <p:cNvPr id="4" name="제목 1">
+            <a:extLst>
+              <a:ext uri="{FF2B5EF4-FFF2-40B4-BE49-F238E27FC236}">
+                <a16:creationId xmlns:a16="http://schemas.microsoft.com/office/drawing/2014/main" id="{C9B91F32-BDAF-4239-BB96-2C3FD0880D57}"/>
+              </a:ext>
+            </a:extLst>
+          </p:cNvPr>
+          <p:cNvSpPr txBox="1">
+            <a:spLocks/>
+          </p:cNvSpPr>
+          <p:nvPr/>
+        </p:nvSpPr>
+        <p:spPr>
+          <a:xfrm>
+            <a:off x="547253" y="315249"/>
+            <a:ext cx="6525900" cy="1056351"/>
+          </a:xfrm>
+          <a:prstGeom prst="rect">
+            <a:avLst/>
+          </a:prstGeom>
+        </p:spPr>
+        <p:txBody>
+          <a:bodyPr vert="horz" lIns="91440" tIns="45720" rIns="91440" bIns="45720" rtlCol="0" anchor="ctr">
+            <a:normAutofit/>
+          </a:bodyPr>
+          <a:lstStyle>
+            <a:lvl1pPr algn="l" defTabSz="914400" rtl="0" eaLnBrk="1" latinLnBrk="1" hangingPunct="1">
+              <a:lnSpc>
+                <a:spcPct val="90000"/>
+              </a:lnSpc>
+              <a:spcBef>
+                <a:spcPct val="0"/>
+              </a:spcBef>
+              <a:buNone/>
+              <a:defRPr sz="4400" kern="1200">
+                <a:solidFill>
+                  <a:schemeClr val="tx1"/>
+                </a:solidFill>
+                <a:latin typeface="+mj-lt"/>
+                <a:ea typeface="+mj-ea"/>
+                <a:cs typeface="+mj-cs"/>
+              </a:defRPr>
+            </a:lvl1pPr>
+          </a:lstStyle>
+          <a:p>
+            <a:r>
+              <a:rPr lang="ko-KR" altLang="en-US" dirty="0" err="1"/>
+              <a:t>어노테이션</a:t>
+            </a:r>
+            <a:r>
+              <a:rPr lang="en-US" altLang="ko-KR" dirty="0"/>
+              <a:t>(annotations)</a:t>
+            </a:r>
+            <a:endParaRPr lang="ko-KR" altLang="en-US" dirty="0"/>
+          </a:p>
+        </p:txBody>
+      </p:sp>
+      <p:sp>
+        <p:nvSpPr>
+          <p:cNvPr id="7" name="TextBox 6">
+            <a:extLst>
+              <a:ext uri="{FF2B5EF4-FFF2-40B4-BE49-F238E27FC236}">
+                <a16:creationId xmlns:a16="http://schemas.microsoft.com/office/drawing/2014/main" id="{2C1DD2FF-63E3-4CA8-8231-6F57B140E1B9}"/>
+              </a:ext>
+            </a:extLst>
+          </p:cNvPr>
+          <p:cNvSpPr txBox="1"/>
+          <p:nvPr/>
+        </p:nvSpPr>
+        <p:spPr>
+          <a:xfrm>
+            <a:off x="685800" y="1186934"/>
+            <a:ext cx="7478329" cy="369332"/>
+          </a:xfrm>
+          <a:prstGeom prst="rect">
+            <a:avLst/>
+          </a:prstGeom>
+          <a:noFill/>
+        </p:spPr>
+        <p:txBody>
+          <a:bodyPr wrap="none" rtlCol="0">
+            <a:spAutoFit/>
+          </a:bodyPr>
+          <a:lstStyle/>
+          <a:p>
+            <a:r>
+              <a:rPr lang="en-US" altLang="ko-KR" dirty="0"/>
+              <a:t>:</a:t>
+            </a:r>
+            <a:r>
+              <a:rPr lang="ko-KR" altLang="en-US" dirty="0"/>
+              <a:t> 주석</a:t>
+            </a:r>
+            <a:r>
+              <a:rPr lang="en-US" altLang="ko-KR" dirty="0"/>
+              <a:t>(</a:t>
+            </a:r>
+            <a:r>
+              <a:rPr lang="ko-KR" altLang="en-US" dirty="0"/>
+              <a:t>사전적의미</a:t>
+            </a:r>
+            <a:r>
+              <a:rPr lang="en-US" altLang="ko-KR" dirty="0"/>
+              <a:t>), </a:t>
+            </a:r>
+            <a:r>
+              <a:rPr lang="ko-KR" altLang="en-US" dirty="0"/>
+              <a:t>함수</a:t>
+            </a:r>
+            <a:r>
+              <a:rPr lang="en-US" altLang="ko-KR" dirty="0"/>
+              <a:t> </a:t>
+            </a:r>
+            <a:r>
+              <a:rPr lang="ko-KR" altLang="en-US" dirty="0"/>
+              <a:t>인자로 어떤 값이 와야 하는지 힌트를 주는 것</a:t>
+            </a:r>
+          </a:p>
+        </p:txBody>
+      </p:sp>
+      <p:pic>
+        <p:nvPicPr>
+          <p:cNvPr id="9" name="그림 8">
+            <a:extLst>
+              <a:ext uri="{FF2B5EF4-FFF2-40B4-BE49-F238E27FC236}">
+                <a16:creationId xmlns:a16="http://schemas.microsoft.com/office/drawing/2014/main" id="{91047027-A0A2-41DE-96A1-BFA36B0B1879}"/>
+              </a:ext>
+            </a:extLst>
+          </p:cNvPr>
+          <p:cNvPicPr>
+            <a:picLocks noChangeAspect="1"/>
+          </p:cNvPicPr>
+          <p:nvPr/>
+        </p:nvPicPr>
+        <p:blipFill>
+          <a:blip r:embed="rId2"/>
+          <a:stretch>
+            <a:fillRect/>
+          </a:stretch>
+        </p:blipFill>
+        <p:spPr>
+          <a:xfrm>
+            <a:off x="6240079" y="2314575"/>
+            <a:ext cx="3848100" cy="895350"/>
+          </a:xfrm>
+          <a:prstGeom prst="rect">
+            <a:avLst/>
+          </a:prstGeom>
+        </p:spPr>
+      </p:pic>
+      <p:sp>
+        <p:nvSpPr>
+          <p:cNvPr id="10" name="TextBox 9">
+            <a:extLst>
+              <a:ext uri="{FF2B5EF4-FFF2-40B4-BE49-F238E27FC236}">
+                <a16:creationId xmlns:a16="http://schemas.microsoft.com/office/drawing/2014/main" id="{DE65F596-7B2A-4D86-B26E-779115AFFD9C}"/>
+              </a:ext>
+            </a:extLst>
+          </p:cNvPr>
+          <p:cNvSpPr txBox="1"/>
+          <p:nvPr/>
+        </p:nvSpPr>
+        <p:spPr>
+          <a:xfrm>
+            <a:off x="7066713" y="1760577"/>
+            <a:ext cx="2194832" cy="369332"/>
+          </a:xfrm>
+          <a:prstGeom prst="rect">
+            <a:avLst/>
+          </a:prstGeom>
+          <a:noFill/>
+        </p:spPr>
+        <p:txBody>
+          <a:bodyPr wrap="none" rtlCol="0">
+            <a:spAutoFit/>
+          </a:bodyPr>
+          <a:lstStyle/>
+          <a:p>
+            <a:r>
+              <a:rPr lang="ko-KR" altLang="en-US" dirty="0"/>
+              <a:t>데이터 유효성 검사</a:t>
+            </a:r>
+          </a:p>
+        </p:txBody>
+      </p:sp>
+      <p:sp>
+        <p:nvSpPr>
+          <p:cNvPr id="11" name="TextBox 10">
+            <a:extLst>
+              <a:ext uri="{FF2B5EF4-FFF2-40B4-BE49-F238E27FC236}">
+                <a16:creationId xmlns:a16="http://schemas.microsoft.com/office/drawing/2014/main" id="{2D35D72C-C15E-48A0-B878-0A9FF26DDCBF}"/>
+              </a:ext>
+            </a:extLst>
+          </p:cNvPr>
+          <p:cNvSpPr txBox="1"/>
+          <p:nvPr/>
+        </p:nvSpPr>
+        <p:spPr>
+          <a:xfrm>
+            <a:off x="5748192" y="3893105"/>
+            <a:ext cx="5820761" cy="2116285"/>
+          </a:xfrm>
+          <a:prstGeom prst="rect">
+            <a:avLst/>
+          </a:prstGeom>
+          <a:noFill/>
+        </p:spPr>
+        <p:txBody>
+          <a:bodyPr wrap="none" rtlCol="0">
+            <a:spAutoFit/>
+          </a:bodyPr>
+          <a:lstStyle/>
+          <a:p>
+            <a:pPr marL="342900" indent="-342900">
+              <a:lnSpc>
+                <a:spcPct val="150000"/>
+              </a:lnSpc>
+              <a:buAutoNum type="arabicPeriod"/>
+            </a:pPr>
+            <a:r>
+              <a:rPr lang="en-US" altLang="ko-KR" dirty="0"/>
+              <a:t>response</a:t>
+            </a:r>
+            <a:r>
+              <a:rPr lang="ko-KR" altLang="en-US" dirty="0"/>
+              <a:t>객체의 올바른 인스턴스는 어떤 형태일까</a:t>
+            </a:r>
+            <a:r>
+              <a:rPr lang="en-US" altLang="ko-KR" dirty="0"/>
+              <a:t>?</a:t>
+            </a:r>
+          </a:p>
+          <a:p>
+            <a:pPr marL="342900" indent="-342900">
+              <a:lnSpc>
+                <a:spcPct val="150000"/>
+              </a:lnSpc>
+              <a:buAutoNum type="arabicPeriod"/>
+            </a:pPr>
+            <a:r>
+              <a:rPr lang="ko-KR" altLang="en-US" dirty="0"/>
+              <a:t>결과의 인스턴스는 어떤 형태일까</a:t>
+            </a:r>
+            <a:r>
+              <a:rPr lang="en-US" altLang="ko-KR" dirty="0"/>
+              <a:t>?</a:t>
+            </a:r>
+          </a:p>
+          <a:p>
+            <a:pPr marL="342900" indent="-342900">
+              <a:lnSpc>
+                <a:spcPct val="150000"/>
+              </a:lnSpc>
+              <a:buAutoNum type="arabicPeriod"/>
+            </a:pPr>
+            <a:endParaRPr lang="en-US" altLang="ko-KR" dirty="0"/>
+          </a:p>
+          <a:p>
+            <a:pPr marL="285750" indent="-285750">
+              <a:lnSpc>
+                <a:spcPct val="150000"/>
+              </a:lnSpc>
+              <a:buFont typeface="Wingdings" panose="05000000000000000000" pitchFamily="2" charset="2"/>
+              <a:buChar char="à"/>
+            </a:pPr>
+            <a:r>
+              <a:rPr lang="ko-KR" altLang="en-US" dirty="0">
+                <a:sym typeface="Wingdings" panose="05000000000000000000" pitchFamily="2" charset="2"/>
+              </a:rPr>
+              <a:t>파라미터와 함수 반환 값의 예상 형태를</a:t>
+            </a:r>
+            <a:endParaRPr lang="en-US" altLang="ko-KR" dirty="0">
+              <a:sym typeface="Wingdings" panose="05000000000000000000" pitchFamily="2" charset="2"/>
+            </a:endParaRPr>
+          </a:p>
+          <a:p>
+            <a:pPr>
+              <a:lnSpc>
+                <a:spcPct val="150000"/>
+              </a:lnSpc>
+            </a:pPr>
+            <a:r>
+              <a:rPr lang="en-US" altLang="ko-KR" dirty="0">
+                <a:sym typeface="Wingdings" panose="05000000000000000000" pitchFamily="2" charset="2"/>
+              </a:rPr>
+              <a:t>   </a:t>
+            </a:r>
+            <a:r>
+              <a:rPr lang="ko-KR" altLang="en-US" dirty="0">
+                <a:sym typeface="Wingdings" panose="05000000000000000000" pitchFamily="2" charset="2"/>
+              </a:rPr>
+              <a:t> </a:t>
+            </a:r>
+            <a:r>
+              <a:rPr lang="en-US" altLang="ko-KR" dirty="0">
+                <a:sym typeface="Wingdings" panose="05000000000000000000" pitchFamily="2" charset="2"/>
+              </a:rPr>
+              <a:t>docstring</a:t>
+            </a:r>
+            <a:r>
+              <a:rPr lang="ko-KR" altLang="en-US" dirty="0">
+                <a:sym typeface="Wingdings" panose="05000000000000000000" pitchFamily="2" charset="2"/>
+              </a:rPr>
+              <a:t>으로 문서화</a:t>
+            </a:r>
+            <a:endParaRPr lang="en-US" altLang="ko-KR" dirty="0"/>
+          </a:p>
+        </p:txBody>
+      </p:sp>
+      <p:pic>
+        <p:nvPicPr>
+          <p:cNvPr id="2" name="그림 1">
+            <a:extLst>
+              <a:ext uri="{FF2B5EF4-FFF2-40B4-BE49-F238E27FC236}">
+                <a16:creationId xmlns:a16="http://schemas.microsoft.com/office/drawing/2014/main" id="{B94C1F6C-DCA5-4367-AFD6-0330D9072E89}"/>
+              </a:ext>
+            </a:extLst>
+          </p:cNvPr>
+          <p:cNvPicPr>
+            <a:picLocks noChangeAspect="1"/>
+          </p:cNvPicPr>
+          <p:nvPr/>
+        </p:nvPicPr>
+        <p:blipFill>
+          <a:blip r:embed="rId3"/>
+          <a:stretch>
+            <a:fillRect/>
+          </a:stretch>
+        </p:blipFill>
+        <p:spPr>
+          <a:xfrm>
+            <a:off x="547253" y="1945243"/>
+            <a:ext cx="4962525" cy="3895725"/>
+          </a:xfrm>
+          <a:prstGeom prst="rect">
+            <a:avLst/>
+          </a:prstGeom>
+        </p:spPr>
+      </p:pic>
+    </p:spTree>
+    <p:extLst>
+      <p:ext uri="{BB962C8B-B14F-4D97-AF65-F5344CB8AC3E}">
+        <p14:creationId xmlns:p14="http://schemas.microsoft.com/office/powerpoint/2010/main" val="2025701259"/>
       </p:ext>
     </p:extLst>
   </p:cSld>

--- a/chapter_1_소개, 코드 포매팅과 도구/1장_소개자료.pptx
+++ b/chapter_1_소개, 코드 포매팅과 도구/1장_소개자료.pptx
@@ -14,7 +14,8 @@
     <p:sldId id="262" r:id="rId8"/>
     <p:sldId id="263" r:id="rId9"/>
     <p:sldId id="264" r:id="rId10"/>
-    <p:sldId id="265" r:id="rId11"/>
+    <p:sldId id="266" r:id="rId11"/>
+    <p:sldId id="265" r:id="rId12"/>
   </p:sldIdLst>
   <p:sldSz cx="12192000" cy="6858000"/>
   <p:notesSz cx="6858000" cy="9144000"/>
@@ -130,6 +131,7 @@
             <p14:sldId id="262"/>
             <p14:sldId id="263"/>
             <p14:sldId id="264"/>
+            <p14:sldId id="266"/>
             <p14:sldId id="265"/>
           </p14:sldIdLst>
         </p14:section>
@@ -271,7 +273,7 @@
           <a:p>
             <a:fld id="{135BA1F9-2E68-4163-81E3-BD27D4A2D212}" type="datetimeFigureOut">
               <a:rPr lang="ko-KR" altLang="en-US" smtClean="0"/>
-              <a:t>2019-05-05</a:t>
+              <a:t>2019-05-06</a:t>
             </a:fld>
             <a:endParaRPr lang="ko-KR" altLang="en-US"/>
           </a:p>
@@ -439,7 +441,7 @@
           <a:p>
             <a:fld id="{135BA1F9-2E68-4163-81E3-BD27D4A2D212}" type="datetimeFigureOut">
               <a:rPr lang="ko-KR" altLang="en-US" smtClean="0"/>
-              <a:t>2019-05-05</a:t>
+              <a:t>2019-05-06</a:t>
             </a:fld>
             <a:endParaRPr lang="ko-KR" altLang="en-US"/>
           </a:p>
@@ -617,7 +619,7 @@
           <a:p>
             <a:fld id="{135BA1F9-2E68-4163-81E3-BD27D4A2D212}" type="datetimeFigureOut">
               <a:rPr lang="ko-KR" altLang="en-US" smtClean="0"/>
-              <a:t>2019-05-05</a:t>
+              <a:t>2019-05-06</a:t>
             </a:fld>
             <a:endParaRPr lang="ko-KR" altLang="en-US"/>
           </a:p>
@@ -785,7 +787,7 @@
           <a:p>
             <a:fld id="{135BA1F9-2E68-4163-81E3-BD27D4A2D212}" type="datetimeFigureOut">
               <a:rPr lang="ko-KR" altLang="en-US" smtClean="0"/>
-              <a:t>2019-05-05</a:t>
+              <a:t>2019-05-06</a:t>
             </a:fld>
             <a:endParaRPr lang="ko-KR" altLang="en-US"/>
           </a:p>
@@ -1030,7 +1032,7 @@
           <a:p>
             <a:fld id="{135BA1F9-2E68-4163-81E3-BD27D4A2D212}" type="datetimeFigureOut">
               <a:rPr lang="ko-KR" altLang="en-US" smtClean="0"/>
-              <a:t>2019-05-05</a:t>
+              <a:t>2019-05-06</a:t>
             </a:fld>
             <a:endParaRPr lang="ko-KR" altLang="en-US"/>
           </a:p>
@@ -1259,7 +1261,7 @@
           <a:p>
             <a:fld id="{135BA1F9-2E68-4163-81E3-BD27D4A2D212}" type="datetimeFigureOut">
               <a:rPr lang="ko-KR" altLang="en-US" smtClean="0"/>
-              <a:t>2019-05-05</a:t>
+              <a:t>2019-05-06</a:t>
             </a:fld>
             <a:endParaRPr lang="ko-KR" altLang="en-US"/>
           </a:p>
@@ -1623,7 +1625,7 @@
           <a:p>
             <a:fld id="{135BA1F9-2E68-4163-81E3-BD27D4A2D212}" type="datetimeFigureOut">
               <a:rPr lang="ko-KR" altLang="en-US" smtClean="0"/>
-              <a:t>2019-05-05</a:t>
+              <a:t>2019-05-06</a:t>
             </a:fld>
             <a:endParaRPr lang="ko-KR" altLang="en-US"/>
           </a:p>
@@ -1740,7 +1742,7 @@
           <a:p>
             <a:fld id="{135BA1F9-2E68-4163-81E3-BD27D4A2D212}" type="datetimeFigureOut">
               <a:rPr lang="ko-KR" altLang="en-US" smtClean="0"/>
-              <a:t>2019-05-05</a:t>
+              <a:t>2019-05-06</a:t>
             </a:fld>
             <a:endParaRPr lang="ko-KR" altLang="en-US"/>
           </a:p>
@@ -1835,7 +1837,7 @@
           <a:p>
             <a:fld id="{135BA1F9-2E68-4163-81E3-BD27D4A2D212}" type="datetimeFigureOut">
               <a:rPr lang="ko-KR" altLang="en-US" smtClean="0"/>
-              <a:t>2019-05-05</a:t>
+              <a:t>2019-05-06</a:t>
             </a:fld>
             <a:endParaRPr lang="ko-KR" altLang="en-US"/>
           </a:p>
@@ -2110,7 +2112,7 @@
           <a:p>
             <a:fld id="{135BA1F9-2E68-4163-81E3-BD27D4A2D212}" type="datetimeFigureOut">
               <a:rPr lang="ko-KR" altLang="en-US" smtClean="0"/>
-              <a:t>2019-05-05</a:t>
+              <a:t>2019-05-06</a:t>
             </a:fld>
             <a:endParaRPr lang="ko-KR" altLang="en-US"/>
           </a:p>
@@ -2362,7 +2364,7 @@
           <a:p>
             <a:fld id="{135BA1F9-2E68-4163-81E3-BD27D4A2D212}" type="datetimeFigureOut">
               <a:rPr lang="ko-KR" altLang="en-US" smtClean="0"/>
-              <a:t>2019-05-05</a:t>
+              <a:t>2019-05-06</a:t>
             </a:fld>
             <a:endParaRPr lang="ko-KR" altLang="en-US"/>
           </a:p>
@@ -2573,7 +2575,7 @@
           <a:p>
             <a:fld id="{135BA1F9-2E68-4163-81E3-BD27D4A2D212}" type="datetimeFigureOut">
               <a:rPr lang="ko-KR" altLang="en-US" smtClean="0"/>
-              <a:t>2019-05-05</a:t>
+              <a:t>2019-05-06</a:t>
             </a:fld>
             <a:endParaRPr lang="ko-KR" altLang="en-US"/>
           </a:p>
@@ -3004,6 +3006,10 @@
               <a:rPr lang="ko-KR" altLang="en-US"/>
               <a:t>파이썬 클린 코드</a:t>
             </a:r>
+            <a:r>
+              <a:rPr lang="en-US" altLang="ko-KR"/>
+              <a:t/>
+            </a:r>
             <a:br>
               <a:rPr lang="en-US" altLang="ko-KR"/>
             </a:br>
@@ -3086,50 +3092,414 @@
       </p:grpSpPr>
       <p:sp>
         <p:nvSpPr>
-          <p:cNvPr id="2" name="제목 1">
+          <p:cNvPr id="4" name="제목 1">
             <a:extLst>
               <a:ext uri="{FF2B5EF4-FFF2-40B4-BE49-F238E27FC236}">
-                <a16:creationId xmlns:a16="http://schemas.microsoft.com/office/drawing/2014/main" id="{9552628C-6B0F-4E73-B3B9-9C39C072CD20}"/>
+                <a16:creationId xmlns:a16="http://schemas.microsoft.com/office/drawing/2014/main" id="{C9B91F32-BDAF-4239-BB96-2C3FD0880D57}"/>
               </a:ext>
             </a:extLst>
           </p:cNvPr>
-          <p:cNvSpPr>
-            <a:spLocks noGrp="1"/>
-          </p:cNvSpPr>
-          <p:nvPr>
-            <p:ph type="title"/>
-          </p:nvPr>
-        </p:nvSpPr>
-        <p:spPr/>
-        <p:txBody>
-          <a:bodyPr/>
-          <a:lstStyle/>
-          <a:p>
+          <p:cNvSpPr txBox="1">
+            <a:spLocks/>
+          </p:cNvSpPr>
+          <p:nvPr/>
+        </p:nvSpPr>
+        <p:spPr>
+          <a:xfrm>
+            <a:off x="547252" y="315249"/>
+            <a:ext cx="7824851" cy="1056351"/>
+          </a:xfrm>
+          <a:prstGeom prst="rect">
+            <a:avLst/>
+          </a:prstGeom>
+        </p:spPr>
+        <p:txBody>
+          <a:bodyPr vert="horz" lIns="91440" tIns="45720" rIns="91440" bIns="45720" rtlCol="0" anchor="ctr">
+            <a:normAutofit/>
+          </a:bodyPr>
+          <a:lstStyle>
+            <a:lvl1pPr algn="l" defTabSz="914400" rtl="0" eaLnBrk="1" latinLnBrk="1" hangingPunct="1">
+              <a:lnSpc>
+                <a:spcPct val="90000"/>
+              </a:lnSpc>
+              <a:spcBef>
+                <a:spcPct val="0"/>
+              </a:spcBef>
+              <a:buNone/>
+              <a:defRPr sz="4400" kern="1200">
+                <a:solidFill>
+                  <a:schemeClr val="tx1"/>
+                </a:solidFill>
+                <a:latin typeface="+mj-lt"/>
+                <a:ea typeface="+mj-ea"/>
+                <a:cs typeface="+mj-cs"/>
+              </a:defRPr>
+            </a:lvl1pPr>
+          </a:lstStyle>
+          <a:p>
+            <a:r>
+              <a:rPr lang="en-US" altLang="ko-KR" smtClean="0"/>
+              <a:t>PEP</a:t>
+            </a:r>
+            <a:r>
+              <a:rPr lang="en-US" altLang="ko-KR" sz="3200" smtClean="0"/>
+              <a:t>(Python Enhance Proposal)</a:t>
+            </a:r>
+            <a:endParaRPr lang="ko-KR" altLang="en-US" dirty="0"/>
+          </a:p>
+        </p:txBody>
+      </p:sp>
+      <p:pic>
+        <p:nvPicPr>
+          <p:cNvPr id="5" name="그림 4"/>
+          <p:cNvPicPr>
+            <a:picLocks noChangeAspect="1"/>
+          </p:cNvPicPr>
+          <p:nvPr/>
+        </p:nvPicPr>
+        <p:blipFill>
+          <a:blip r:embed="rId2"/>
+          <a:stretch>
+            <a:fillRect/>
+          </a:stretch>
+        </p:blipFill>
+        <p:spPr>
+          <a:xfrm>
+            <a:off x="736269" y="2594206"/>
+            <a:ext cx="4761017" cy="2507303"/>
+          </a:xfrm>
+          <a:prstGeom prst="rect">
+            <a:avLst/>
+          </a:prstGeom>
+        </p:spPr>
+      </p:pic>
+      <p:sp>
+        <p:nvSpPr>
+          <p:cNvPr id="7" name="TextBox 6"/>
+          <p:cNvSpPr txBox="1"/>
+          <p:nvPr/>
+        </p:nvSpPr>
+        <p:spPr>
+          <a:xfrm>
+            <a:off x="736269" y="1186934"/>
+            <a:ext cx="7933582" cy="369332"/>
+          </a:xfrm>
+          <a:prstGeom prst="rect">
+            <a:avLst/>
+          </a:prstGeom>
+          <a:noFill/>
+        </p:spPr>
+        <p:txBody>
+          <a:bodyPr wrap="none" rtlCol="0">
+            <a:spAutoFit/>
+          </a:bodyPr>
+          <a:lstStyle/>
+          <a:p>
+            <a:r>
+              <a:rPr lang="en-US" altLang="ko-KR" smtClean="0"/>
+              <a:t>: </a:t>
+            </a:r>
+            <a:r>
+              <a:rPr lang="ko-KR" altLang="en-US" smtClean="0"/>
+              <a:t>파이썬을 개선하기 위한 개선 제안서 </a:t>
+            </a:r>
+            <a:r>
+              <a:rPr lang="en-US" altLang="ko-KR" smtClean="0"/>
+              <a:t>(PEP-8:</a:t>
+            </a:r>
+            <a:r>
+              <a:rPr lang="ko-KR" altLang="en-US" smtClean="0"/>
+              <a:t>파이썬언어의 컨벤션제안서</a:t>
+            </a:r>
+            <a:r>
+              <a:rPr lang="en-US" altLang="ko-KR" smtClean="0"/>
+              <a:t>)</a:t>
+            </a:r>
             <a:endParaRPr lang="ko-KR" altLang="en-US"/>
           </a:p>
         </p:txBody>
       </p:sp>
-      <p:sp>
-        <p:nvSpPr>
-          <p:cNvPr id="3" name="내용 개체 틀 2">
+      <p:pic>
+        <p:nvPicPr>
+          <p:cNvPr id="8" name="그림 7"/>
+          <p:cNvPicPr>
+            <a:picLocks noChangeAspect="1"/>
+          </p:cNvPicPr>
+          <p:nvPr/>
+        </p:nvPicPr>
+        <p:blipFill>
+          <a:blip r:embed="rId3"/>
+          <a:stretch>
+            <a:fillRect/>
+          </a:stretch>
+        </p:blipFill>
+        <p:spPr>
+          <a:xfrm>
+            <a:off x="5777593" y="2594206"/>
+            <a:ext cx="5600700" cy="2507303"/>
+          </a:xfrm>
+          <a:prstGeom prst="rect">
+            <a:avLst/>
+          </a:prstGeom>
+        </p:spPr>
+      </p:pic>
+    </p:spTree>
+    <p:extLst>
+      <p:ext uri="{BB962C8B-B14F-4D97-AF65-F5344CB8AC3E}">
+        <p14:creationId xmlns:p14="http://schemas.microsoft.com/office/powerpoint/2010/main" val="2532388094"/>
+      </p:ext>
+    </p:extLst>
+  </p:cSld>
+  <p:clrMapOvr>
+    <a:masterClrMapping/>
+  </p:clrMapOvr>
+</p:sld>
+</file>
+
+<file path=ppt/slides/slide11.xml><?xml version="1.0" encoding="utf-8"?>
+<p:sld xmlns:a="http://schemas.openxmlformats.org/drawingml/2006/main" xmlns:r="http://schemas.openxmlformats.org/officeDocument/2006/relationships" xmlns:p="http://schemas.openxmlformats.org/presentationml/2006/main">
+  <p:cSld>
+    <p:spTree>
+      <p:nvGrpSpPr>
+        <p:cNvPr id="1" name=""/>
+        <p:cNvGrpSpPr/>
+        <p:nvPr/>
+      </p:nvGrpSpPr>
+      <p:grpSpPr>
+        <a:xfrm>
+          <a:off x="0" y="0"/>
+          <a:ext cx="0" cy="0"/>
+          <a:chOff x="0" y="0"/>
+          <a:chExt cx="0" cy="0"/>
+        </a:xfrm>
+      </p:grpSpPr>
+      <p:sp>
+        <p:nvSpPr>
+          <p:cNvPr id="4" name="제목 1">
             <a:extLst>
               <a:ext uri="{FF2B5EF4-FFF2-40B4-BE49-F238E27FC236}">
-                <a16:creationId xmlns:a16="http://schemas.microsoft.com/office/drawing/2014/main" id="{7E02D510-C02C-4295-93B6-E1527D3075C1}"/>
+                <a16:creationId xmlns:a16="http://schemas.microsoft.com/office/drawing/2014/main" id="{C9B91F32-BDAF-4239-BB96-2C3FD0880D57}"/>
               </a:ext>
             </a:extLst>
           </p:cNvPr>
-          <p:cNvSpPr>
-            <a:spLocks noGrp="1"/>
-          </p:cNvSpPr>
-          <p:nvPr>
-            <p:ph idx="1"/>
-          </p:nvPr>
-        </p:nvSpPr>
-        <p:spPr/>
-        <p:txBody>
-          <a:bodyPr/>
-          <a:lstStyle/>
-          <a:p>
+          <p:cNvSpPr txBox="1">
+            <a:spLocks/>
+          </p:cNvSpPr>
+          <p:nvPr/>
+        </p:nvSpPr>
+        <p:spPr>
+          <a:xfrm>
+            <a:off x="547253" y="315249"/>
+            <a:ext cx="6525900" cy="1056351"/>
+          </a:xfrm>
+          <a:prstGeom prst="rect">
+            <a:avLst/>
+          </a:prstGeom>
+        </p:spPr>
+        <p:txBody>
+          <a:bodyPr vert="horz" lIns="91440" tIns="45720" rIns="91440" bIns="45720" rtlCol="0" anchor="ctr">
+            <a:normAutofit/>
+          </a:bodyPr>
+          <a:lstStyle>
+            <a:lvl1pPr algn="l" defTabSz="914400" rtl="0" eaLnBrk="1" latinLnBrk="1" hangingPunct="1">
+              <a:lnSpc>
+                <a:spcPct val="90000"/>
+              </a:lnSpc>
+              <a:spcBef>
+                <a:spcPct val="0"/>
+              </a:spcBef>
+              <a:buNone/>
+              <a:defRPr sz="4400" kern="1200">
+                <a:solidFill>
+                  <a:schemeClr val="tx1"/>
+                </a:solidFill>
+                <a:latin typeface="+mj-lt"/>
+                <a:ea typeface="+mj-ea"/>
+                <a:cs typeface="+mj-cs"/>
+              </a:defRPr>
+            </a:lvl1pPr>
+          </a:lstStyle>
+          <a:p>
+            <a:r>
+              <a:rPr lang="ko-KR" altLang="en-US" smtClean="0"/>
+              <a:t>다양한 검사 도구</a:t>
+            </a:r>
+            <a:endParaRPr lang="ko-KR" altLang="en-US" dirty="0"/>
+          </a:p>
+        </p:txBody>
+      </p:sp>
+      <p:sp>
+        <p:nvSpPr>
+          <p:cNvPr id="5" name="TextBox 4"/>
+          <p:cNvSpPr txBox="1"/>
+          <p:nvPr/>
+        </p:nvSpPr>
+        <p:spPr>
+          <a:xfrm>
+            <a:off x="741734" y="2259875"/>
+            <a:ext cx="3068469" cy="369332"/>
+          </a:xfrm>
+          <a:prstGeom prst="rect">
+            <a:avLst/>
+          </a:prstGeom>
+          <a:noFill/>
+        </p:spPr>
+        <p:txBody>
+          <a:bodyPr wrap="none" rtlCol="0">
+            <a:spAutoFit/>
+          </a:bodyPr>
+          <a:lstStyle/>
+          <a:p>
+            <a:r>
+              <a:rPr lang="en-US" altLang="ko-KR" smtClean="0"/>
+              <a:t>Mypy : </a:t>
+            </a:r>
+            <a:r>
+              <a:rPr lang="ko-KR" altLang="en-US" smtClean="0"/>
+              <a:t>정적 타입 검사 도구</a:t>
+            </a:r>
+            <a:endParaRPr lang="ko-KR" altLang="en-US"/>
+          </a:p>
+        </p:txBody>
+      </p:sp>
+      <p:sp>
+        <p:nvSpPr>
+          <p:cNvPr id="6" name="TextBox 5"/>
+          <p:cNvSpPr txBox="1"/>
+          <p:nvPr/>
+        </p:nvSpPr>
+        <p:spPr>
+          <a:xfrm>
+            <a:off x="741734" y="2994967"/>
+            <a:ext cx="7293984" cy="369332"/>
+          </a:xfrm>
+          <a:prstGeom prst="rect">
+            <a:avLst/>
+          </a:prstGeom>
+          <a:noFill/>
+        </p:spPr>
+        <p:txBody>
+          <a:bodyPr wrap="none" rtlCol="0">
+            <a:spAutoFit/>
+          </a:bodyPr>
+          <a:lstStyle/>
+          <a:p>
+            <a:r>
+              <a:rPr lang="en-US" altLang="ko-KR" smtClean="0"/>
+              <a:t>Pylint : </a:t>
+            </a:r>
+            <a:r>
+              <a:rPr lang="ko-KR" altLang="en-US" smtClean="0"/>
+              <a:t>코드의 구조를 검사하는 도구 </a:t>
+            </a:r>
+            <a:r>
+              <a:rPr lang="en-US" altLang="ko-KR" smtClean="0"/>
+              <a:t>(PEP-8</a:t>
+            </a:r>
+            <a:r>
+              <a:rPr lang="ko-KR" altLang="en-US" smtClean="0"/>
+              <a:t>을 준수했는지 여부 검사</a:t>
+            </a:r>
+            <a:r>
+              <a:rPr lang="en-US" altLang="ko-KR" smtClean="0"/>
+              <a:t>)</a:t>
+            </a:r>
+            <a:endParaRPr lang="ko-KR" altLang="en-US"/>
+          </a:p>
+        </p:txBody>
+      </p:sp>
+      <p:sp>
+        <p:nvSpPr>
+          <p:cNvPr id="7" name="TextBox 6"/>
+          <p:cNvSpPr txBox="1"/>
+          <p:nvPr/>
+        </p:nvSpPr>
+        <p:spPr>
+          <a:xfrm>
+            <a:off x="741734" y="3730059"/>
+            <a:ext cx="9560502" cy="369332"/>
+          </a:xfrm>
+          <a:prstGeom prst="rect">
+            <a:avLst/>
+          </a:prstGeom>
+          <a:noFill/>
+        </p:spPr>
+        <p:txBody>
+          <a:bodyPr wrap="none" rtlCol="0">
+            <a:spAutoFit/>
+          </a:bodyPr>
+          <a:lstStyle/>
+          <a:p>
+            <a:r>
+              <a:rPr lang="en-US" altLang="ko-KR" smtClean="0"/>
+              <a:t>Makefile : (</a:t>
+            </a:r>
+            <a:r>
+              <a:rPr lang="ko-KR" altLang="en-US" smtClean="0"/>
+              <a:t>리눅스개발환경에서</a:t>
+            </a:r>
+            <a:r>
+              <a:rPr lang="en-US" altLang="ko-KR" smtClean="0"/>
+              <a:t>)</a:t>
+            </a:r>
+            <a:r>
+              <a:rPr lang="ko-KR" altLang="en-US" smtClean="0"/>
+              <a:t>빌드를 자동화</a:t>
+            </a:r>
+            <a:r>
+              <a:rPr lang="en-US" altLang="ko-KR" smtClean="0"/>
+              <a:t>, </a:t>
+            </a:r>
+            <a:r>
+              <a:rPr lang="ko-KR" altLang="en-US" smtClean="0"/>
+              <a:t>포매팅 검사</a:t>
+            </a:r>
+            <a:r>
+              <a:rPr lang="en-US" altLang="ko-KR" smtClean="0"/>
+              <a:t>, </a:t>
+            </a:r>
+            <a:r>
+              <a:rPr lang="ko-KR" altLang="en-US" smtClean="0"/>
+              <a:t>코딩 컨벤션 검사 자동화 도구</a:t>
+            </a:r>
+            <a:endParaRPr lang="ko-KR" altLang="en-US"/>
+          </a:p>
+        </p:txBody>
+      </p:sp>
+      <p:sp>
+        <p:nvSpPr>
+          <p:cNvPr id="9" name="TextBox 8"/>
+          <p:cNvSpPr txBox="1"/>
+          <p:nvPr/>
+        </p:nvSpPr>
+        <p:spPr>
+          <a:xfrm>
+            <a:off x="741734" y="4465151"/>
+            <a:ext cx="4413388" cy="369332"/>
+          </a:xfrm>
+          <a:prstGeom prst="rect">
+            <a:avLst/>
+          </a:prstGeom>
+          <a:noFill/>
+        </p:spPr>
+        <p:txBody>
+          <a:bodyPr wrap="none" rtlCol="0">
+            <a:spAutoFit/>
+          </a:bodyPr>
+          <a:lstStyle/>
+          <a:p>
+            <a:r>
+              <a:rPr lang="en-US" altLang="ko-KR" smtClean="0"/>
+              <a:t>Black : </a:t>
+            </a:r>
+            <a:r>
+              <a:rPr lang="ko-KR" altLang="en-US" smtClean="0"/>
+              <a:t>자동으로 코드를 포매팅하는 도</a:t>
+            </a:r>
+            <a:r>
+              <a:rPr lang="ko-KR" altLang="en-US" smtClean="0"/>
+              <a:t>구</a:t>
+            </a:r>
             <a:endParaRPr lang="ko-KR" altLang="en-US"/>
           </a:p>
         </p:txBody>
@@ -3791,63 +4161,6 @@
           <a:chExt cx="0" cy="0"/>
         </a:xfrm>
       </p:grpSpPr>
-      <p:sp>
-        <p:nvSpPr>
-          <p:cNvPr id="5" name="제목 1"/>
-          <p:cNvSpPr txBox="1">
-            <a:spLocks/>
-          </p:cNvSpPr>
-          <p:nvPr/>
-        </p:nvSpPr>
-        <p:spPr>
-          <a:xfrm>
-            <a:off x="547253" y="315249"/>
-            <a:ext cx="6019801" cy="1056351"/>
-          </a:xfrm>
-          <a:prstGeom prst="rect">
-            <a:avLst/>
-          </a:prstGeom>
-        </p:spPr>
-        <p:txBody>
-          <a:bodyPr vert="horz" lIns="91440" tIns="45720" rIns="91440" bIns="45720" rtlCol="0" anchor="ctr">
-            <a:normAutofit/>
-          </a:bodyPr>
-          <a:lstStyle>
-            <a:lvl1pPr algn="l" defTabSz="914400" rtl="0" eaLnBrk="1" latinLnBrk="1" hangingPunct="1">
-              <a:lnSpc>
-                <a:spcPct val="90000"/>
-              </a:lnSpc>
-              <a:spcBef>
-                <a:spcPct val="0"/>
-              </a:spcBef>
-              <a:buNone/>
-              <a:defRPr sz="4400" kern="1200">
-                <a:solidFill>
-                  <a:schemeClr val="tx1"/>
-                </a:solidFill>
-                <a:latin typeface="+mj-lt"/>
-                <a:ea typeface="+mj-ea"/>
-                <a:cs typeface="+mj-cs"/>
-              </a:defRPr>
-            </a:lvl1pPr>
-          </a:lstStyle>
-          <a:p>
-            <a:r>
-              <a:rPr lang="en-US" altLang="ko-KR"/>
-              <a:t>Sphinx(</a:t>
-            </a:r>
-            <a:r>
-              <a:rPr lang="ko-KR" altLang="en-US"/>
-              <a:t>스핑크스</a:t>
-            </a:r>
-            <a:r>
-              <a:rPr lang="en-US" altLang="ko-KR"/>
-              <a:t>)</a:t>
-            </a:r>
-            <a:endParaRPr lang="ko-KR" altLang="en-US"/>
-          </a:p>
-        </p:txBody>
-      </p:sp>
       <p:pic>
         <p:nvPicPr>
           <p:cNvPr id="2" name="그림 1">
@@ -3914,6 +4227,67 @@
               <a:rPr lang="ko-KR" altLang="en-US" dirty="0"/>
               <a:t>프로젝트 문서화를 위한 기본 골격을 만들어주는 모듈</a:t>
             </a:r>
+          </a:p>
+        </p:txBody>
+      </p:sp>
+      <p:sp>
+        <p:nvSpPr>
+          <p:cNvPr id="6" name="제목 1"/>
+          <p:cNvSpPr txBox="1">
+            <a:spLocks/>
+          </p:cNvSpPr>
+          <p:nvPr/>
+        </p:nvSpPr>
+        <p:spPr>
+          <a:xfrm>
+            <a:off x="547253" y="315249"/>
+            <a:ext cx="6019801" cy="1056351"/>
+          </a:xfrm>
+          <a:prstGeom prst="rect">
+            <a:avLst/>
+          </a:prstGeom>
+        </p:spPr>
+        <p:txBody>
+          <a:bodyPr vert="horz" lIns="91440" tIns="45720" rIns="91440" bIns="45720" rtlCol="0" anchor="ctr">
+            <a:normAutofit/>
+          </a:bodyPr>
+          <a:lstStyle>
+            <a:lvl1pPr algn="l" defTabSz="914400" rtl="0" eaLnBrk="1" latinLnBrk="1" hangingPunct="1">
+              <a:lnSpc>
+                <a:spcPct val="90000"/>
+              </a:lnSpc>
+              <a:spcBef>
+                <a:spcPct val="0"/>
+              </a:spcBef>
+              <a:buNone/>
+              <a:defRPr sz="4400" kern="1200">
+                <a:solidFill>
+                  <a:schemeClr val="tx1"/>
+                </a:solidFill>
+                <a:latin typeface="+mj-lt"/>
+                <a:ea typeface="+mj-ea"/>
+                <a:cs typeface="+mj-cs"/>
+              </a:defRPr>
+            </a:lvl1pPr>
+          </a:lstStyle>
+          <a:p>
+            <a:r>
+              <a:rPr lang="en-US" altLang="ko-KR" dirty="0"/>
+              <a:t>Sphinx</a:t>
+            </a:r>
+            <a:r>
+              <a:rPr lang="en-US" altLang="ko-KR" sz="3200" dirty="0"/>
+              <a:t>(</a:t>
+            </a:r>
+            <a:r>
+              <a:rPr lang="ko-KR" altLang="en-US" sz="3200" dirty="0"/>
+              <a:t>스핑크스</a:t>
+            </a:r>
+            <a:r>
+              <a:rPr lang="en-US" altLang="ko-KR" sz="3200" dirty="0"/>
+              <a:t>)</a:t>
+            </a:r>
+            <a:endParaRPr lang="ko-KR" altLang="en-US" sz="3200" dirty="0"/>
           </a:p>
         </p:txBody>
       </p:sp>
@@ -3949,63 +4323,6 @@
       </p:grpSpPr>
       <p:sp>
         <p:nvSpPr>
-          <p:cNvPr id="5" name="제목 1"/>
-          <p:cNvSpPr txBox="1">
-            <a:spLocks/>
-          </p:cNvSpPr>
-          <p:nvPr/>
-        </p:nvSpPr>
-        <p:spPr>
-          <a:xfrm>
-            <a:off x="547253" y="315249"/>
-            <a:ext cx="6019801" cy="1056351"/>
-          </a:xfrm>
-          <a:prstGeom prst="rect">
-            <a:avLst/>
-          </a:prstGeom>
-        </p:spPr>
-        <p:txBody>
-          <a:bodyPr vert="horz" lIns="91440" tIns="45720" rIns="91440" bIns="45720" rtlCol="0" anchor="ctr">
-            <a:normAutofit/>
-          </a:bodyPr>
-          <a:lstStyle>
-            <a:lvl1pPr algn="l" defTabSz="914400" rtl="0" eaLnBrk="1" latinLnBrk="1" hangingPunct="1">
-              <a:lnSpc>
-                <a:spcPct val="90000"/>
-              </a:lnSpc>
-              <a:spcBef>
-                <a:spcPct val="0"/>
-              </a:spcBef>
-              <a:buNone/>
-              <a:defRPr sz="4400" kern="1200">
-                <a:solidFill>
-                  <a:schemeClr val="tx1"/>
-                </a:solidFill>
-                <a:latin typeface="+mj-lt"/>
-                <a:ea typeface="+mj-ea"/>
-                <a:cs typeface="+mj-cs"/>
-              </a:defRPr>
-            </a:lvl1pPr>
-          </a:lstStyle>
-          <a:p>
-            <a:r>
-              <a:rPr lang="en-US" altLang="ko-KR"/>
-              <a:t>Sphinx(</a:t>
-            </a:r>
-            <a:r>
-              <a:rPr lang="ko-KR" altLang="en-US"/>
-              <a:t>스핑크스</a:t>
-            </a:r>
-            <a:r>
-              <a:rPr lang="en-US" altLang="ko-KR"/>
-              <a:t>)</a:t>
-            </a:r>
-            <a:endParaRPr lang="ko-KR" altLang="en-US"/>
-          </a:p>
-        </p:txBody>
-      </p:sp>
-      <p:sp>
-        <p:nvSpPr>
           <p:cNvPr id="4" name="TextBox 3">
             <a:extLst>
               <a:ext uri="{FF2B5EF4-FFF2-40B4-BE49-F238E27FC236}">
@@ -4149,6 +4466,67 @@
           </a:prstGeom>
         </p:spPr>
       </p:pic>
+      <p:sp>
+        <p:nvSpPr>
+          <p:cNvPr id="8" name="제목 1"/>
+          <p:cNvSpPr txBox="1">
+            <a:spLocks/>
+          </p:cNvSpPr>
+          <p:nvPr/>
+        </p:nvSpPr>
+        <p:spPr>
+          <a:xfrm>
+            <a:off x="547253" y="315249"/>
+            <a:ext cx="6019801" cy="1056351"/>
+          </a:xfrm>
+          <a:prstGeom prst="rect">
+            <a:avLst/>
+          </a:prstGeom>
+        </p:spPr>
+        <p:txBody>
+          <a:bodyPr vert="horz" lIns="91440" tIns="45720" rIns="91440" bIns="45720" rtlCol="0" anchor="ctr">
+            <a:normAutofit/>
+          </a:bodyPr>
+          <a:lstStyle>
+            <a:lvl1pPr algn="l" defTabSz="914400" rtl="0" eaLnBrk="1" latinLnBrk="1" hangingPunct="1">
+              <a:lnSpc>
+                <a:spcPct val="90000"/>
+              </a:lnSpc>
+              <a:spcBef>
+                <a:spcPct val="0"/>
+              </a:spcBef>
+              <a:buNone/>
+              <a:defRPr sz="4400" kern="1200">
+                <a:solidFill>
+                  <a:schemeClr val="tx1"/>
+                </a:solidFill>
+                <a:latin typeface="+mj-lt"/>
+                <a:ea typeface="+mj-ea"/>
+                <a:cs typeface="+mj-cs"/>
+              </a:defRPr>
+            </a:lvl1pPr>
+          </a:lstStyle>
+          <a:p>
+            <a:r>
+              <a:rPr lang="en-US" altLang="ko-KR" dirty="0"/>
+              <a:t>Sphinx</a:t>
+            </a:r>
+            <a:r>
+              <a:rPr lang="en-US" altLang="ko-KR" sz="3200" dirty="0"/>
+              <a:t>(</a:t>
+            </a:r>
+            <a:r>
+              <a:rPr lang="ko-KR" altLang="en-US" sz="3200" dirty="0"/>
+              <a:t>스핑크스</a:t>
+            </a:r>
+            <a:r>
+              <a:rPr lang="en-US" altLang="ko-KR" sz="3200" dirty="0"/>
+              <a:t>)</a:t>
+            </a:r>
+            <a:endParaRPr lang="ko-KR" altLang="en-US" sz="3200" dirty="0"/>
+          </a:p>
+        </p:txBody>
+      </p:sp>
     </p:spTree>
     <p:extLst>
       <p:ext uri="{BB962C8B-B14F-4D97-AF65-F5344CB8AC3E}">
@@ -4222,17 +4600,21 @@
           <a:p>
             <a:r>
               <a:rPr lang="en-US" altLang="ko-KR" dirty="0"/>
-              <a:t>Sphinx(</a:t>
-            </a:r>
-            <a:r>
-              <a:rPr lang="ko-KR" altLang="en-US" dirty="0"/>
+              <a:t>Sphinx</a:t>
+            </a:r>
+            <a:r>
+              <a:rPr lang="en-US" altLang="ko-KR" sz="3200" dirty="0"/>
+              <a:t>(</a:t>
+            </a:r>
+            <a:r>
+              <a:rPr lang="ko-KR" altLang="en-US" sz="3200" dirty="0"/>
               <a:t>스핑크스</a:t>
             </a:r>
             <a:r>
-              <a:rPr lang="en-US" altLang="ko-KR" dirty="0"/>
+              <a:rPr lang="en-US" altLang="ko-KR" sz="3200" dirty="0"/>
               <a:t>)</a:t>
             </a:r>
-            <a:endParaRPr lang="ko-KR" altLang="en-US" dirty="0"/>
+            <a:endParaRPr lang="ko-KR" altLang="en-US" sz="3200" dirty="0"/>
           </a:p>
         </p:txBody>
       </p:sp>
@@ -4432,65 +4814,6 @@
           <a:chExt cx="0" cy="0"/>
         </a:xfrm>
       </p:grpSpPr>
-      <p:sp>
-        <p:nvSpPr>
-          <p:cNvPr id="4" name="제목 1">
-            <a:extLst>
-              <a:ext uri="{FF2B5EF4-FFF2-40B4-BE49-F238E27FC236}">
-                <a16:creationId xmlns:a16="http://schemas.microsoft.com/office/drawing/2014/main" id="{C9B91F32-BDAF-4239-BB96-2C3FD0880D57}"/>
-              </a:ext>
-            </a:extLst>
-          </p:cNvPr>
-          <p:cNvSpPr txBox="1">
-            <a:spLocks/>
-          </p:cNvSpPr>
-          <p:nvPr/>
-        </p:nvSpPr>
-        <p:spPr>
-          <a:xfrm>
-            <a:off x="547253" y="315249"/>
-            <a:ext cx="6525900" cy="1056351"/>
-          </a:xfrm>
-          <a:prstGeom prst="rect">
-            <a:avLst/>
-          </a:prstGeom>
-        </p:spPr>
-        <p:txBody>
-          <a:bodyPr vert="horz" lIns="91440" tIns="45720" rIns="91440" bIns="45720" rtlCol="0" anchor="ctr">
-            <a:normAutofit/>
-          </a:bodyPr>
-          <a:lstStyle>
-            <a:lvl1pPr algn="l" defTabSz="914400" rtl="0" eaLnBrk="1" latinLnBrk="1" hangingPunct="1">
-              <a:lnSpc>
-                <a:spcPct val="90000"/>
-              </a:lnSpc>
-              <a:spcBef>
-                <a:spcPct val="0"/>
-              </a:spcBef>
-              <a:buNone/>
-              <a:defRPr sz="4400" kern="1200">
-                <a:solidFill>
-                  <a:schemeClr val="tx1"/>
-                </a:solidFill>
-                <a:latin typeface="+mj-lt"/>
-                <a:ea typeface="+mj-ea"/>
-                <a:cs typeface="+mj-cs"/>
-              </a:defRPr>
-            </a:lvl1pPr>
-          </a:lstStyle>
-          <a:p>
-            <a:r>
-              <a:rPr lang="ko-KR" altLang="en-US" dirty="0" err="1"/>
-              <a:t>어노테이션</a:t>
-            </a:r>
-            <a:r>
-              <a:rPr lang="en-US" altLang="ko-KR" dirty="0"/>
-              <a:t>(annotations)</a:t>
-            </a:r>
-            <a:endParaRPr lang="ko-KR" altLang="en-US" dirty="0"/>
-          </a:p>
-        </p:txBody>
-      </p:sp>
       <p:pic>
         <p:nvPicPr>
           <p:cNvPr id="6" name="그림 5">
@@ -4770,6 +5093,65 @@
               <a:t>으로 문서화</a:t>
             </a:r>
             <a:endParaRPr lang="en-US" altLang="ko-KR" dirty="0"/>
+          </a:p>
+        </p:txBody>
+      </p:sp>
+      <p:sp>
+        <p:nvSpPr>
+          <p:cNvPr id="8" name="제목 1">
+            <a:extLst>
+              <a:ext uri="{FF2B5EF4-FFF2-40B4-BE49-F238E27FC236}">
+                <a16:creationId xmlns:a16="http://schemas.microsoft.com/office/drawing/2014/main" id="{C9B91F32-BDAF-4239-BB96-2C3FD0880D57}"/>
+              </a:ext>
+            </a:extLst>
+          </p:cNvPr>
+          <p:cNvSpPr txBox="1">
+            <a:spLocks/>
+          </p:cNvSpPr>
+          <p:nvPr/>
+        </p:nvSpPr>
+        <p:spPr>
+          <a:xfrm>
+            <a:off x="547253" y="315249"/>
+            <a:ext cx="6525900" cy="1056351"/>
+          </a:xfrm>
+          <a:prstGeom prst="rect">
+            <a:avLst/>
+          </a:prstGeom>
+        </p:spPr>
+        <p:txBody>
+          <a:bodyPr vert="horz" lIns="91440" tIns="45720" rIns="91440" bIns="45720" rtlCol="0" anchor="ctr">
+            <a:normAutofit/>
+          </a:bodyPr>
+          <a:lstStyle>
+            <a:lvl1pPr algn="l" defTabSz="914400" rtl="0" eaLnBrk="1" latinLnBrk="1" hangingPunct="1">
+              <a:lnSpc>
+                <a:spcPct val="90000"/>
+              </a:lnSpc>
+              <a:spcBef>
+                <a:spcPct val="0"/>
+              </a:spcBef>
+              <a:buNone/>
+              <a:defRPr sz="4400" kern="1200">
+                <a:solidFill>
+                  <a:schemeClr val="tx1"/>
+                </a:solidFill>
+                <a:latin typeface="+mj-lt"/>
+                <a:ea typeface="+mj-ea"/>
+                <a:cs typeface="+mj-cs"/>
+              </a:defRPr>
+            </a:lvl1pPr>
+          </a:lstStyle>
+          <a:p>
+            <a:r>
+              <a:rPr lang="ko-KR" altLang="en-US" dirty="0" err="1"/>
+              <a:t>어노테이션</a:t>
+            </a:r>
+            <a:r>
+              <a:rPr lang="en-US" altLang="ko-KR" sz="3200" dirty="0"/>
+              <a:t>(annotations)</a:t>
+            </a:r>
+            <a:endParaRPr lang="ko-KR" altLang="en-US" sz="3200" dirty="0"/>
           </a:p>
         </p:txBody>
       </p:sp>
@@ -4855,10 +5237,10 @@
               <a:t>어노테이션</a:t>
             </a:r>
             <a:r>
-              <a:rPr lang="en-US" altLang="ko-KR" dirty="0"/>
+              <a:rPr lang="en-US" altLang="ko-KR" sz="3200" dirty="0"/>
               <a:t>(annotations)</a:t>
             </a:r>
-            <a:endParaRPr lang="ko-KR" altLang="en-US" dirty="0"/>
+            <a:endParaRPr lang="ko-KR" altLang="en-US" sz="3200" dirty="0"/>
           </a:p>
         </p:txBody>
       </p:sp>

--- a/chapter_1_소개, 코드 포매팅과 도구/1장_소개자료.pptx
+++ b/chapter_1_소개, 코드 포매팅과 도구/1장_소개자료.pptx
@@ -16,6 +16,7 @@
     <p:sldId id="264" r:id="rId10"/>
     <p:sldId id="266" r:id="rId11"/>
     <p:sldId id="265" r:id="rId12"/>
+    <p:sldId id="267" r:id="rId13"/>
   </p:sldIdLst>
   <p:sldSz cx="12192000" cy="6858000"/>
   <p:notesSz cx="6858000" cy="9144000"/>
@@ -133,6 +134,7 @@
             <p14:sldId id="264"/>
             <p14:sldId id="266"/>
             <p14:sldId id="265"/>
+            <p14:sldId id="267"/>
           </p14:sldIdLst>
         </p14:section>
       </p14:sectionLst>
@@ -3034,7 +3036,7 @@
         <p:spPr>
           <a:xfrm>
             <a:off x="3320934" y="4308620"/>
-            <a:ext cx="5550131" cy="828646"/>
+            <a:ext cx="5550131" cy="595889"/>
           </a:xfrm>
         </p:spPr>
         <p:txBody>
@@ -3336,8 +3338,8 @@
         </p:nvSpPr>
         <p:spPr>
           <a:xfrm>
-            <a:off x="741734" y="2259875"/>
-            <a:ext cx="3068469" cy="369332"/>
+            <a:off x="741734" y="2366752"/>
+            <a:ext cx="7702750" cy="369332"/>
           </a:xfrm>
           <a:prstGeom prst="rect">
             <a:avLst/>
@@ -3356,7 +3358,23 @@
             </a:r>
             <a:r>
               <a:rPr lang="ko-KR" altLang="en-US" smtClean="0"/>
-              <a:t>정적 타입 검사 도구</a:t>
+              <a:t>정적 타입 검사 </a:t>
+            </a:r>
+            <a:r>
+              <a:rPr lang="ko-KR" altLang="en-US" smtClean="0"/>
+              <a:t>도구</a:t>
+            </a:r>
+            <a:r>
+              <a:rPr lang="en-US" altLang="ko-KR" smtClean="0"/>
+              <a:t>(</a:t>
+            </a:r>
+            <a:r>
+              <a:rPr lang="ko-KR" altLang="en-US" smtClean="0"/>
+              <a:t>모든 파일을 분석하여 타입 불일치를 검사</a:t>
+            </a:r>
+            <a:r>
+              <a:rPr lang="en-US" altLang="ko-KR" smtClean="0"/>
+              <a:t>)</a:t>
             </a:r>
             <a:endParaRPr lang="ko-KR" altLang="en-US"/>
           </a:p>
@@ -3370,7 +3388,7 @@
         </p:nvSpPr>
         <p:spPr>
           <a:xfrm>
-            <a:off x="741734" y="2994967"/>
+            <a:off x="741734" y="3101844"/>
             <a:ext cx="7293984" cy="369332"/>
           </a:xfrm>
           <a:prstGeom prst="rect">
@@ -3416,7 +3434,7 @@
         </p:nvSpPr>
         <p:spPr>
           <a:xfrm>
-            <a:off x="741734" y="3730059"/>
+            <a:off x="741734" y="3836936"/>
             <a:ext cx="9560502" cy="369332"/>
           </a:xfrm>
           <a:prstGeom prst="rect">
@@ -3474,8 +3492,8 @@
         </p:nvSpPr>
         <p:spPr>
           <a:xfrm>
-            <a:off x="741734" y="4465151"/>
-            <a:ext cx="4413388" cy="369332"/>
+            <a:off x="741734" y="4572028"/>
+            <a:ext cx="10419840" cy="369332"/>
           </a:xfrm>
           <a:prstGeom prst="rect">
             <a:avLst/>
@@ -3494,11 +3512,35 @@
             </a:r>
             <a:r>
               <a:rPr lang="ko-KR" altLang="en-US" smtClean="0"/>
-              <a:t>자동으로 코드를 포매팅하는 도</a:t>
+              <a:t>자동으로 코드를 포매팅하는 </a:t>
             </a:r>
             <a:r>
               <a:rPr lang="ko-KR" altLang="en-US" smtClean="0"/>
-              <a:t>구</a:t>
+              <a:t>도구</a:t>
+            </a:r>
+            <a:r>
+              <a:rPr lang="en-US" altLang="ko-KR" smtClean="0"/>
+              <a:t>(ex) </a:t>
+            </a:r>
+            <a:r>
+              <a:rPr lang="ko-KR" altLang="en-US" smtClean="0"/>
+              <a:t>문자열에는 항상 쌍따옴표사용</a:t>
+            </a:r>
+            <a:r>
+              <a:rPr lang="en-US" altLang="ko-KR" smtClean="0"/>
+              <a:t>) </a:t>
+            </a:r>
+            <a:r>
+              <a:rPr lang="en-US" altLang="ko-KR" smtClean="0">
+                <a:sym typeface="Wingdings" panose="05000000000000000000" pitchFamily="2" charset="2"/>
+              </a:rPr>
+              <a:t> </a:t>
+            </a:r>
+            <a:r>
+              <a:rPr lang="ko-KR" altLang="en-US" smtClean="0">
+                <a:sym typeface="Wingdings" panose="05000000000000000000" pitchFamily="2" charset="2"/>
+              </a:rPr>
+              <a:t>코드의 차이 최소화</a:t>
             </a:r>
             <a:endParaRPr lang="ko-KR" altLang="en-US"/>
           </a:p>
@@ -3514,6 +3556,293 @@
   <p:clrMapOvr>
     <a:masterClrMapping/>
   </p:clrMapOvr>
+  <p:timing>
+    <p:tnLst>
+      <p:par>
+        <p:cTn id="1" dur="indefinite" restart="never" nodeType="tmRoot"/>
+      </p:par>
+    </p:tnLst>
+  </p:timing>
+</p:sld>
+</file>
+
+<file path=ppt/slides/slide12.xml><?xml version="1.0" encoding="utf-8"?>
+<p:sld xmlns:a="http://schemas.openxmlformats.org/drawingml/2006/main" xmlns:r="http://schemas.openxmlformats.org/officeDocument/2006/relationships" xmlns:p="http://schemas.openxmlformats.org/presentationml/2006/main">
+  <p:cSld>
+    <p:spTree>
+      <p:nvGrpSpPr>
+        <p:cNvPr id="1" name=""/>
+        <p:cNvGrpSpPr/>
+        <p:nvPr/>
+      </p:nvGrpSpPr>
+      <p:grpSpPr>
+        <a:xfrm>
+          <a:off x="0" y="0"/>
+          <a:ext cx="0" cy="0"/>
+          <a:chOff x="0" y="0"/>
+          <a:chExt cx="0" cy="0"/>
+        </a:xfrm>
+      </p:grpSpPr>
+      <p:sp>
+        <p:nvSpPr>
+          <p:cNvPr id="4" name="제목 1">
+            <a:extLst>
+              <a:ext uri="{FF2B5EF4-FFF2-40B4-BE49-F238E27FC236}">
+                <a16:creationId xmlns:a16="http://schemas.microsoft.com/office/drawing/2014/main" id="{C9B91F32-BDAF-4239-BB96-2C3FD0880D57}"/>
+              </a:ext>
+            </a:extLst>
+          </p:cNvPr>
+          <p:cNvSpPr txBox="1">
+            <a:spLocks/>
+          </p:cNvSpPr>
+          <p:nvPr/>
+        </p:nvSpPr>
+        <p:spPr>
+          <a:xfrm>
+            <a:off x="547253" y="315249"/>
+            <a:ext cx="6525900" cy="1056351"/>
+          </a:xfrm>
+          <a:prstGeom prst="rect">
+            <a:avLst/>
+          </a:prstGeom>
+        </p:spPr>
+        <p:txBody>
+          <a:bodyPr vert="horz" lIns="91440" tIns="45720" rIns="91440" bIns="45720" rtlCol="0" anchor="ctr">
+            <a:normAutofit/>
+          </a:bodyPr>
+          <a:lstStyle>
+            <a:lvl1pPr algn="l" defTabSz="914400" rtl="0" eaLnBrk="1" latinLnBrk="1" hangingPunct="1">
+              <a:lnSpc>
+                <a:spcPct val="90000"/>
+              </a:lnSpc>
+              <a:spcBef>
+                <a:spcPct val="0"/>
+              </a:spcBef>
+              <a:buNone/>
+              <a:defRPr sz="4400" kern="1200">
+                <a:solidFill>
+                  <a:schemeClr val="tx1"/>
+                </a:solidFill>
+                <a:latin typeface="+mj-lt"/>
+                <a:ea typeface="+mj-ea"/>
+                <a:cs typeface="+mj-cs"/>
+              </a:defRPr>
+            </a:lvl1pPr>
+          </a:lstStyle>
+          <a:p>
+            <a:r>
+              <a:rPr lang="en-US" altLang="ko-KR" smtClean="0"/>
+              <a:t>Black</a:t>
+            </a:r>
+            <a:endParaRPr lang="ko-KR" altLang="en-US" dirty="0"/>
+          </a:p>
+        </p:txBody>
+      </p:sp>
+      <p:sp>
+        <p:nvSpPr>
+          <p:cNvPr id="5" name="TextBox 4"/>
+          <p:cNvSpPr txBox="1"/>
+          <p:nvPr/>
+        </p:nvSpPr>
+        <p:spPr>
+          <a:xfrm>
+            <a:off x="772884" y="1186934"/>
+            <a:ext cx="3251211" cy="369332"/>
+          </a:xfrm>
+          <a:prstGeom prst="rect">
+            <a:avLst/>
+          </a:prstGeom>
+          <a:noFill/>
+        </p:spPr>
+        <p:txBody>
+          <a:bodyPr wrap="none" rtlCol="0">
+            <a:spAutoFit/>
+          </a:bodyPr>
+          <a:lstStyle/>
+          <a:p>
+            <a:r>
+              <a:rPr lang="en-US" altLang="ko-KR" smtClean="0"/>
+              <a:t>: </a:t>
+            </a:r>
+            <a:r>
+              <a:rPr lang="ko-KR" altLang="en-US" smtClean="0"/>
+              <a:t>자동으로 포매팅해주는 도구</a:t>
+            </a:r>
+            <a:endParaRPr lang="ko-KR" altLang="en-US"/>
+          </a:p>
+        </p:txBody>
+      </p:sp>
+      <p:pic>
+        <p:nvPicPr>
+          <p:cNvPr id="11" name="그림 10"/>
+          <p:cNvPicPr>
+            <a:picLocks noChangeAspect="1"/>
+          </p:cNvPicPr>
+          <p:nvPr/>
+        </p:nvPicPr>
+        <p:blipFill>
+          <a:blip r:embed="rId2"/>
+          <a:stretch>
+            <a:fillRect/>
+          </a:stretch>
+        </p:blipFill>
+        <p:spPr>
+          <a:xfrm>
+            <a:off x="4651663" y="2427951"/>
+            <a:ext cx="3015947" cy="837763"/>
+          </a:xfrm>
+          <a:prstGeom prst="rect">
+            <a:avLst/>
+          </a:prstGeom>
+        </p:spPr>
+      </p:pic>
+      <p:pic>
+        <p:nvPicPr>
+          <p:cNvPr id="12" name="그림 11"/>
+          <p:cNvPicPr>
+            <a:picLocks noChangeAspect="1"/>
+          </p:cNvPicPr>
+          <p:nvPr/>
+        </p:nvPicPr>
+        <p:blipFill>
+          <a:blip r:embed="rId3"/>
+          <a:stretch>
+            <a:fillRect/>
+          </a:stretch>
+        </p:blipFill>
+        <p:spPr>
+          <a:xfrm>
+            <a:off x="7911797" y="2427950"/>
+            <a:ext cx="3892276" cy="2881251"/>
+          </a:xfrm>
+          <a:prstGeom prst="rect">
+            <a:avLst/>
+          </a:prstGeom>
+        </p:spPr>
+      </p:pic>
+      <p:pic>
+        <p:nvPicPr>
+          <p:cNvPr id="13" name="그림 12"/>
+          <p:cNvPicPr>
+            <a:picLocks noChangeAspect="1"/>
+          </p:cNvPicPr>
+          <p:nvPr/>
+        </p:nvPicPr>
+        <p:blipFill>
+          <a:blip r:embed="rId4"/>
+          <a:stretch>
+            <a:fillRect/>
+          </a:stretch>
+        </p:blipFill>
+        <p:spPr>
+          <a:xfrm>
+            <a:off x="547253" y="2427949"/>
+            <a:ext cx="3860223" cy="2881251"/>
+          </a:xfrm>
+          <a:prstGeom prst="rect">
+            <a:avLst/>
+          </a:prstGeom>
+        </p:spPr>
+      </p:pic>
+      <p:sp>
+        <p:nvSpPr>
+          <p:cNvPr id="14" name="오른쪽 화살표 13"/>
+          <p:cNvSpPr/>
+          <p:nvPr/>
+        </p:nvSpPr>
+        <p:spPr>
+          <a:xfrm>
+            <a:off x="5084919" y="3868574"/>
+            <a:ext cx="2149434" cy="1163782"/>
+          </a:xfrm>
+          <a:prstGeom prst="rightArrow">
+            <a:avLst/>
+          </a:prstGeom>
+        </p:spPr>
+        <p:style>
+          <a:lnRef idx="2">
+            <a:schemeClr val="accent1">
+              <a:shade val="50000"/>
+            </a:schemeClr>
+          </a:lnRef>
+          <a:fillRef idx="1">
+            <a:schemeClr val="accent1"/>
+          </a:fillRef>
+          <a:effectRef idx="0">
+            <a:schemeClr val="accent1"/>
+          </a:effectRef>
+          <a:fontRef idx="minor">
+            <a:schemeClr val="lt1"/>
+          </a:fontRef>
+        </p:style>
+        <p:txBody>
+          <a:bodyPr rtlCol="0" anchor="ctr"/>
+          <a:lstStyle/>
+          <a:p>
+            <a:pPr algn="ctr"/>
+            <a:endParaRPr lang="ko-KR" altLang="en-US"/>
+          </a:p>
+        </p:txBody>
+      </p:sp>
+      <p:sp>
+        <p:nvSpPr>
+          <p:cNvPr id="15" name="TextBox 14"/>
+          <p:cNvSpPr txBox="1"/>
+          <p:nvPr/>
+        </p:nvSpPr>
+        <p:spPr>
+          <a:xfrm>
+            <a:off x="438126" y="5727394"/>
+            <a:ext cx="6744154" cy="369332"/>
+          </a:xfrm>
+          <a:prstGeom prst="rect">
+            <a:avLst/>
+          </a:prstGeom>
+          <a:noFill/>
+        </p:spPr>
+        <p:txBody>
+          <a:bodyPr wrap="none" rtlCol="0">
+            <a:spAutoFit/>
+          </a:bodyPr>
+          <a:lstStyle/>
+          <a:p>
+            <a:r>
+              <a:rPr lang="en-US" altLang="ko-KR" smtClean="0"/>
+              <a:t>PEP-8</a:t>
+            </a:r>
+            <a:r>
+              <a:rPr lang="ko-KR" altLang="en-US" smtClean="0"/>
+              <a:t>에 의하면 올바른 코드지만 </a:t>
+            </a:r>
+            <a:r>
+              <a:rPr lang="en-US" altLang="ko-KR" smtClean="0"/>
+              <a:t>Black</a:t>
+            </a:r>
+            <a:r>
+              <a:rPr lang="ko-KR" altLang="en-US" smtClean="0"/>
+              <a:t>의 컨벤션을 따르지 않음</a:t>
+            </a:r>
+            <a:endParaRPr lang="ko-KR" altLang="en-US"/>
+          </a:p>
+        </p:txBody>
+      </p:sp>
+    </p:spTree>
+    <p:extLst>
+      <p:ext uri="{BB962C8B-B14F-4D97-AF65-F5344CB8AC3E}">
+        <p14:creationId xmlns:p14="http://schemas.microsoft.com/office/powerpoint/2010/main" val="1957595560"/>
+      </p:ext>
+    </p:extLst>
+  </p:cSld>
+  <p:clrMapOvr>
+    <a:masterClrMapping/>
+  </p:clrMapOvr>
+  <p:timing>
+    <p:tnLst>
+      <p:par>
+        <p:cTn id="1" dur="indefinite" restart="never" nodeType="tmRoot"/>
+      </p:par>
+    </p:tnLst>
+  </p:timing>
 </p:sld>
 </file>
 

--- a/chapter_1_소개, 코드 포매팅과 도구/1장_소개자료.pptx
+++ b/chapter_1_소개, 코드 포매팅과 도구/1장_소개자료.pptx
@@ -3358,11 +3358,7 @@
             </a:r>
             <a:r>
               <a:rPr lang="ko-KR" altLang="en-US" smtClean="0"/>
-              <a:t>정적 타입 검사 </a:t>
-            </a:r>
-            <a:r>
-              <a:rPr lang="ko-KR" altLang="en-US" smtClean="0"/>
-              <a:t>도구</a:t>
+              <a:t>정적 타입 검사 도구</a:t>
             </a:r>
             <a:r>
               <a:rPr lang="en-US" altLang="ko-KR" smtClean="0"/>
@@ -3493,7 +3489,7 @@
         <p:spPr>
           <a:xfrm>
             <a:off x="741734" y="4572028"/>
-            <a:ext cx="10419840" cy="369332"/>
+            <a:ext cx="10971273" cy="369332"/>
           </a:xfrm>
           <a:prstGeom prst="rect">
             <a:avLst/>
@@ -3511,16 +3507,20 @@
               <a:t>Black : </a:t>
             </a:r>
             <a:r>
+              <a:rPr lang="en-US" altLang="ko-KR" smtClean="0"/>
+              <a:t>Black </a:t>
+            </a:r>
+            <a:r>
               <a:rPr lang="ko-KR" altLang="en-US" smtClean="0"/>
-              <a:t>자동으로 코드를 포매팅하는 </a:t>
-            </a:r>
-            <a:r>
-              <a:rPr lang="ko-KR" altLang="en-US" smtClean="0"/>
-              <a:t>도구</a:t>
+              <a:t>고유 방식으로 자동 포매팅 도구 </a:t>
             </a:r>
             <a:r>
               <a:rPr lang="en-US" altLang="ko-KR" smtClean="0"/>
-              <a:t>(ex) </a:t>
+              <a:t>(ex</a:t>
+            </a:r>
+            <a:r>
+              <a:rPr lang="en-US" altLang="ko-KR" smtClean="0"/>
+              <a:t>) </a:t>
             </a:r>
             <a:r>
               <a:rPr lang="ko-KR" altLang="en-US" smtClean="0"/>

--- a/chapter_1_소개, 코드 포매팅과 도구/1장_소개자료.pptx
+++ b/chapter_1_소개, 코드 포매팅과 도구/1장_소개자료.pptx
@@ -3504,11 +3504,7 @@
           <a:p>
             <a:r>
               <a:rPr lang="en-US" altLang="ko-KR" smtClean="0"/>
-              <a:t>Black : </a:t>
-            </a:r>
-            <a:r>
-              <a:rPr lang="en-US" altLang="ko-KR" smtClean="0"/>
-              <a:t>Black </a:t>
+              <a:t>Black : Black </a:t>
             </a:r>
             <a:r>
               <a:rPr lang="ko-KR" altLang="en-US" smtClean="0"/>
@@ -3516,11 +3512,7 @@
             </a:r>
             <a:r>
               <a:rPr lang="en-US" altLang="ko-KR" smtClean="0"/>
-              <a:t>(ex</a:t>
-            </a:r>
-            <a:r>
-              <a:rPr lang="en-US" altLang="ko-KR" smtClean="0"/>
-              <a:t>) </a:t>
+              <a:t>(ex) </a:t>
             </a:r>
             <a:r>
               <a:rPr lang="ko-KR" altLang="en-US" smtClean="0"/>
@@ -4684,8 +4676,17 @@
             </a:r>
             <a:r>
               <a:rPr lang="ko-KR" altLang="en-US" dirty="0"/>
-              <a:t>프로젝트 문서화를 위한 기본 골격을 만들어주는 모듈</a:t>
-            </a:r>
+              <a:t>프로젝트 문서화를 위한 기본 </a:t>
+            </a:r>
+            <a:r>
+              <a:rPr lang="ko-KR" altLang="en-US"/>
+              <a:t>골격을 </a:t>
+            </a:r>
+            <a:r>
+              <a:rPr lang="ko-KR" altLang="en-US" smtClean="0"/>
+              <a:t>만들어주는 모듈</a:t>
+            </a:r>
+            <a:endParaRPr lang="ko-KR" altLang="en-US" dirty="0"/>
           </a:p>
         </p:txBody>
       </p:sp>

--- a/chapter_1_소개, 코드 포매팅과 도구/1장_소개자료.pptx
+++ b/chapter_1_소개, 코드 포매팅과 도구/1장_소개자료.pptx
@@ -275,7 +275,7 @@
           <a:p>
             <a:fld id="{135BA1F9-2E68-4163-81E3-BD27D4A2D212}" type="datetimeFigureOut">
               <a:rPr lang="ko-KR" altLang="en-US" smtClean="0"/>
-              <a:t>2019-05-06</a:t>
+              <a:t>2019-05-07</a:t>
             </a:fld>
             <a:endParaRPr lang="ko-KR" altLang="en-US"/>
           </a:p>
@@ -443,7 +443,7 @@
           <a:p>
             <a:fld id="{135BA1F9-2E68-4163-81E3-BD27D4A2D212}" type="datetimeFigureOut">
               <a:rPr lang="ko-KR" altLang="en-US" smtClean="0"/>
-              <a:t>2019-05-06</a:t>
+              <a:t>2019-05-07</a:t>
             </a:fld>
             <a:endParaRPr lang="ko-KR" altLang="en-US"/>
           </a:p>
@@ -621,7 +621,7 @@
           <a:p>
             <a:fld id="{135BA1F9-2E68-4163-81E3-BD27D4A2D212}" type="datetimeFigureOut">
               <a:rPr lang="ko-KR" altLang="en-US" smtClean="0"/>
-              <a:t>2019-05-06</a:t>
+              <a:t>2019-05-07</a:t>
             </a:fld>
             <a:endParaRPr lang="ko-KR" altLang="en-US"/>
           </a:p>
@@ -789,7 +789,7 @@
           <a:p>
             <a:fld id="{135BA1F9-2E68-4163-81E3-BD27D4A2D212}" type="datetimeFigureOut">
               <a:rPr lang="ko-KR" altLang="en-US" smtClean="0"/>
-              <a:t>2019-05-06</a:t>
+              <a:t>2019-05-07</a:t>
             </a:fld>
             <a:endParaRPr lang="ko-KR" altLang="en-US"/>
           </a:p>
@@ -1034,7 +1034,7 @@
           <a:p>
             <a:fld id="{135BA1F9-2E68-4163-81E3-BD27D4A2D212}" type="datetimeFigureOut">
               <a:rPr lang="ko-KR" altLang="en-US" smtClean="0"/>
-              <a:t>2019-05-06</a:t>
+              <a:t>2019-05-07</a:t>
             </a:fld>
             <a:endParaRPr lang="ko-KR" altLang="en-US"/>
           </a:p>
@@ -1263,7 +1263,7 @@
           <a:p>
             <a:fld id="{135BA1F9-2E68-4163-81E3-BD27D4A2D212}" type="datetimeFigureOut">
               <a:rPr lang="ko-KR" altLang="en-US" smtClean="0"/>
-              <a:t>2019-05-06</a:t>
+              <a:t>2019-05-07</a:t>
             </a:fld>
             <a:endParaRPr lang="ko-KR" altLang="en-US"/>
           </a:p>
@@ -1627,7 +1627,7 @@
           <a:p>
             <a:fld id="{135BA1F9-2E68-4163-81E3-BD27D4A2D212}" type="datetimeFigureOut">
               <a:rPr lang="ko-KR" altLang="en-US" smtClean="0"/>
-              <a:t>2019-05-06</a:t>
+              <a:t>2019-05-07</a:t>
             </a:fld>
             <a:endParaRPr lang="ko-KR" altLang="en-US"/>
           </a:p>
@@ -1744,7 +1744,7 @@
           <a:p>
             <a:fld id="{135BA1F9-2E68-4163-81E3-BD27D4A2D212}" type="datetimeFigureOut">
               <a:rPr lang="ko-KR" altLang="en-US" smtClean="0"/>
-              <a:t>2019-05-06</a:t>
+              <a:t>2019-05-07</a:t>
             </a:fld>
             <a:endParaRPr lang="ko-KR" altLang="en-US"/>
           </a:p>
@@ -1839,7 +1839,7 @@
           <a:p>
             <a:fld id="{135BA1F9-2E68-4163-81E3-BD27D4A2D212}" type="datetimeFigureOut">
               <a:rPr lang="ko-KR" altLang="en-US" smtClean="0"/>
-              <a:t>2019-05-06</a:t>
+              <a:t>2019-05-07</a:t>
             </a:fld>
             <a:endParaRPr lang="ko-KR" altLang="en-US"/>
           </a:p>
@@ -2114,7 +2114,7 @@
           <a:p>
             <a:fld id="{135BA1F9-2E68-4163-81E3-BD27D4A2D212}" type="datetimeFigureOut">
               <a:rPr lang="ko-KR" altLang="en-US" smtClean="0"/>
-              <a:t>2019-05-06</a:t>
+              <a:t>2019-05-07</a:t>
             </a:fld>
             <a:endParaRPr lang="ko-KR" altLang="en-US"/>
           </a:p>
@@ -2366,7 +2366,7 @@
           <a:p>
             <a:fld id="{135BA1F9-2E68-4163-81E3-BD27D4A2D212}" type="datetimeFigureOut">
               <a:rPr lang="ko-KR" altLang="en-US" smtClean="0"/>
-              <a:t>2019-05-06</a:t>
+              <a:t>2019-05-07</a:t>
             </a:fld>
             <a:endParaRPr lang="ko-KR" altLang="en-US"/>
           </a:p>
@@ -2577,7 +2577,7 @@
           <a:p>
             <a:fld id="{135BA1F9-2E68-4163-81E3-BD27D4A2D212}" type="datetimeFigureOut">
               <a:rPr lang="ko-KR" altLang="en-US" smtClean="0"/>
-              <a:t>2019-05-06</a:t>
+              <a:t>2019-05-07</a:t>
             </a:fld>
             <a:endParaRPr lang="ko-KR" altLang="en-US"/>
           </a:p>
@@ -3962,14 +3962,26 @@
               </a:lnSpc>
             </a:pPr>
             <a:r>
-              <a:rPr lang="ko-KR" altLang="en-US" sz="2400" dirty="0" err="1"/>
+              <a:rPr lang="ko-KR" altLang="en-US" sz="2400" b="1" dirty="0" err="1">
+                <a:solidFill>
+                  <a:srgbClr val="0000FF"/>
+                </a:solidFill>
+              </a:rPr>
               <a:t>파이썬이</a:t>
             </a:r>
             <a:r>
-              <a:rPr lang="ko-KR" altLang="en-US" sz="2400" dirty="0"/>
+              <a:rPr lang="ko-KR" altLang="en-US" sz="2400" b="1" dirty="0">
+                <a:solidFill>
+                  <a:srgbClr val="0000FF"/>
+                </a:solidFill>
+              </a:rPr>
               <a:t> 제공하는 기능을 사용하여 자체 문서화된 코드를 작성하는 방법</a:t>
             </a:r>
-            <a:endParaRPr lang="en-US" altLang="ko-KR" sz="2400" dirty="0"/>
+            <a:endParaRPr lang="en-US" altLang="ko-KR" sz="2400" b="1" dirty="0">
+              <a:solidFill>
+                <a:srgbClr val="0000FF"/>
+              </a:solidFill>
+            </a:endParaRPr>
           </a:p>
           <a:p>
             <a:pPr>
@@ -3978,10 +3990,18 @@
               </a:lnSpc>
             </a:pPr>
             <a:r>
-              <a:rPr lang="ko-KR" altLang="en-US" sz="2400" dirty="0"/>
+              <a:rPr lang="ko-KR" altLang="en-US" sz="2400" b="1" dirty="0">
+                <a:solidFill>
+                  <a:srgbClr val="0000FF"/>
+                </a:solidFill>
+              </a:rPr>
               <a:t>코드의 레이아웃을 일정하게 유지하여 팀 멤버들이 문제의 본질을 해결하는데 초점을 맞출 수 있도록 도구를 설정하는 방법</a:t>
             </a:r>
-            <a:endParaRPr lang="en-US" altLang="ko-KR" sz="2400" dirty="0"/>
+            <a:endParaRPr lang="en-US" altLang="ko-KR" sz="2400" b="1" dirty="0">
+              <a:solidFill>
+                <a:srgbClr val="0000FF"/>
+              </a:solidFill>
+            </a:endParaRPr>
           </a:p>
           <a:p>
             <a:endParaRPr lang="ko-KR" altLang="en-US" dirty="0"/>

--- a/chapter_1_소개, 코드 포매팅과 도구/1장_소개자료.pptx
+++ b/chapter_1_소개, 코드 포매팅과 도구/1장_소개자료.pptx
@@ -4,6 +4,9 @@
   <p:sldMasterIdLst>
     <p:sldMasterId id="2147483648" r:id="rId1"/>
   </p:sldMasterIdLst>
+  <p:notesMasterIdLst>
+    <p:notesMasterId r:id="rId14"/>
+  </p:notesMasterIdLst>
   <p:sldIdLst>
     <p:sldId id="256" r:id="rId2"/>
     <p:sldId id="257" r:id="rId3"/>
@@ -146,6 +149,486 @@
 </p:presentation>
 </file>
 
+<file path=ppt/notesMasters/notesMaster1.xml><?xml version="1.0" encoding="utf-8"?>
+<p:notesMaster xmlns:a="http://schemas.openxmlformats.org/drawingml/2006/main" xmlns:r="http://schemas.openxmlformats.org/officeDocument/2006/relationships" xmlns:p="http://schemas.openxmlformats.org/presentationml/2006/main">
+  <p:cSld>
+    <p:bg>
+      <p:bgRef idx="1001">
+        <a:schemeClr val="bg1"/>
+      </p:bgRef>
+    </p:bg>
+    <p:spTree>
+      <p:nvGrpSpPr>
+        <p:cNvPr id="1" name=""/>
+        <p:cNvGrpSpPr/>
+        <p:nvPr/>
+      </p:nvGrpSpPr>
+      <p:grpSpPr>
+        <a:xfrm>
+          <a:off x="0" y="0"/>
+          <a:ext cx="0" cy="0"/>
+          <a:chOff x="0" y="0"/>
+          <a:chExt cx="0" cy="0"/>
+        </a:xfrm>
+      </p:grpSpPr>
+      <p:sp>
+        <p:nvSpPr>
+          <p:cNvPr id="2" name="머리글 개체 틀 1"/>
+          <p:cNvSpPr>
+            <a:spLocks noGrp="1"/>
+          </p:cNvSpPr>
+          <p:nvPr>
+            <p:ph type="hdr" sz="quarter"/>
+          </p:nvPr>
+        </p:nvSpPr>
+        <p:spPr>
+          <a:xfrm>
+            <a:off x="0" y="0"/>
+            <a:ext cx="2971800" cy="458788"/>
+          </a:xfrm>
+          <a:prstGeom prst="rect">
+            <a:avLst/>
+          </a:prstGeom>
+        </p:spPr>
+        <p:txBody>
+          <a:bodyPr vert="horz" lIns="91440" tIns="45720" rIns="91440" bIns="45720" rtlCol="0"/>
+          <a:lstStyle>
+            <a:lvl1pPr algn="l">
+              <a:defRPr sz="1200"/>
+            </a:lvl1pPr>
+          </a:lstStyle>
+          <a:p>
+            <a:endParaRPr lang="ko-KR" altLang="en-US"/>
+          </a:p>
+        </p:txBody>
+      </p:sp>
+      <p:sp>
+        <p:nvSpPr>
+          <p:cNvPr id="3" name="날짜 개체 틀 2"/>
+          <p:cNvSpPr>
+            <a:spLocks noGrp="1"/>
+          </p:cNvSpPr>
+          <p:nvPr>
+            <p:ph type="dt" idx="1"/>
+          </p:nvPr>
+        </p:nvSpPr>
+        <p:spPr>
+          <a:xfrm>
+            <a:off x="3884613" y="0"/>
+            <a:ext cx="2971800" cy="458788"/>
+          </a:xfrm>
+          <a:prstGeom prst="rect">
+            <a:avLst/>
+          </a:prstGeom>
+        </p:spPr>
+        <p:txBody>
+          <a:bodyPr vert="horz" lIns="91440" tIns="45720" rIns="91440" bIns="45720" rtlCol="0"/>
+          <a:lstStyle>
+            <a:lvl1pPr algn="r">
+              <a:defRPr sz="1200"/>
+            </a:lvl1pPr>
+          </a:lstStyle>
+          <a:p>
+            <a:fld id="{6DCD0412-6FF1-4543-9B60-EF8EAC85B376}" type="datetimeFigureOut">
+              <a:rPr lang="ko-KR" altLang="en-US" smtClean="0"/>
+              <a:t>2019-05-22</a:t>
+            </a:fld>
+            <a:endParaRPr lang="ko-KR" altLang="en-US"/>
+          </a:p>
+        </p:txBody>
+      </p:sp>
+      <p:sp>
+        <p:nvSpPr>
+          <p:cNvPr id="4" name="슬라이드 이미지 개체 틀 3"/>
+          <p:cNvSpPr>
+            <a:spLocks noGrp="1" noRot="1" noChangeAspect="1"/>
+          </p:cNvSpPr>
+          <p:nvPr>
+            <p:ph type="sldImg" idx="2"/>
+          </p:nvPr>
+        </p:nvSpPr>
+        <p:spPr>
+          <a:xfrm>
+            <a:off x="685800" y="1143000"/>
+            <a:ext cx="5486400" cy="3086100"/>
+          </a:xfrm>
+          <a:prstGeom prst="rect">
+            <a:avLst/>
+          </a:prstGeom>
+          <a:noFill/>
+          <a:ln w="12700">
+            <a:solidFill>
+              <a:prstClr val="black"/>
+            </a:solidFill>
+          </a:ln>
+        </p:spPr>
+        <p:txBody>
+          <a:bodyPr vert="horz" lIns="91440" tIns="45720" rIns="91440" bIns="45720" rtlCol="0" anchor="ctr"/>
+          <a:lstStyle/>
+          <a:p>
+            <a:endParaRPr lang="ko-KR" altLang="en-US"/>
+          </a:p>
+        </p:txBody>
+      </p:sp>
+      <p:sp>
+        <p:nvSpPr>
+          <p:cNvPr id="5" name="슬라이드 노트 개체 틀 4"/>
+          <p:cNvSpPr>
+            <a:spLocks noGrp="1"/>
+          </p:cNvSpPr>
+          <p:nvPr>
+            <p:ph type="body" sz="quarter" idx="3"/>
+          </p:nvPr>
+        </p:nvSpPr>
+        <p:spPr>
+          <a:xfrm>
+            <a:off x="685800" y="4400550"/>
+            <a:ext cx="5486400" cy="3600450"/>
+          </a:xfrm>
+          <a:prstGeom prst="rect">
+            <a:avLst/>
+          </a:prstGeom>
+        </p:spPr>
+        <p:txBody>
+          <a:bodyPr vert="horz" lIns="91440" tIns="45720" rIns="91440" bIns="45720" rtlCol="0"/>
+          <a:lstStyle/>
+          <a:p>
+            <a:pPr lvl="0"/>
+            <a:r>
+              <a:rPr lang="ko-KR" altLang="en-US"/>
+              <a:t>마스터 텍스트 스타일을 편집하려면 클릭</a:t>
+            </a:r>
+          </a:p>
+          <a:p>
+            <a:pPr lvl="1"/>
+            <a:r>
+              <a:rPr lang="ko-KR" altLang="en-US"/>
+              <a:t>두 번째 수준</a:t>
+            </a:r>
+          </a:p>
+          <a:p>
+            <a:pPr lvl="2"/>
+            <a:r>
+              <a:rPr lang="ko-KR" altLang="en-US"/>
+              <a:t>세 번째 수준</a:t>
+            </a:r>
+          </a:p>
+          <a:p>
+            <a:pPr lvl="3"/>
+            <a:r>
+              <a:rPr lang="ko-KR" altLang="en-US"/>
+              <a:t>네 번째 수준</a:t>
+            </a:r>
+          </a:p>
+          <a:p>
+            <a:pPr lvl="4"/>
+            <a:r>
+              <a:rPr lang="ko-KR" altLang="en-US"/>
+              <a:t>다섯 번째 수준</a:t>
+            </a:r>
+          </a:p>
+        </p:txBody>
+      </p:sp>
+      <p:sp>
+        <p:nvSpPr>
+          <p:cNvPr id="6" name="바닥글 개체 틀 5"/>
+          <p:cNvSpPr>
+            <a:spLocks noGrp="1"/>
+          </p:cNvSpPr>
+          <p:nvPr>
+            <p:ph type="ftr" sz="quarter" idx="4"/>
+          </p:nvPr>
+        </p:nvSpPr>
+        <p:spPr>
+          <a:xfrm>
+            <a:off x="0" y="8685213"/>
+            <a:ext cx="2971800" cy="458787"/>
+          </a:xfrm>
+          <a:prstGeom prst="rect">
+            <a:avLst/>
+          </a:prstGeom>
+        </p:spPr>
+        <p:txBody>
+          <a:bodyPr vert="horz" lIns="91440" tIns="45720" rIns="91440" bIns="45720" rtlCol="0" anchor="b"/>
+          <a:lstStyle>
+            <a:lvl1pPr algn="l">
+              <a:defRPr sz="1200"/>
+            </a:lvl1pPr>
+          </a:lstStyle>
+          <a:p>
+            <a:endParaRPr lang="ko-KR" altLang="en-US"/>
+          </a:p>
+        </p:txBody>
+      </p:sp>
+      <p:sp>
+        <p:nvSpPr>
+          <p:cNvPr id="7" name="슬라이드 번호 개체 틀 6"/>
+          <p:cNvSpPr>
+            <a:spLocks noGrp="1"/>
+          </p:cNvSpPr>
+          <p:nvPr>
+            <p:ph type="sldNum" sz="quarter" idx="5"/>
+          </p:nvPr>
+        </p:nvSpPr>
+        <p:spPr>
+          <a:xfrm>
+            <a:off x="3884613" y="8685213"/>
+            <a:ext cx="2971800" cy="458787"/>
+          </a:xfrm>
+          <a:prstGeom prst="rect">
+            <a:avLst/>
+          </a:prstGeom>
+        </p:spPr>
+        <p:txBody>
+          <a:bodyPr vert="horz" lIns="91440" tIns="45720" rIns="91440" bIns="45720" rtlCol="0" anchor="b"/>
+          <a:lstStyle>
+            <a:lvl1pPr algn="r">
+              <a:defRPr sz="1200"/>
+            </a:lvl1pPr>
+          </a:lstStyle>
+          <a:p>
+            <a:fld id="{B21EA7E9-0F85-4F35-943C-95E22065023D}" type="slidenum">
+              <a:rPr lang="ko-KR" altLang="en-US" smtClean="0"/>
+              <a:t>‹#›</a:t>
+            </a:fld>
+            <a:endParaRPr lang="ko-KR" altLang="en-US"/>
+          </a:p>
+        </p:txBody>
+      </p:sp>
+    </p:spTree>
+    <p:extLst>
+      <p:ext uri="{BB962C8B-B14F-4D97-AF65-F5344CB8AC3E}">
+        <p14:creationId xmlns:p14="http://schemas.microsoft.com/office/powerpoint/2010/main" val="2201674692"/>
+      </p:ext>
+    </p:extLst>
+  </p:cSld>
+  <p:clrMap bg1="lt1" tx1="dk1" bg2="lt2" tx2="dk2" accent1="accent1" accent2="accent2" accent3="accent3" accent4="accent4" accent5="accent5" accent6="accent6" hlink="hlink" folHlink="folHlink"/>
+  <p:notesStyle>
+    <a:lvl1pPr marL="0" algn="l" defTabSz="914400" rtl="0" eaLnBrk="1" latinLnBrk="1" hangingPunct="1">
+      <a:defRPr sz="1200" kern="1200">
+        <a:solidFill>
+          <a:schemeClr val="tx1"/>
+        </a:solidFill>
+        <a:latin typeface="+mn-lt"/>
+        <a:ea typeface="+mn-ea"/>
+        <a:cs typeface="+mn-cs"/>
+      </a:defRPr>
+    </a:lvl1pPr>
+    <a:lvl2pPr marL="457200" algn="l" defTabSz="914400" rtl="0" eaLnBrk="1" latinLnBrk="1" hangingPunct="1">
+      <a:defRPr sz="1200" kern="1200">
+        <a:solidFill>
+          <a:schemeClr val="tx1"/>
+        </a:solidFill>
+        <a:latin typeface="+mn-lt"/>
+        <a:ea typeface="+mn-ea"/>
+        <a:cs typeface="+mn-cs"/>
+      </a:defRPr>
+    </a:lvl2pPr>
+    <a:lvl3pPr marL="914400" algn="l" defTabSz="914400" rtl="0" eaLnBrk="1" latinLnBrk="1" hangingPunct="1">
+      <a:defRPr sz="1200" kern="1200">
+        <a:solidFill>
+          <a:schemeClr val="tx1"/>
+        </a:solidFill>
+        <a:latin typeface="+mn-lt"/>
+        <a:ea typeface="+mn-ea"/>
+        <a:cs typeface="+mn-cs"/>
+      </a:defRPr>
+    </a:lvl3pPr>
+    <a:lvl4pPr marL="1371600" algn="l" defTabSz="914400" rtl="0" eaLnBrk="1" latinLnBrk="1" hangingPunct="1">
+      <a:defRPr sz="1200" kern="1200">
+        <a:solidFill>
+          <a:schemeClr val="tx1"/>
+        </a:solidFill>
+        <a:latin typeface="+mn-lt"/>
+        <a:ea typeface="+mn-ea"/>
+        <a:cs typeface="+mn-cs"/>
+      </a:defRPr>
+    </a:lvl4pPr>
+    <a:lvl5pPr marL="1828800" algn="l" defTabSz="914400" rtl="0" eaLnBrk="1" latinLnBrk="1" hangingPunct="1">
+      <a:defRPr sz="1200" kern="1200">
+        <a:solidFill>
+          <a:schemeClr val="tx1"/>
+        </a:solidFill>
+        <a:latin typeface="+mn-lt"/>
+        <a:ea typeface="+mn-ea"/>
+        <a:cs typeface="+mn-cs"/>
+      </a:defRPr>
+    </a:lvl5pPr>
+    <a:lvl6pPr marL="2286000" algn="l" defTabSz="914400" rtl="0" eaLnBrk="1" latinLnBrk="1" hangingPunct="1">
+      <a:defRPr sz="1200" kern="1200">
+        <a:solidFill>
+          <a:schemeClr val="tx1"/>
+        </a:solidFill>
+        <a:latin typeface="+mn-lt"/>
+        <a:ea typeface="+mn-ea"/>
+        <a:cs typeface="+mn-cs"/>
+      </a:defRPr>
+    </a:lvl6pPr>
+    <a:lvl7pPr marL="2743200" algn="l" defTabSz="914400" rtl="0" eaLnBrk="1" latinLnBrk="1" hangingPunct="1">
+      <a:defRPr sz="1200" kern="1200">
+        <a:solidFill>
+          <a:schemeClr val="tx1"/>
+        </a:solidFill>
+        <a:latin typeface="+mn-lt"/>
+        <a:ea typeface="+mn-ea"/>
+        <a:cs typeface="+mn-cs"/>
+      </a:defRPr>
+    </a:lvl7pPr>
+    <a:lvl8pPr marL="3200400" algn="l" defTabSz="914400" rtl="0" eaLnBrk="1" latinLnBrk="1" hangingPunct="1">
+      <a:defRPr sz="1200" kern="1200">
+        <a:solidFill>
+          <a:schemeClr val="tx1"/>
+        </a:solidFill>
+        <a:latin typeface="+mn-lt"/>
+        <a:ea typeface="+mn-ea"/>
+        <a:cs typeface="+mn-cs"/>
+      </a:defRPr>
+    </a:lvl8pPr>
+    <a:lvl9pPr marL="3657600" algn="l" defTabSz="914400" rtl="0" eaLnBrk="1" latinLnBrk="1" hangingPunct="1">
+      <a:defRPr sz="1200" kern="1200">
+        <a:solidFill>
+          <a:schemeClr val="tx1"/>
+        </a:solidFill>
+        <a:latin typeface="+mn-lt"/>
+        <a:ea typeface="+mn-ea"/>
+        <a:cs typeface="+mn-cs"/>
+      </a:defRPr>
+    </a:lvl9pPr>
+  </p:notesStyle>
+</p:notesMaster>
+</file>
+
+<file path=ppt/notesSlides/notesSlide1.xml><?xml version="1.0" encoding="utf-8"?>
+<p:notes xmlns:a="http://schemas.openxmlformats.org/drawingml/2006/main" xmlns:r="http://schemas.openxmlformats.org/officeDocument/2006/relationships" xmlns:p="http://schemas.openxmlformats.org/presentationml/2006/main">
+  <p:cSld>
+    <p:spTree>
+      <p:nvGrpSpPr>
+        <p:cNvPr id="1" name=""/>
+        <p:cNvGrpSpPr/>
+        <p:nvPr/>
+      </p:nvGrpSpPr>
+      <p:grpSpPr>
+        <a:xfrm>
+          <a:off x="0" y="0"/>
+          <a:ext cx="0" cy="0"/>
+          <a:chOff x="0" y="0"/>
+          <a:chExt cx="0" cy="0"/>
+        </a:xfrm>
+      </p:grpSpPr>
+      <p:sp>
+        <p:nvSpPr>
+          <p:cNvPr id="2" name="슬라이드 이미지 개체 틀 1"/>
+          <p:cNvSpPr>
+            <a:spLocks noGrp="1" noRot="1" noChangeAspect="1"/>
+          </p:cNvSpPr>
+          <p:nvPr>
+            <p:ph type="sldImg"/>
+          </p:nvPr>
+        </p:nvSpPr>
+        <p:spPr/>
+      </p:sp>
+      <p:sp>
+        <p:nvSpPr>
+          <p:cNvPr id="3" name="슬라이드 노트 개체 틀 2"/>
+          <p:cNvSpPr>
+            <a:spLocks noGrp="1"/>
+          </p:cNvSpPr>
+          <p:nvPr>
+            <p:ph type="body" idx="1"/>
+          </p:nvPr>
+        </p:nvSpPr>
+        <p:spPr/>
+        <p:txBody>
+          <a:bodyPr/>
+          <a:lstStyle/>
+          <a:p>
+            <a:r>
+              <a:rPr lang="ko-KR" altLang="en-US" dirty="0"/>
+              <a:t>기술부채 예시</a:t>
+            </a:r>
+            <a:endParaRPr lang="en-US" altLang="ko-KR" dirty="0"/>
+          </a:p>
+          <a:p>
+            <a:pPr marL="171450" indent="-171450">
+              <a:buFontTx/>
+              <a:buChar char="-"/>
+            </a:pPr>
+            <a:r>
+              <a:rPr lang="ko-KR" altLang="en-US" dirty="0"/>
+              <a:t>설계된 것을 문서로 남기지 않는다</a:t>
+            </a:r>
+            <a:endParaRPr lang="en-US" altLang="ko-KR" dirty="0"/>
+          </a:p>
+          <a:p>
+            <a:pPr marL="171450" indent="-171450">
+              <a:buFontTx/>
+              <a:buChar char="-"/>
+            </a:pPr>
+            <a:r>
+              <a:rPr lang="ko-KR" altLang="en-US" dirty="0"/>
+              <a:t>더 이상 사용하지 않는 </a:t>
+            </a:r>
+            <a:r>
+              <a:rPr lang="en-US" altLang="ko-KR" dirty="0"/>
+              <a:t>DB</a:t>
+            </a:r>
+            <a:r>
+              <a:rPr lang="ko-KR" altLang="en-US" dirty="0"/>
+              <a:t>의 항목을 지우지 않는다</a:t>
+            </a:r>
+            <a:r>
+              <a:rPr lang="en-US" altLang="ko-KR" dirty="0"/>
+              <a:t>.</a:t>
+            </a:r>
+          </a:p>
+          <a:p>
+            <a:pPr marL="171450" indent="-171450">
+              <a:buFontTx/>
+              <a:buChar char="-"/>
+            </a:pPr>
+            <a:r>
+              <a:rPr lang="ko-KR" altLang="en-US" dirty="0"/>
+              <a:t>반복되는 일을 자동화하지 않는다</a:t>
+            </a:r>
+          </a:p>
+        </p:txBody>
+      </p:sp>
+      <p:sp>
+        <p:nvSpPr>
+          <p:cNvPr id="4" name="슬라이드 번호 개체 틀 3"/>
+          <p:cNvSpPr>
+            <a:spLocks noGrp="1"/>
+          </p:cNvSpPr>
+          <p:nvPr>
+            <p:ph type="sldNum" sz="quarter" idx="5"/>
+          </p:nvPr>
+        </p:nvSpPr>
+        <p:spPr/>
+        <p:txBody>
+          <a:bodyPr/>
+          <a:lstStyle/>
+          <a:p>
+            <a:fld id="{B21EA7E9-0F85-4F35-943C-95E22065023D}" type="slidenum">
+              <a:rPr lang="ko-KR" altLang="en-US" smtClean="0"/>
+              <a:t>2</a:t>
+            </a:fld>
+            <a:endParaRPr lang="ko-KR" altLang="en-US"/>
+          </a:p>
+        </p:txBody>
+      </p:sp>
+    </p:spTree>
+    <p:extLst>
+      <p:ext uri="{BB962C8B-B14F-4D97-AF65-F5344CB8AC3E}">
+        <p14:creationId xmlns:p14="http://schemas.microsoft.com/office/powerpoint/2010/main" val="886479690"/>
+      </p:ext>
+    </p:extLst>
+  </p:cSld>
+  <p:clrMapOvr>
+    <a:masterClrMapping/>
+  </p:clrMapOvr>
+</p:notes>
+</file>
+
 <file path=ppt/slideLayouts/slideLayout1.xml><?xml version="1.0" encoding="utf-8"?>
 <p:sldLayout xmlns:a="http://schemas.openxmlformats.org/drawingml/2006/main" xmlns:r="http://schemas.openxmlformats.org/officeDocument/2006/relationships" xmlns:p="http://schemas.openxmlformats.org/presentationml/2006/main" type="title" preserve="1">
   <p:cSld name="제목 슬라이드">
@@ -275,7 +758,7 @@
           <a:p>
             <a:fld id="{135BA1F9-2E68-4163-81E3-BD27D4A2D212}" type="datetimeFigureOut">
               <a:rPr lang="ko-KR" altLang="en-US" smtClean="0"/>
-              <a:t>2019-05-07</a:t>
+              <a:t>2019-05-22</a:t>
             </a:fld>
             <a:endParaRPr lang="ko-KR" altLang="en-US"/>
           </a:p>
@@ -443,7 +926,7 @@
           <a:p>
             <a:fld id="{135BA1F9-2E68-4163-81E3-BD27D4A2D212}" type="datetimeFigureOut">
               <a:rPr lang="ko-KR" altLang="en-US" smtClean="0"/>
-              <a:t>2019-05-07</a:t>
+              <a:t>2019-05-22</a:t>
             </a:fld>
             <a:endParaRPr lang="ko-KR" altLang="en-US"/>
           </a:p>
@@ -621,7 +1104,7 @@
           <a:p>
             <a:fld id="{135BA1F9-2E68-4163-81E3-BD27D4A2D212}" type="datetimeFigureOut">
               <a:rPr lang="ko-KR" altLang="en-US" smtClean="0"/>
-              <a:t>2019-05-07</a:t>
+              <a:t>2019-05-22</a:t>
             </a:fld>
             <a:endParaRPr lang="ko-KR" altLang="en-US"/>
           </a:p>
@@ -789,7 +1272,7 @@
           <a:p>
             <a:fld id="{135BA1F9-2E68-4163-81E3-BD27D4A2D212}" type="datetimeFigureOut">
               <a:rPr lang="ko-KR" altLang="en-US" smtClean="0"/>
-              <a:t>2019-05-07</a:t>
+              <a:t>2019-05-22</a:t>
             </a:fld>
             <a:endParaRPr lang="ko-KR" altLang="en-US"/>
           </a:p>
@@ -1034,7 +1517,7 @@
           <a:p>
             <a:fld id="{135BA1F9-2E68-4163-81E3-BD27D4A2D212}" type="datetimeFigureOut">
               <a:rPr lang="ko-KR" altLang="en-US" smtClean="0"/>
-              <a:t>2019-05-07</a:t>
+              <a:t>2019-05-22</a:t>
             </a:fld>
             <a:endParaRPr lang="ko-KR" altLang="en-US"/>
           </a:p>
@@ -1263,7 +1746,7 @@
           <a:p>
             <a:fld id="{135BA1F9-2E68-4163-81E3-BD27D4A2D212}" type="datetimeFigureOut">
               <a:rPr lang="ko-KR" altLang="en-US" smtClean="0"/>
-              <a:t>2019-05-07</a:t>
+              <a:t>2019-05-22</a:t>
             </a:fld>
             <a:endParaRPr lang="ko-KR" altLang="en-US"/>
           </a:p>
@@ -1627,7 +2110,7 @@
           <a:p>
             <a:fld id="{135BA1F9-2E68-4163-81E3-BD27D4A2D212}" type="datetimeFigureOut">
               <a:rPr lang="ko-KR" altLang="en-US" smtClean="0"/>
-              <a:t>2019-05-07</a:t>
+              <a:t>2019-05-22</a:t>
             </a:fld>
             <a:endParaRPr lang="ko-KR" altLang="en-US"/>
           </a:p>
@@ -1744,7 +2227,7 @@
           <a:p>
             <a:fld id="{135BA1F9-2E68-4163-81E3-BD27D4A2D212}" type="datetimeFigureOut">
               <a:rPr lang="ko-KR" altLang="en-US" smtClean="0"/>
-              <a:t>2019-05-07</a:t>
+              <a:t>2019-05-22</a:t>
             </a:fld>
             <a:endParaRPr lang="ko-KR" altLang="en-US"/>
           </a:p>
@@ -1839,7 +2322,7 @@
           <a:p>
             <a:fld id="{135BA1F9-2E68-4163-81E3-BD27D4A2D212}" type="datetimeFigureOut">
               <a:rPr lang="ko-KR" altLang="en-US" smtClean="0"/>
-              <a:t>2019-05-07</a:t>
+              <a:t>2019-05-22</a:t>
             </a:fld>
             <a:endParaRPr lang="ko-KR" altLang="en-US"/>
           </a:p>
@@ -2114,7 +2597,7 @@
           <a:p>
             <a:fld id="{135BA1F9-2E68-4163-81E3-BD27D4A2D212}" type="datetimeFigureOut">
               <a:rPr lang="ko-KR" altLang="en-US" smtClean="0"/>
-              <a:t>2019-05-07</a:t>
+              <a:t>2019-05-22</a:t>
             </a:fld>
             <a:endParaRPr lang="ko-KR" altLang="en-US"/>
           </a:p>
@@ -2366,7 +2849,7 @@
           <a:p>
             <a:fld id="{135BA1F9-2E68-4163-81E3-BD27D4A2D212}" type="datetimeFigureOut">
               <a:rPr lang="ko-KR" altLang="en-US" smtClean="0"/>
-              <a:t>2019-05-07</a:t>
+              <a:t>2019-05-22</a:t>
             </a:fld>
             <a:endParaRPr lang="ko-KR" altLang="en-US"/>
           </a:p>
@@ -2577,7 +3060,7 @@
           <a:p>
             <a:fld id="{135BA1F9-2E68-4163-81E3-BD27D4A2D212}" type="datetimeFigureOut">
               <a:rPr lang="ko-KR" altLang="en-US" smtClean="0"/>
-              <a:t>2019-05-07</a:t>
+              <a:t>2019-05-22</a:t>
             </a:fld>
             <a:endParaRPr lang="ko-KR" altLang="en-US"/>
           </a:p>
@@ -3008,10 +3491,6 @@
               <a:rPr lang="ko-KR" altLang="en-US"/>
               <a:t>파이썬 클린 코드</a:t>
             </a:r>
-            <a:r>
-              <a:rPr lang="en-US" altLang="ko-KR"/>
-              <a:t/>
-            </a:r>
             <a:br>
               <a:rPr lang="en-US" altLang="ko-KR"/>
             </a:br>
@@ -3044,20 +3523,20 @@
           <a:lstStyle/>
           <a:p>
             <a:r>
-              <a:rPr lang="en-US" altLang="ko-KR"/>
-              <a:t>Chapter1_</a:t>
-            </a:r>
-            <a:r>
-              <a:rPr lang="ko-KR" altLang="en-US"/>
-              <a:t>소개</a:t>
-            </a:r>
-            <a:r>
-              <a:rPr lang="en-US" altLang="ko-KR"/>
-              <a:t>, </a:t>
-            </a:r>
-            <a:r>
-              <a:rPr lang="ko-KR" altLang="en-US"/>
-              <a:t>코드 포매팅과 코드</a:t>
+              <a:rPr lang="en-US" altLang="ko-KR" dirty="0"/>
+              <a:t>Chapter1_ </a:t>
+            </a:r>
+            <a:r>
+              <a:rPr lang="ko-KR" altLang="en-US" dirty="0"/>
+              <a:t>코드 </a:t>
+            </a:r>
+            <a:r>
+              <a:rPr lang="ko-KR" altLang="en-US" dirty="0" err="1"/>
+              <a:t>포매팅과</a:t>
+            </a:r>
+            <a:r>
+              <a:rPr lang="ko-KR" altLang="en-US" dirty="0"/>
+              <a:t> 도구</a:t>
             </a:r>
           </a:p>
         </p:txBody>
@@ -3140,11 +3619,11 @@
           </a:lstStyle>
           <a:p>
             <a:r>
-              <a:rPr lang="en-US" altLang="ko-KR" smtClean="0"/>
+              <a:rPr lang="en-US" altLang="ko-KR"/>
               <a:t>PEP</a:t>
             </a:r>
             <a:r>
-              <a:rPr lang="en-US" altLang="ko-KR" sz="3200" smtClean="0"/>
+              <a:rPr lang="en-US" altLang="ko-KR" sz="3200"/>
               <a:t>(Python Enhance Proposal)</a:t>
             </a:r>
             <a:endParaRPr lang="ko-KR" altLang="en-US" dirty="0"/>
@@ -3198,23 +3677,23 @@
           <a:lstStyle/>
           <a:p>
             <a:r>
-              <a:rPr lang="en-US" altLang="ko-KR" smtClean="0"/>
+              <a:rPr lang="en-US" altLang="ko-KR"/>
               <a:t>: </a:t>
             </a:r>
             <a:r>
-              <a:rPr lang="ko-KR" altLang="en-US" smtClean="0"/>
+              <a:rPr lang="ko-KR" altLang="en-US"/>
               <a:t>파이썬을 개선하기 위한 개선 제안서 </a:t>
             </a:r>
             <a:r>
-              <a:rPr lang="en-US" altLang="ko-KR" smtClean="0"/>
+              <a:rPr lang="en-US" altLang="ko-KR"/>
               <a:t>(PEP-8:</a:t>
             </a:r>
             <a:r>
-              <a:rPr lang="ko-KR" altLang="en-US" smtClean="0"/>
+              <a:rPr lang="ko-KR" altLang="en-US"/>
               <a:t>파이썬언어의 컨벤션제안서</a:t>
             </a:r>
             <a:r>
-              <a:rPr lang="en-US" altLang="ko-KR" smtClean="0"/>
+              <a:rPr lang="en-US" altLang="ko-KR"/>
               <a:t>)</a:t>
             </a:r>
             <a:endParaRPr lang="ko-KR" altLang="en-US"/>
@@ -3323,7 +3802,7 @@
           </a:lstStyle>
           <a:p>
             <a:r>
-              <a:rPr lang="ko-KR" altLang="en-US" smtClean="0"/>
+              <a:rPr lang="ko-KR" altLang="en-US"/>
               <a:t>다양한 검사 도구</a:t>
             </a:r>
             <a:endParaRPr lang="ko-KR" altLang="en-US" dirty="0"/>
@@ -3353,23 +3832,23 @@
           <a:lstStyle/>
           <a:p>
             <a:r>
-              <a:rPr lang="en-US" altLang="ko-KR" smtClean="0"/>
+              <a:rPr lang="en-US" altLang="ko-KR"/>
               <a:t>Mypy : </a:t>
             </a:r>
             <a:r>
-              <a:rPr lang="ko-KR" altLang="en-US" smtClean="0"/>
+              <a:rPr lang="ko-KR" altLang="en-US"/>
               <a:t>정적 타입 검사 도구</a:t>
             </a:r>
             <a:r>
-              <a:rPr lang="en-US" altLang="ko-KR" smtClean="0"/>
+              <a:rPr lang="en-US" altLang="ko-KR"/>
               <a:t>(</a:t>
             </a:r>
             <a:r>
-              <a:rPr lang="ko-KR" altLang="en-US" smtClean="0"/>
+              <a:rPr lang="ko-KR" altLang="en-US"/>
               <a:t>모든 파일을 분석하여 타입 불일치를 검사</a:t>
             </a:r>
             <a:r>
-              <a:rPr lang="en-US" altLang="ko-KR" smtClean="0"/>
+              <a:rPr lang="en-US" altLang="ko-KR"/>
               <a:t>)</a:t>
             </a:r>
             <a:endParaRPr lang="ko-KR" altLang="en-US"/>
@@ -3399,23 +3878,23 @@
           <a:lstStyle/>
           <a:p>
             <a:r>
-              <a:rPr lang="en-US" altLang="ko-KR" smtClean="0"/>
+              <a:rPr lang="en-US" altLang="ko-KR"/>
               <a:t>Pylint : </a:t>
             </a:r>
             <a:r>
-              <a:rPr lang="ko-KR" altLang="en-US" smtClean="0"/>
+              <a:rPr lang="ko-KR" altLang="en-US"/>
               <a:t>코드의 구조를 검사하는 도구 </a:t>
             </a:r>
             <a:r>
-              <a:rPr lang="en-US" altLang="ko-KR" smtClean="0"/>
+              <a:rPr lang="en-US" altLang="ko-KR"/>
               <a:t>(PEP-8</a:t>
             </a:r>
             <a:r>
-              <a:rPr lang="ko-KR" altLang="en-US" smtClean="0"/>
+              <a:rPr lang="ko-KR" altLang="en-US"/>
               <a:t>을 준수했는지 여부 검사</a:t>
             </a:r>
             <a:r>
-              <a:rPr lang="en-US" altLang="ko-KR" smtClean="0"/>
+              <a:rPr lang="en-US" altLang="ko-KR"/>
               <a:t>)</a:t>
             </a:r>
             <a:endParaRPr lang="ko-KR" altLang="en-US"/>
@@ -3445,38 +3924,37 @@
           <a:lstStyle/>
           <a:p>
             <a:r>
-              <a:rPr lang="en-US" altLang="ko-KR" smtClean="0"/>
+              <a:rPr lang="en-US" altLang="ko-KR"/>
               <a:t>Makefile : (</a:t>
             </a:r>
             <a:r>
-              <a:rPr lang="ko-KR" altLang="en-US" smtClean="0"/>
+              <a:rPr lang="ko-KR" altLang="en-US"/>
               <a:t>리눅스개발환경에서</a:t>
             </a:r>
             <a:r>
-              <a:rPr lang="en-US" altLang="ko-KR" smtClean="0"/>
+              <a:rPr lang="en-US" altLang="ko-KR"/>
               <a:t>)</a:t>
             </a:r>
             <a:r>
-              <a:rPr lang="ko-KR" altLang="en-US" smtClean="0"/>
+              <a:rPr lang="ko-KR" altLang="en-US"/>
               <a:t>빌드를 자동화</a:t>
             </a:r>
             <a:r>
-              <a:rPr lang="en-US" altLang="ko-KR" smtClean="0"/>
+              <a:rPr lang="en-US" altLang="ko-KR"/>
               <a:t>, </a:t>
             </a:r>
             <a:r>
-              <a:rPr lang="ko-KR" altLang="en-US" smtClean="0"/>
+              <a:rPr lang="ko-KR" altLang="en-US"/>
               <a:t>포매팅 검사</a:t>
             </a:r>
             <a:r>
-              <a:rPr lang="en-US" altLang="ko-KR" smtClean="0"/>
+              <a:rPr lang="en-US" altLang="ko-KR"/>
               <a:t>, </a:t>
             </a:r>
             <a:r>
-              <a:rPr lang="ko-KR" altLang="en-US" smtClean="0"/>
+              <a:rPr lang="ko-KR" altLang="en-US"/>
               <a:t>코딩 컨벤션 검사 자동화 도구</a:t>
             </a:r>
-            <a:endParaRPr lang="ko-KR" altLang="en-US"/>
           </a:p>
         </p:txBody>
       </p:sp>
@@ -3503,33 +3981,33 @@
           <a:lstStyle/>
           <a:p>
             <a:r>
-              <a:rPr lang="en-US" altLang="ko-KR" smtClean="0"/>
+              <a:rPr lang="en-US" altLang="ko-KR"/>
               <a:t>Black : Black </a:t>
             </a:r>
             <a:r>
-              <a:rPr lang="ko-KR" altLang="en-US" smtClean="0"/>
+              <a:rPr lang="ko-KR" altLang="en-US"/>
               <a:t>고유 방식으로 자동 포매팅 도구 </a:t>
             </a:r>
             <a:r>
-              <a:rPr lang="en-US" altLang="ko-KR" smtClean="0"/>
+              <a:rPr lang="en-US" altLang="ko-KR"/>
               <a:t>(ex) </a:t>
             </a:r>
             <a:r>
-              <a:rPr lang="ko-KR" altLang="en-US" smtClean="0"/>
+              <a:rPr lang="ko-KR" altLang="en-US"/>
               <a:t>문자열에는 항상 쌍따옴표사용</a:t>
             </a:r>
             <a:r>
-              <a:rPr lang="en-US" altLang="ko-KR" smtClean="0"/>
+              <a:rPr lang="en-US" altLang="ko-KR"/>
               <a:t>) </a:t>
             </a:r>
             <a:r>
-              <a:rPr lang="en-US" altLang="ko-KR" smtClean="0">
+              <a:rPr lang="en-US" altLang="ko-KR">
                 <a:sym typeface="Wingdings" panose="05000000000000000000" pitchFamily="2" charset="2"/>
               </a:rPr>
               <a:t> </a:t>
             </a:r>
             <a:r>
-              <a:rPr lang="ko-KR" altLang="en-US" smtClean="0">
+              <a:rPr lang="ko-KR" altLang="en-US">
                 <a:sym typeface="Wingdings" panose="05000000000000000000" pitchFamily="2" charset="2"/>
               </a:rPr>
               <a:t>코드의 차이 최소화</a:t>
@@ -3548,13 +4026,6 @@
   <p:clrMapOvr>
     <a:masterClrMapping/>
   </p:clrMapOvr>
-  <p:timing>
-    <p:tnLst>
-      <p:par>
-        <p:cTn id="1" dur="indefinite" restart="never" nodeType="tmRoot"/>
-      </p:par>
-    </p:tnLst>
-  </p:timing>
 </p:sld>
 </file>
 
@@ -3623,7 +4094,7 @@
           </a:lstStyle>
           <a:p>
             <a:r>
-              <a:rPr lang="en-US" altLang="ko-KR" smtClean="0"/>
+              <a:rPr lang="en-US" altLang="ko-KR"/>
               <a:t>Black</a:t>
             </a:r>
             <a:endParaRPr lang="ko-KR" altLang="en-US" dirty="0"/>
@@ -3653,14 +4124,13 @@
           <a:lstStyle/>
           <a:p>
             <a:r>
-              <a:rPr lang="en-US" altLang="ko-KR" smtClean="0"/>
+              <a:rPr lang="en-US" altLang="ko-KR"/>
               <a:t>: </a:t>
             </a:r>
             <a:r>
-              <a:rPr lang="ko-KR" altLang="en-US" smtClean="0"/>
+              <a:rPr lang="ko-KR" altLang="en-US"/>
               <a:t>자동으로 포매팅해주는 도구</a:t>
             </a:r>
-            <a:endParaRPr lang="ko-KR" altLang="en-US"/>
           </a:p>
         </p:txBody>
       </p:sp>
@@ -3785,7 +4255,7 @@
         <p:spPr>
           <a:xfrm>
             <a:off x="438126" y="5727394"/>
-            <a:ext cx="6744154" cy="369332"/>
+            <a:ext cx="6513322" cy="369332"/>
           </a:xfrm>
           <a:prstGeom prst="rect">
             <a:avLst/>
@@ -3799,22 +4269,21 @@
           <a:lstStyle/>
           <a:p>
             <a:r>
-              <a:rPr lang="en-US" altLang="ko-KR" smtClean="0"/>
+              <a:rPr lang="en-US" altLang="ko-KR" dirty="0"/>
               <a:t>PEP-8</a:t>
             </a:r>
             <a:r>
-              <a:rPr lang="ko-KR" altLang="en-US" smtClean="0"/>
+              <a:rPr lang="ko-KR" altLang="en-US" dirty="0"/>
               <a:t>에 의하면 올바른 코드지만 </a:t>
             </a:r>
             <a:r>
-              <a:rPr lang="en-US" altLang="ko-KR" smtClean="0"/>
+              <a:rPr lang="en-US" altLang="ko-KR" dirty="0"/>
               <a:t>Black</a:t>
             </a:r>
             <a:r>
-              <a:rPr lang="ko-KR" altLang="en-US" smtClean="0"/>
-              <a:t>의 컨벤션을 따르지 않음</a:t>
-            </a:r>
-            <a:endParaRPr lang="ko-KR" altLang="en-US"/>
+              <a:rPr lang="ko-KR" altLang="en-US" dirty="0"/>
+              <a:t>의 문법을 따르지 않음</a:t>
+            </a:r>
           </a:p>
         </p:txBody>
       </p:sp>
@@ -3828,13 +4297,6 @@
   <p:clrMapOvr>
     <a:masterClrMapping/>
   </p:clrMapOvr>
-  <p:timing>
-    <p:tnLst>
-      <p:par>
-        <p:cTn id="1" dur="indefinite" restart="never" nodeType="tmRoot"/>
-      </p:par>
-    </p:tnLst>
-  </p:timing>
 </p:sld>
 </file>
 
@@ -3894,7 +4356,7 @@
         </p:nvSpPr>
         <p:spPr>
           <a:xfrm>
-            <a:off x="780010" y="2399203"/>
+            <a:off x="629688" y="2506176"/>
             <a:ext cx="10932623" cy="3552710"/>
           </a:xfrm>
         </p:spPr>
@@ -4327,8 +4789,8 @@
         </p:nvSpPr>
         <p:spPr>
           <a:xfrm>
-            <a:off x="6080762" y="1598612"/>
-            <a:ext cx="4268584" cy="871649"/>
+            <a:off x="6080759" y="1835466"/>
+            <a:ext cx="5776621" cy="1285288"/>
           </a:xfrm>
           <a:prstGeom prst="rect">
             <a:avLst/>
@@ -4347,17 +4809,53 @@
               </a:lnSpc>
             </a:pPr>
             <a:r>
-              <a:rPr lang="en-US" altLang="ko-KR"/>
+              <a:rPr lang="en-US" altLang="ko-KR" dirty="0"/>
               <a:t>Docstring</a:t>
             </a:r>
             <a:r>
-              <a:rPr lang="ko-KR" altLang="en-US"/>
-              <a:t>을 포함하는것이 좋은이유</a:t>
-            </a:r>
-            <a:r>
-              <a:rPr lang="en-US" altLang="ko-KR"/>
+              <a:rPr lang="ko-KR" altLang="en-US" dirty="0"/>
+              <a:t>을 </a:t>
+            </a:r>
+            <a:r>
+              <a:rPr lang="ko-KR" altLang="en-US" dirty="0" err="1"/>
+              <a:t>포함하는것이</a:t>
+            </a:r>
+            <a:r>
+              <a:rPr lang="ko-KR" altLang="en-US" dirty="0"/>
+              <a:t> </a:t>
+            </a:r>
+            <a:r>
+              <a:rPr lang="ko-KR" altLang="en-US" dirty="0" err="1"/>
+              <a:t>좋은이유</a:t>
+            </a:r>
+            <a:r>
+              <a:rPr lang="en-US" altLang="ko-KR" dirty="0"/>
               <a:t>?</a:t>
             </a:r>
+          </a:p>
+          <a:p>
+            <a:pPr marL="285750" indent="-285750">
+              <a:lnSpc>
+                <a:spcPct val="150000"/>
+              </a:lnSpc>
+              <a:buFont typeface="Wingdings" panose="05000000000000000000" pitchFamily="2" charset="2"/>
+              <a:buChar char="à"/>
+            </a:pPr>
+            <a:r>
+              <a:rPr lang="en-US" altLang="ko-KR" b="1" dirty="0">
+                <a:sym typeface="Wingdings" panose="05000000000000000000" pitchFamily="2" charset="2"/>
+              </a:rPr>
+              <a:t>PYTHON</a:t>
+            </a:r>
+            <a:r>
+              <a:rPr lang="ko-KR" altLang="en-US" b="1" dirty="0">
+                <a:sym typeface="Wingdings" panose="05000000000000000000" pitchFamily="2" charset="2"/>
+              </a:rPr>
+              <a:t>은 동적 타이핑이기 때문</a:t>
+            </a:r>
+            <a:endParaRPr lang="en-US" altLang="ko-KR" b="1" dirty="0">
+              <a:sym typeface="Wingdings" panose="05000000000000000000" pitchFamily="2" charset="2"/>
+            </a:endParaRPr>
           </a:p>
           <a:p>
             <a:pPr>
@@ -4366,24 +4864,24 @@
               </a:lnSpc>
             </a:pPr>
             <a:r>
-              <a:rPr lang="en-US" altLang="ko-KR">
+              <a:rPr lang="en-US" altLang="ko-KR" dirty="0">
                 <a:sym typeface="Wingdings" panose="05000000000000000000" pitchFamily="2" charset="2"/>
               </a:rPr>
-              <a:t> </a:t>
-            </a:r>
-            <a:r>
-              <a:rPr lang="en-US" altLang="ko-KR" b="1">
+              <a:t>( </a:t>
+            </a:r>
+            <a:r>
+              <a:rPr lang="ko-KR" altLang="en-US" dirty="0">
                 <a:sym typeface="Wingdings" panose="05000000000000000000" pitchFamily="2" charset="2"/>
               </a:rPr>
-              <a:t>PYTHON</a:t>
-            </a:r>
-            <a:r>
-              <a:rPr lang="ko-KR" altLang="en-US" b="1">
+              <a:t>또는 프로젝트 표준에 따라 필수일 수도 있음</a:t>
+            </a:r>
+            <a:r>
+              <a:rPr lang="en-US" altLang="ko-KR" dirty="0">
                 <a:sym typeface="Wingdings" panose="05000000000000000000" pitchFamily="2" charset="2"/>
               </a:rPr>
-              <a:t>은 동적 타이핑이기 때문</a:t>
-            </a:r>
-            <a:endParaRPr lang="ko-KR" altLang="en-US" b="1"/>
+              <a:t>)</a:t>
+            </a:r>
+            <a:endParaRPr lang="ko-KR" altLang="en-US" dirty="0"/>
           </a:p>
         </p:txBody>
       </p:sp>
@@ -4395,8 +4893,8 @@
         </p:nvSpPr>
         <p:spPr>
           <a:xfrm>
-            <a:off x="6080762" y="2929199"/>
-            <a:ext cx="5631871" cy="3000821"/>
+            <a:off x="6080760" y="4042381"/>
+            <a:ext cx="5776621" cy="1522020"/>
           </a:xfrm>
           <a:prstGeom prst="rect">
             <a:avLst/>
@@ -4415,11 +4913,15 @@
               </a:lnSpc>
             </a:pPr>
             <a:r>
-              <a:rPr lang="ko-KR" altLang="en-US"/>
-              <a:t>파이썬은 파라미터의 타라미터의 타입을 체크하거나 강요하지 않는다</a:t>
-            </a:r>
-            <a:r>
-              <a:rPr lang="en-US" altLang="ko-KR"/>
+              <a:rPr lang="ko-KR" altLang="en-US" sz="1600" dirty="0" err="1"/>
+              <a:t>파이썬은</a:t>
+            </a:r>
+            <a:r>
+              <a:rPr lang="ko-KR" altLang="en-US" sz="1600" dirty="0"/>
+              <a:t> 파라미터의 타입을 체크하거나 강요하지 않는다</a:t>
+            </a:r>
+            <a:r>
+              <a:rPr lang="en-US" altLang="ko-KR" sz="1600" dirty="0"/>
               <a:t>.</a:t>
             </a:r>
           </a:p>
@@ -4429,7 +4931,7 @@
                 <a:spcPct val="150000"/>
               </a:lnSpc>
             </a:pPr>
-            <a:endParaRPr lang="en-US" altLang="ko-KR"/>
+            <a:endParaRPr lang="en-US" altLang="ko-KR" sz="1600" dirty="0"/>
           </a:p>
           <a:p>
             <a:pPr>
@@ -4438,11 +4940,11 @@
               </a:lnSpc>
             </a:pPr>
             <a:r>
-              <a:rPr lang="ko-KR" altLang="en-US" b="1"/>
+              <a:rPr lang="ko-KR" altLang="en-US" sz="1600" dirty="0"/>
               <a:t>함수의 이름과 파라미터의 이름이 충분히 설명적이라면 좋다</a:t>
             </a:r>
             <a:r>
-              <a:rPr lang="en-US" altLang="ko-KR" b="1"/>
+              <a:rPr lang="en-US" altLang="ko-KR" sz="1600" dirty="0"/>
               <a:t>.</a:t>
             </a:r>
           </a:p>
@@ -4453,22 +4955,22 @@
               </a:lnSpc>
             </a:pPr>
             <a:r>
-              <a:rPr lang="ko-KR" altLang="en-US" b="1"/>
+              <a:rPr lang="ko-KR" altLang="en-US" sz="1600" dirty="0"/>
               <a:t> 그러나 그렇지 않은 경우에는 </a:t>
             </a:r>
             <a:r>
-              <a:rPr lang="en-US" altLang="ko-KR" b="1"/>
+              <a:rPr lang="en-US" altLang="ko-KR" sz="1600" dirty="0"/>
               <a:t>docstring</a:t>
             </a:r>
             <a:r>
-              <a:rPr lang="ko-KR" altLang="en-US" b="1"/>
+              <a:rPr lang="ko-KR" altLang="en-US" sz="1600" dirty="0"/>
               <a:t>이 도움이 될 것이다</a:t>
             </a:r>
             <a:r>
-              <a:rPr lang="en-US" altLang="ko-KR" b="1"/>
+              <a:rPr lang="en-US" altLang="ko-KR" sz="1600" dirty="0"/>
               <a:t>.</a:t>
             </a:r>
-            <a:endParaRPr lang="ko-KR" altLang="en-US" b="1"/>
+            <a:endParaRPr lang="ko-KR" altLang="en-US" sz="1600" dirty="0"/>
           </a:p>
         </p:txBody>
       </p:sp>
@@ -4700,11 +5202,7 @@
             </a:r>
             <a:r>
               <a:rPr lang="ko-KR" altLang="en-US"/>
-              <a:t>골격을 </a:t>
-            </a:r>
-            <a:r>
-              <a:rPr lang="ko-KR" altLang="en-US" smtClean="0"/>
-              <a:t>만들어주는 모듈</a:t>
+              <a:t>골격을 만들어주는 모듈</a:t>
             </a:r>
             <a:endParaRPr lang="ko-KR" altLang="en-US" dirty="0"/>
           </a:p>
@@ -5289,41 +5787,6 @@
       </p:pic>
       <p:sp>
         <p:nvSpPr>
-          <p:cNvPr id="10" name="TextBox 9">
-            <a:extLst>
-              <a:ext uri="{FF2B5EF4-FFF2-40B4-BE49-F238E27FC236}">
-                <a16:creationId xmlns:a16="http://schemas.microsoft.com/office/drawing/2014/main" id="{DE65F596-7B2A-4D86-B26E-779115AFFD9C}"/>
-              </a:ext>
-            </a:extLst>
-          </p:cNvPr>
-          <p:cNvSpPr txBox="1"/>
-          <p:nvPr/>
-        </p:nvSpPr>
-        <p:spPr>
-          <a:xfrm>
-            <a:off x="7066713" y="1760577"/>
-            <a:ext cx="2194832" cy="369332"/>
-          </a:xfrm>
-          <a:prstGeom prst="rect">
-            <a:avLst/>
-          </a:prstGeom>
-          <a:noFill/>
-        </p:spPr>
-        <p:txBody>
-          <a:bodyPr wrap="none" rtlCol="0">
-            <a:spAutoFit/>
-          </a:bodyPr>
-          <a:lstStyle/>
-          <a:p>
-            <a:r>
-              <a:rPr lang="ko-KR" altLang="en-US" dirty="0"/>
-              <a:t>데이터 유효성 검사</a:t>
-            </a:r>
-          </a:p>
-        </p:txBody>
-      </p:sp>
-      <p:sp>
-        <p:nvSpPr>
           <p:cNvPr id="12" name="TextBox 11">
             <a:extLst>
               <a:ext uri="{FF2B5EF4-FFF2-40B4-BE49-F238E27FC236}">
@@ -5687,41 +6150,6 @@
           </a:prstGeom>
         </p:spPr>
       </p:pic>
-      <p:sp>
-        <p:nvSpPr>
-          <p:cNvPr id="10" name="TextBox 9">
-            <a:extLst>
-              <a:ext uri="{FF2B5EF4-FFF2-40B4-BE49-F238E27FC236}">
-                <a16:creationId xmlns:a16="http://schemas.microsoft.com/office/drawing/2014/main" id="{DE65F596-7B2A-4D86-B26E-779115AFFD9C}"/>
-              </a:ext>
-            </a:extLst>
-          </p:cNvPr>
-          <p:cNvSpPr txBox="1"/>
-          <p:nvPr/>
-        </p:nvSpPr>
-        <p:spPr>
-          <a:xfrm>
-            <a:off x="7066713" y="1760577"/>
-            <a:ext cx="2194832" cy="369332"/>
-          </a:xfrm>
-          <a:prstGeom prst="rect">
-            <a:avLst/>
-          </a:prstGeom>
-          <a:noFill/>
-        </p:spPr>
-        <p:txBody>
-          <a:bodyPr wrap="none" rtlCol="0">
-            <a:spAutoFit/>
-          </a:bodyPr>
-          <a:lstStyle/>
-          <a:p>
-            <a:r>
-              <a:rPr lang="ko-KR" altLang="en-US" dirty="0"/>
-              <a:t>데이터 유효성 검사</a:t>
-            </a:r>
-          </a:p>
-        </p:txBody>
-      </p:sp>
       <p:sp>
         <p:nvSpPr>
           <p:cNvPr id="11" name="TextBox 10">
@@ -6148,4 +6576,299 @@
     </a:ext>
   </a:extLst>
 </a:theme>
+</file>
+
+<file path=ppt/theme/theme2.xml><?xml version="1.0" encoding="utf-8"?>
+<a:theme xmlns:a="http://schemas.openxmlformats.org/drawingml/2006/main" name="Office 테마">
+  <a:themeElements>
+    <a:clrScheme name="Office">
+      <a:dk1>
+        <a:sysClr val="windowText" lastClr="000000"/>
+      </a:dk1>
+      <a:lt1>
+        <a:sysClr val="window" lastClr="FFFFFF"/>
+      </a:lt1>
+      <a:dk2>
+        <a:srgbClr val="44546A"/>
+      </a:dk2>
+      <a:lt2>
+        <a:srgbClr val="E7E6E6"/>
+      </a:lt2>
+      <a:accent1>
+        <a:srgbClr val="4472C4"/>
+      </a:accent1>
+      <a:accent2>
+        <a:srgbClr val="ED7D31"/>
+      </a:accent2>
+      <a:accent3>
+        <a:srgbClr val="A5A5A5"/>
+      </a:accent3>
+      <a:accent4>
+        <a:srgbClr val="FFC000"/>
+      </a:accent4>
+      <a:accent5>
+        <a:srgbClr val="5B9BD5"/>
+      </a:accent5>
+      <a:accent6>
+        <a:srgbClr val="70AD47"/>
+      </a:accent6>
+      <a:hlink>
+        <a:srgbClr val="0563C1"/>
+      </a:hlink>
+      <a:folHlink>
+        <a:srgbClr val="954F72"/>
+      </a:folHlink>
+    </a:clrScheme>
+    <a:fontScheme name="Office">
+      <a:majorFont>
+        <a:latin typeface="맑은 고딕" panose="020F0302020204030204"/>
+        <a:ea typeface=""/>
+        <a:cs typeface=""/>
+        <a:font script="Jpan" typeface="游ゴシック Light"/>
+        <a:font script="Hang" typeface="맑은 고딕"/>
+        <a:font script="Hans" typeface="等线 Light"/>
+        <a:font script="Hant" typeface="新細明體"/>
+        <a:font script="Arab" typeface="Times New Roman"/>
+        <a:font script="Hebr" typeface="Times New Roman"/>
+        <a:font script="Thai" typeface="Angsana New"/>
+        <a:font script="Ethi" typeface="Nyala"/>
+        <a:font script="Beng" typeface="Vrinda"/>
+        <a:font script="Gujr" typeface="Shruti"/>
+        <a:font script="Khmr" typeface="MoolBoran"/>
+        <a:font script="Knda" typeface="Tunga"/>
+        <a:font script="Guru" typeface="Raavi"/>
+        <a:font script="Cans" typeface="Euphemia"/>
+        <a:font script="Cher" typeface="Plantagenet Cherokee"/>
+        <a:font script="Yiii" typeface="Microsoft Yi Baiti"/>
+        <a:font script="Tibt" typeface="Microsoft Himalaya"/>
+        <a:font script="Thaa" typeface="MV Boli"/>
+        <a:font script="Deva" typeface="Mangal"/>
+        <a:font script="Telu" typeface="Gautami"/>
+        <a:font script="Taml" typeface="Latha"/>
+        <a:font script="Syrc" typeface="Estrangelo Edessa"/>
+        <a:font script="Orya" typeface="Kalinga"/>
+        <a:font script="Mlym" typeface="Kartika"/>
+        <a:font script="Laoo" typeface="DokChampa"/>
+        <a:font script="Sinh" typeface="Iskoola Pota"/>
+        <a:font script="Mong" typeface="Mongolian Baiti"/>
+        <a:font script="Viet" typeface="Times New Roman"/>
+        <a:font script="Uigh" typeface="Microsoft Uighur"/>
+        <a:font script="Geor" typeface="Sylfaen"/>
+        <a:font script="Armn" typeface="Arial"/>
+        <a:font script="Bugi" typeface="Leelawadee UI"/>
+        <a:font script="Bopo" typeface="Microsoft JhengHei"/>
+        <a:font script="Java" typeface="Javanese Text"/>
+        <a:font script="Lisu" typeface="Segoe UI"/>
+        <a:font script="Mymr" typeface="Myanmar Text"/>
+        <a:font script="Nkoo" typeface="Ebrima"/>
+        <a:font script="Olck" typeface="Nirmala UI"/>
+        <a:font script="Osma" typeface="Ebrima"/>
+        <a:font script="Phag" typeface="Phagspa"/>
+        <a:font script="Syrn" typeface="Estrangelo Edessa"/>
+        <a:font script="Syrj" typeface="Estrangelo Edessa"/>
+        <a:font script="Syre" typeface="Estrangelo Edessa"/>
+        <a:font script="Sora" typeface="Nirmala UI"/>
+        <a:font script="Tale" typeface="Microsoft Tai Le"/>
+        <a:font script="Talu" typeface="Microsoft New Tai Lue"/>
+        <a:font script="Tfng" typeface="Ebrima"/>
+      </a:majorFont>
+      <a:minorFont>
+        <a:latin typeface="맑은 고딕" panose="020F0502020204030204"/>
+        <a:ea typeface=""/>
+        <a:cs typeface=""/>
+        <a:font script="Jpan" typeface="游ゴシック"/>
+        <a:font script="Hang" typeface="맑은 고딕"/>
+        <a:font script="Hans" typeface="等线"/>
+        <a:font script="Hant" typeface="新細明體"/>
+        <a:font script="Arab" typeface="Arial"/>
+        <a:font script="Hebr" typeface="Arial"/>
+        <a:font script="Thai" typeface="Cordia New"/>
+        <a:font script="Ethi" typeface="Nyala"/>
+        <a:font script="Beng" typeface="Vrinda"/>
+        <a:font script="Gujr" typeface="Shruti"/>
+        <a:font script="Khmr" typeface="DaunPenh"/>
+        <a:font script="Knda" typeface="Tunga"/>
+        <a:font script="Guru" typeface="Raavi"/>
+        <a:font script="Cans" typeface="Euphemia"/>
+        <a:font script="Cher" typeface="Plantagenet Cherokee"/>
+        <a:font script="Yiii" typeface="Microsoft Yi Baiti"/>
+        <a:font script="Tibt" typeface="Microsoft Himalaya"/>
+        <a:font script="Thaa" typeface="MV Boli"/>
+        <a:font script="Deva" typeface="Mangal"/>
+        <a:font script="Telu" typeface="Gautami"/>
+        <a:font script="Taml" typeface="Latha"/>
+        <a:font script="Syrc" typeface="Estrangelo Edessa"/>
+        <a:font script="Orya" typeface="Kalinga"/>
+        <a:font script="Mlym" typeface="Kartika"/>
+        <a:font script="Laoo" typeface="DokChampa"/>
+        <a:font script="Sinh" typeface="Iskoola Pota"/>
+        <a:font script="Mong" typeface="Mongolian Baiti"/>
+        <a:font script="Viet" typeface="Arial"/>
+        <a:font script="Uigh" typeface="Microsoft Uighur"/>
+        <a:font script="Geor" typeface="Sylfaen"/>
+        <a:font script="Armn" typeface="Arial"/>
+        <a:font script="Bugi" typeface="Leelawadee UI"/>
+        <a:font script="Bopo" typeface="Microsoft JhengHei"/>
+        <a:font script="Java" typeface="Javanese Text"/>
+        <a:font script="Lisu" typeface="Segoe UI"/>
+        <a:font script="Mymr" typeface="Myanmar Text"/>
+        <a:font script="Nkoo" typeface="Ebrima"/>
+        <a:font script="Olck" typeface="Nirmala UI"/>
+        <a:font script="Osma" typeface="Ebrima"/>
+        <a:font script="Phag" typeface="Phagspa"/>
+        <a:font script="Syrn" typeface="Estrangelo Edessa"/>
+        <a:font script="Syrj" typeface="Estrangelo Edessa"/>
+        <a:font script="Syre" typeface="Estrangelo Edessa"/>
+        <a:font script="Sora" typeface="Nirmala UI"/>
+        <a:font script="Tale" typeface="Microsoft Tai Le"/>
+        <a:font script="Talu" typeface="Microsoft New Tai Lue"/>
+        <a:font script="Tfng" typeface="Ebrima"/>
+      </a:minorFont>
+    </a:fontScheme>
+    <a:fmtScheme name="Office">
+      <a:fillStyleLst>
+        <a:solidFill>
+          <a:schemeClr val="phClr"/>
+        </a:solidFill>
+        <a:gradFill rotWithShape="1">
+          <a:gsLst>
+            <a:gs pos="0">
+              <a:schemeClr val="phClr">
+                <a:lumMod val="110000"/>
+                <a:satMod val="105000"/>
+                <a:tint val="67000"/>
+              </a:schemeClr>
+            </a:gs>
+            <a:gs pos="50000">
+              <a:schemeClr val="phClr">
+                <a:lumMod val="105000"/>
+                <a:satMod val="103000"/>
+                <a:tint val="73000"/>
+              </a:schemeClr>
+            </a:gs>
+            <a:gs pos="100000">
+              <a:schemeClr val="phClr">
+                <a:lumMod val="105000"/>
+                <a:satMod val="109000"/>
+                <a:tint val="81000"/>
+              </a:schemeClr>
+            </a:gs>
+          </a:gsLst>
+          <a:lin ang="5400000" scaled="0"/>
+        </a:gradFill>
+        <a:gradFill rotWithShape="1">
+          <a:gsLst>
+            <a:gs pos="0">
+              <a:schemeClr val="phClr">
+                <a:satMod val="103000"/>
+                <a:lumMod val="102000"/>
+                <a:tint val="94000"/>
+              </a:schemeClr>
+            </a:gs>
+            <a:gs pos="50000">
+              <a:schemeClr val="phClr">
+                <a:satMod val="110000"/>
+                <a:lumMod val="100000"/>
+                <a:shade val="100000"/>
+              </a:schemeClr>
+            </a:gs>
+            <a:gs pos="100000">
+              <a:schemeClr val="phClr">
+                <a:lumMod val="99000"/>
+                <a:satMod val="120000"/>
+                <a:shade val="78000"/>
+              </a:schemeClr>
+            </a:gs>
+          </a:gsLst>
+          <a:lin ang="5400000" scaled="0"/>
+        </a:gradFill>
+      </a:fillStyleLst>
+      <a:lnStyleLst>
+        <a:ln w="6350" cap="flat" cmpd="sng" algn="ctr">
+          <a:solidFill>
+            <a:schemeClr val="phClr"/>
+          </a:solidFill>
+          <a:prstDash val="solid"/>
+          <a:miter lim="800000"/>
+        </a:ln>
+        <a:ln w="12700" cap="flat" cmpd="sng" algn="ctr">
+          <a:solidFill>
+            <a:schemeClr val="phClr"/>
+          </a:solidFill>
+          <a:prstDash val="solid"/>
+          <a:miter lim="800000"/>
+        </a:ln>
+        <a:ln w="19050" cap="flat" cmpd="sng" algn="ctr">
+          <a:solidFill>
+            <a:schemeClr val="phClr"/>
+          </a:solidFill>
+          <a:prstDash val="solid"/>
+          <a:miter lim="800000"/>
+        </a:ln>
+      </a:lnStyleLst>
+      <a:effectStyleLst>
+        <a:effectStyle>
+          <a:effectLst/>
+        </a:effectStyle>
+        <a:effectStyle>
+          <a:effectLst/>
+        </a:effectStyle>
+        <a:effectStyle>
+          <a:effectLst>
+            <a:outerShdw blurRad="57150" dist="19050" dir="5400000" algn="ctr" rotWithShape="0">
+              <a:srgbClr val="000000">
+                <a:alpha val="63000"/>
+              </a:srgbClr>
+            </a:outerShdw>
+          </a:effectLst>
+        </a:effectStyle>
+      </a:effectStyleLst>
+      <a:bgFillStyleLst>
+        <a:solidFill>
+          <a:schemeClr val="phClr"/>
+        </a:solidFill>
+        <a:solidFill>
+          <a:schemeClr val="phClr">
+            <a:tint val="95000"/>
+            <a:satMod val="170000"/>
+          </a:schemeClr>
+        </a:solidFill>
+        <a:gradFill rotWithShape="1">
+          <a:gsLst>
+            <a:gs pos="0">
+              <a:schemeClr val="phClr">
+                <a:tint val="93000"/>
+                <a:satMod val="150000"/>
+                <a:shade val="98000"/>
+                <a:lumMod val="102000"/>
+              </a:schemeClr>
+            </a:gs>
+            <a:gs pos="50000">
+              <a:schemeClr val="phClr">
+                <a:tint val="98000"/>
+                <a:satMod val="130000"/>
+                <a:shade val="90000"/>
+                <a:lumMod val="103000"/>
+              </a:schemeClr>
+            </a:gs>
+            <a:gs pos="100000">
+              <a:schemeClr val="phClr">
+                <a:shade val="63000"/>
+                <a:satMod val="120000"/>
+              </a:schemeClr>
+            </a:gs>
+          </a:gsLst>
+          <a:lin ang="5400000" scaled="0"/>
+        </a:gradFill>
+      </a:bgFillStyleLst>
+    </a:fmtScheme>
+  </a:themeElements>
+  <a:objectDefaults/>
+  <a:extraClrSchemeLst/>
+  <a:extLst>
+    <a:ext uri="{05A4C25C-085E-4340-85A3-A5531E510DB2}">
+      <thm15:themeFamily xmlns:thm15="http://schemas.microsoft.com/office/thememl/2012/main" name="Office Theme" id="{62F939B6-93AF-4DB8-9C6B-D6C7DFDC589F}" vid="{4A3C46E8-61CC-4603-A589-7422A47A8E4A}"/>
+    </a:ext>
+  </a:extLst>
+</a:theme>
 </file>